--- a/PreparationEpreuves/Presentations_Epreuves.pptx
+++ b/PreparationEpreuves/Presentations_Epreuves.pptx
@@ -11,8 +11,9 @@
     <p:sldId id="263" r:id="rId5"/>
     <p:sldId id="261" r:id="rId6"/>
     <p:sldId id="258" r:id="rId7"/>
-    <p:sldId id="259" r:id="rId8"/>
-    <p:sldId id="257" r:id="rId9"/>
+    <p:sldId id="264" r:id="rId8"/>
+    <p:sldId id="259" r:id="rId9"/>
+    <p:sldId id="257" r:id="rId10"/>
   </p:sldIdLst>
   <p:sldSz cx="7559675" cy="10691813"/>
   <p:notesSz cx="6797675" cy="9926638"/>
@@ -4613,6 +4614,753 @@
 </file>
 
 <file path=ppt/diagrams/colors7.xml><?xml version="1.0" encoding="utf-8"?>
+<dgm:colorsDef xmlns:dgm="http://schemas.openxmlformats.org/drawingml/2006/diagram" xmlns:a="http://schemas.openxmlformats.org/drawingml/2006/main" uniqueId="urn:microsoft.com/office/officeart/2005/8/colors/accent1_2">
+  <dgm:title val=""/>
+  <dgm:desc val=""/>
+  <dgm:catLst>
+    <dgm:cat type="accent1" pri="11200"/>
+  </dgm:catLst>
+  <dgm:styleLbl name="node0">
+    <dgm:fillClrLst meth="repeat">
+      <a:schemeClr val="accent1"/>
+    </dgm:fillClrLst>
+    <dgm:linClrLst meth="repeat">
+      <a:schemeClr val="lt1"/>
+    </dgm:linClrLst>
+    <dgm:effectClrLst/>
+    <dgm:txLinClrLst/>
+    <dgm:txFillClrLst/>
+    <dgm:txEffectClrLst/>
+  </dgm:styleLbl>
+  <dgm:styleLbl name="alignNode1">
+    <dgm:fillClrLst meth="repeat">
+      <a:schemeClr val="accent1"/>
+    </dgm:fillClrLst>
+    <dgm:linClrLst meth="repeat">
+      <a:schemeClr val="accent1"/>
+    </dgm:linClrLst>
+    <dgm:effectClrLst/>
+    <dgm:txLinClrLst/>
+    <dgm:txFillClrLst/>
+    <dgm:txEffectClrLst/>
+  </dgm:styleLbl>
+  <dgm:styleLbl name="node1">
+    <dgm:fillClrLst meth="repeat">
+      <a:schemeClr val="accent1"/>
+    </dgm:fillClrLst>
+    <dgm:linClrLst meth="repeat">
+      <a:schemeClr val="lt1"/>
+    </dgm:linClrLst>
+    <dgm:effectClrLst/>
+    <dgm:txLinClrLst/>
+    <dgm:txFillClrLst/>
+    <dgm:txEffectClrLst/>
+  </dgm:styleLbl>
+  <dgm:styleLbl name="lnNode1">
+    <dgm:fillClrLst meth="repeat">
+      <a:schemeClr val="accent1"/>
+    </dgm:fillClrLst>
+    <dgm:linClrLst meth="repeat">
+      <a:schemeClr val="lt1"/>
+    </dgm:linClrLst>
+    <dgm:effectClrLst/>
+    <dgm:txLinClrLst/>
+    <dgm:txFillClrLst/>
+    <dgm:txEffectClrLst/>
+  </dgm:styleLbl>
+  <dgm:styleLbl name="vennNode1">
+    <dgm:fillClrLst meth="repeat">
+      <a:schemeClr val="accent1">
+        <a:alpha val="50000"/>
+      </a:schemeClr>
+    </dgm:fillClrLst>
+    <dgm:linClrLst meth="repeat">
+      <a:schemeClr val="lt1"/>
+    </dgm:linClrLst>
+    <dgm:effectClrLst/>
+    <dgm:txLinClrLst/>
+    <dgm:txFillClrLst/>
+    <dgm:txEffectClrLst/>
+  </dgm:styleLbl>
+  <dgm:styleLbl name="node2">
+    <dgm:fillClrLst meth="repeat">
+      <a:schemeClr val="accent1"/>
+    </dgm:fillClrLst>
+    <dgm:linClrLst meth="repeat">
+      <a:schemeClr val="lt1"/>
+    </dgm:linClrLst>
+    <dgm:effectClrLst/>
+    <dgm:txLinClrLst/>
+    <dgm:txFillClrLst/>
+    <dgm:txEffectClrLst/>
+  </dgm:styleLbl>
+  <dgm:styleLbl name="node3">
+    <dgm:fillClrLst meth="repeat">
+      <a:schemeClr val="accent1"/>
+    </dgm:fillClrLst>
+    <dgm:linClrLst meth="repeat">
+      <a:schemeClr val="lt1"/>
+    </dgm:linClrLst>
+    <dgm:effectClrLst/>
+    <dgm:txLinClrLst/>
+    <dgm:txFillClrLst/>
+    <dgm:txEffectClrLst/>
+  </dgm:styleLbl>
+  <dgm:styleLbl name="node4">
+    <dgm:fillClrLst meth="repeat">
+      <a:schemeClr val="accent1"/>
+    </dgm:fillClrLst>
+    <dgm:linClrLst meth="repeat">
+      <a:schemeClr val="lt1"/>
+    </dgm:linClrLst>
+    <dgm:effectClrLst/>
+    <dgm:txLinClrLst/>
+    <dgm:txFillClrLst/>
+    <dgm:txEffectClrLst/>
+  </dgm:styleLbl>
+  <dgm:styleLbl name="fgImgPlace1">
+    <dgm:fillClrLst meth="repeat">
+      <a:schemeClr val="accent1">
+        <a:tint val="50000"/>
+      </a:schemeClr>
+    </dgm:fillClrLst>
+    <dgm:linClrLst meth="repeat">
+      <a:schemeClr val="lt1"/>
+    </dgm:linClrLst>
+    <dgm:effectClrLst/>
+    <dgm:txLinClrLst/>
+    <dgm:txFillClrLst meth="repeat">
+      <a:schemeClr val="lt1"/>
+    </dgm:txFillClrLst>
+    <dgm:txEffectClrLst/>
+  </dgm:styleLbl>
+  <dgm:styleLbl name="alignImgPlace1">
+    <dgm:fillClrLst meth="repeat">
+      <a:schemeClr val="accent1">
+        <a:tint val="50000"/>
+      </a:schemeClr>
+    </dgm:fillClrLst>
+    <dgm:linClrLst meth="repeat">
+      <a:schemeClr val="lt1"/>
+    </dgm:linClrLst>
+    <dgm:effectClrLst/>
+    <dgm:txLinClrLst/>
+    <dgm:txFillClrLst meth="repeat">
+      <a:schemeClr val="lt1"/>
+    </dgm:txFillClrLst>
+    <dgm:txEffectClrLst/>
+  </dgm:styleLbl>
+  <dgm:styleLbl name="bgImgPlace1">
+    <dgm:fillClrLst meth="repeat">
+      <a:schemeClr val="accent1">
+        <a:tint val="50000"/>
+      </a:schemeClr>
+    </dgm:fillClrLst>
+    <dgm:linClrLst meth="repeat">
+      <a:schemeClr val="lt1"/>
+    </dgm:linClrLst>
+    <dgm:effectClrLst/>
+    <dgm:txLinClrLst/>
+    <dgm:txFillClrLst meth="repeat">
+      <a:schemeClr val="lt1"/>
+    </dgm:txFillClrLst>
+    <dgm:txEffectClrLst/>
+  </dgm:styleLbl>
+  <dgm:styleLbl name="sibTrans2D1">
+    <dgm:fillClrLst meth="repeat">
+      <a:schemeClr val="accent1">
+        <a:tint val="60000"/>
+      </a:schemeClr>
+    </dgm:fillClrLst>
+    <dgm:linClrLst meth="repeat">
+      <a:schemeClr val="accent1">
+        <a:tint val="60000"/>
+      </a:schemeClr>
+    </dgm:linClrLst>
+    <dgm:effectClrLst/>
+    <dgm:txLinClrLst/>
+    <dgm:txFillClrLst/>
+    <dgm:txEffectClrLst/>
+  </dgm:styleLbl>
+  <dgm:styleLbl name="fgSibTrans2D1">
+    <dgm:fillClrLst meth="repeat">
+      <a:schemeClr val="accent1">
+        <a:tint val="60000"/>
+      </a:schemeClr>
+    </dgm:fillClrLst>
+    <dgm:linClrLst meth="repeat">
+      <a:schemeClr val="accent1">
+        <a:tint val="60000"/>
+      </a:schemeClr>
+    </dgm:linClrLst>
+    <dgm:effectClrLst/>
+    <dgm:txLinClrLst/>
+    <dgm:txFillClrLst/>
+    <dgm:txEffectClrLst/>
+  </dgm:styleLbl>
+  <dgm:styleLbl name="bgSibTrans2D1">
+    <dgm:fillClrLst meth="repeat">
+      <a:schemeClr val="accent1">
+        <a:tint val="60000"/>
+      </a:schemeClr>
+    </dgm:fillClrLst>
+    <dgm:linClrLst meth="repeat">
+      <a:schemeClr val="accent1">
+        <a:tint val="60000"/>
+      </a:schemeClr>
+    </dgm:linClrLst>
+    <dgm:effectClrLst/>
+    <dgm:txLinClrLst/>
+    <dgm:txFillClrLst/>
+    <dgm:txEffectClrLst/>
+  </dgm:styleLbl>
+  <dgm:styleLbl name="sibTrans1D1">
+    <dgm:fillClrLst meth="repeat">
+      <a:schemeClr val="accent1"/>
+    </dgm:fillClrLst>
+    <dgm:linClrLst meth="repeat">
+      <a:schemeClr val="accent1"/>
+    </dgm:linClrLst>
+    <dgm:effectClrLst/>
+    <dgm:txLinClrLst/>
+    <dgm:txFillClrLst meth="repeat">
+      <a:schemeClr val="tx1"/>
+    </dgm:txFillClrLst>
+    <dgm:txEffectClrLst/>
+  </dgm:styleLbl>
+  <dgm:styleLbl name="callout">
+    <dgm:fillClrLst meth="repeat">
+      <a:schemeClr val="accent1"/>
+    </dgm:fillClrLst>
+    <dgm:linClrLst meth="repeat">
+      <a:schemeClr val="accent1">
+        <a:tint val="50000"/>
+      </a:schemeClr>
+    </dgm:linClrLst>
+    <dgm:effectClrLst/>
+    <dgm:txLinClrLst/>
+    <dgm:txFillClrLst meth="repeat">
+      <a:schemeClr val="tx1"/>
+    </dgm:txFillClrLst>
+    <dgm:txEffectClrLst/>
+  </dgm:styleLbl>
+  <dgm:styleLbl name="asst0">
+    <dgm:fillClrLst meth="repeat">
+      <a:schemeClr val="accent1"/>
+    </dgm:fillClrLst>
+    <dgm:linClrLst meth="repeat">
+      <a:schemeClr val="lt1"/>
+    </dgm:linClrLst>
+    <dgm:effectClrLst/>
+    <dgm:txLinClrLst/>
+    <dgm:txFillClrLst/>
+    <dgm:txEffectClrLst/>
+  </dgm:styleLbl>
+  <dgm:styleLbl name="asst1">
+    <dgm:fillClrLst meth="repeat">
+      <a:schemeClr val="accent1"/>
+    </dgm:fillClrLst>
+    <dgm:linClrLst meth="repeat">
+      <a:schemeClr val="lt1"/>
+    </dgm:linClrLst>
+    <dgm:effectClrLst/>
+    <dgm:txLinClrLst/>
+    <dgm:txFillClrLst/>
+    <dgm:txEffectClrLst/>
+  </dgm:styleLbl>
+  <dgm:styleLbl name="asst2">
+    <dgm:fillClrLst meth="repeat">
+      <a:schemeClr val="accent1"/>
+    </dgm:fillClrLst>
+    <dgm:linClrLst meth="repeat">
+      <a:schemeClr val="lt1"/>
+    </dgm:linClrLst>
+    <dgm:effectClrLst/>
+    <dgm:txLinClrLst/>
+    <dgm:txFillClrLst/>
+    <dgm:txEffectClrLst/>
+  </dgm:styleLbl>
+  <dgm:styleLbl name="asst3">
+    <dgm:fillClrLst meth="repeat">
+      <a:schemeClr val="accent1"/>
+    </dgm:fillClrLst>
+    <dgm:linClrLst meth="repeat">
+      <a:schemeClr val="lt1"/>
+    </dgm:linClrLst>
+    <dgm:effectClrLst/>
+    <dgm:txLinClrLst/>
+    <dgm:txFillClrLst/>
+    <dgm:txEffectClrLst/>
+  </dgm:styleLbl>
+  <dgm:styleLbl name="asst4">
+    <dgm:fillClrLst meth="repeat">
+      <a:schemeClr val="accent1"/>
+    </dgm:fillClrLst>
+    <dgm:linClrLst meth="repeat">
+      <a:schemeClr val="lt1"/>
+    </dgm:linClrLst>
+    <dgm:effectClrLst/>
+    <dgm:txLinClrLst/>
+    <dgm:txFillClrLst/>
+    <dgm:txEffectClrLst/>
+  </dgm:styleLbl>
+  <dgm:styleLbl name="parChTrans2D1">
+    <dgm:fillClrLst meth="repeat">
+      <a:schemeClr val="accent1">
+        <a:tint val="60000"/>
+      </a:schemeClr>
+    </dgm:fillClrLst>
+    <dgm:linClrLst meth="repeat">
+      <a:schemeClr val="accent1">
+        <a:tint val="60000"/>
+      </a:schemeClr>
+    </dgm:linClrLst>
+    <dgm:effectClrLst/>
+    <dgm:txLinClrLst/>
+    <dgm:txFillClrLst meth="repeat">
+      <a:schemeClr val="lt1"/>
+    </dgm:txFillClrLst>
+    <dgm:txEffectClrLst/>
+  </dgm:styleLbl>
+  <dgm:styleLbl name="parChTrans2D2">
+    <dgm:fillClrLst meth="repeat">
+      <a:schemeClr val="accent1"/>
+    </dgm:fillClrLst>
+    <dgm:linClrLst meth="repeat">
+      <a:schemeClr val="accent1"/>
+    </dgm:linClrLst>
+    <dgm:effectClrLst/>
+    <dgm:txLinClrLst/>
+    <dgm:txFillClrLst meth="repeat">
+      <a:schemeClr val="lt1"/>
+    </dgm:txFillClrLst>
+    <dgm:txEffectClrLst/>
+  </dgm:styleLbl>
+  <dgm:styleLbl name="parChTrans2D3">
+    <dgm:fillClrLst meth="repeat">
+      <a:schemeClr val="accent1"/>
+    </dgm:fillClrLst>
+    <dgm:linClrLst meth="repeat">
+      <a:schemeClr val="accent1"/>
+    </dgm:linClrLst>
+    <dgm:effectClrLst/>
+    <dgm:txLinClrLst/>
+    <dgm:txFillClrLst meth="repeat">
+      <a:schemeClr val="lt1"/>
+    </dgm:txFillClrLst>
+    <dgm:txEffectClrLst/>
+  </dgm:styleLbl>
+  <dgm:styleLbl name="parChTrans2D4">
+    <dgm:fillClrLst meth="repeat">
+      <a:schemeClr val="accent1"/>
+    </dgm:fillClrLst>
+    <dgm:linClrLst meth="repeat">
+      <a:schemeClr val="accent1"/>
+    </dgm:linClrLst>
+    <dgm:effectClrLst/>
+    <dgm:txLinClrLst/>
+    <dgm:txFillClrLst meth="repeat">
+      <a:schemeClr val="lt1"/>
+    </dgm:txFillClrLst>
+    <dgm:txEffectClrLst/>
+  </dgm:styleLbl>
+  <dgm:styleLbl name="parChTrans1D1">
+    <dgm:fillClrLst meth="repeat">
+      <a:schemeClr val="accent1"/>
+    </dgm:fillClrLst>
+    <dgm:linClrLst meth="repeat">
+      <a:schemeClr val="accent1">
+        <a:shade val="60000"/>
+      </a:schemeClr>
+    </dgm:linClrLst>
+    <dgm:effectClrLst/>
+    <dgm:txLinClrLst/>
+    <dgm:txFillClrLst meth="repeat">
+      <a:schemeClr val="tx1"/>
+    </dgm:txFillClrLst>
+    <dgm:txEffectClrLst/>
+  </dgm:styleLbl>
+  <dgm:styleLbl name="parChTrans1D2">
+    <dgm:fillClrLst meth="repeat">
+      <a:schemeClr val="accent1"/>
+    </dgm:fillClrLst>
+    <dgm:linClrLst meth="repeat">
+      <a:schemeClr val="accent1">
+        <a:shade val="60000"/>
+      </a:schemeClr>
+    </dgm:linClrLst>
+    <dgm:effectClrLst/>
+    <dgm:txLinClrLst/>
+    <dgm:txFillClrLst meth="repeat">
+      <a:schemeClr val="tx1"/>
+    </dgm:txFillClrLst>
+    <dgm:txEffectClrLst/>
+  </dgm:styleLbl>
+  <dgm:styleLbl name="parChTrans1D3">
+    <dgm:fillClrLst meth="repeat">
+      <a:schemeClr val="accent1"/>
+    </dgm:fillClrLst>
+    <dgm:linClrLst meth="repeat">
+      <a:schemeClr val="accent1">
+        <a:shade val="80000"/>
+      </a:schemeClr>
+    </dgm:linClrLst>
+    <dgm:effectClrLst/>
+    <dgm:txLinClrLst/>
+    <dgm:txFillClrLst meth="repeat">
+      <a:schemeClr val="tx1"/>
+    </dgm:txFillClrLst>
+    <dgm:txEffectClrLst/>
+  </dgm:styleLbl>
+  <dgm:styleLbl name="parChTrans1D4">
+    <dgm:fillClrLst meth="repeat">
+      <a:schemeClr val="accent1"/>
+    </dgm:fillClrLst>
+    <dgm:linClrLst meth="repeat">
+      <a:schemeClr val="accent1">
+        <a:shade val="80000"/>
+      </a:schemeClr>
+    </dgm:linClrLst>
+    <dgm:effectClrLst/>
+    <dgm:txLinClrLst/>
+    <dgm:txFillClrLst meth="repeat">
+      <a:schemeClr val="tx1"/>
+    </dgm:txFillClrLst>
+    <dgm:txEffectClrLst/>
+  </dgm:styleLbl>
+  <dgm:styleLbl name="fgAcc1">
+    <dgm:fillClrLst meth="repeat">
+      <a:schemeClr val="lt1">
+        <a:alpha val="90000"/>
+      </a:schemeClr>
+    </dgm:fillClrLst>
+    <dgm:linClrLst meth="repeat">
+      <a:schemeClr val="accent1"/>
+    </dgm:linClrLst>
+    <dgm:effectClrLst/>
+    <dgm:txLinClrLst/>
+    <dgm:txFillClrLst meth="repeat">
+      <a:schemeClr val="dk1"/>
+    </dgm:txFillClrLst>
+    <dgm:txEffectClrLst/>
+  </dgm:styleLbl>
+  <dgm:styleLbl name="conFgAcc1">
+    <dgm:fillClrLst meth="repeat">
+      <a:schemeClr val="lt1">
+        <a:alpha val="90000"/>
+      </a:schemeClr>
+    </dgm:fillClrLst>
+    <dgm:linClrLst meth="repeat">
+      <a:schemeClr val="accent1"/>
+    </dgm:linClrLst>
+    <dgm:effectClrLst/>
+    <dgm:txLinClrLst/>
+    <dgm:txFillClrLst meth="repeat">
+      <a:schemeClr val="dk1"/>
+    </dgm:txFillClrLst>
+    <dgm:txEffectClrLst/>
+  </dgm:styleLbl>
+  <dgm:styleLbl name="alignAcc1">
+    <dgm:fillClrLst meth="repeat">
+      <a:schemeClr val="lt1">
+        <a:alpha val="90000"/>
+      </a:schemeClr>
+    </dgm:fillClrLst>
+    <dgm:linClrLst meth="repeat">
+      <a:schemeClr val="accent1"/>
+    </dgm:linClrLst>
+    <dgm:effectClrLst/>
+    <dgm:txLinClrLst/>
+    <dgm:txFillClrLst meth="repeat">
+      <a:schemeClr val="dk1"/>
+    </dgm:txFillClrLst>
+    <dgm:txEffectClrLst/>
+  </dgm:styleLbl>
+  <dgm:styleLbl name="trAlignAcc1">
+    <dgm:fillClrLst meth="repeat">
+      <a:schemeClr val="lt1">
+        <a:alpha val="40000"/>
+      </a:schemeClr>
+    </dgm:fillClrLst>
+    <dgm:linClrLst meth="repeat">
+      <a:schemeClr val="accent1"/>
+    </dgm:linClrLst>
+    <dgm:effectClrLst/>
+    <dgm:txLinClrLst/>
+    <dgm:txFillClrLst meth="repeat">
+      <a:schemeClr val="dk1"/>
+    </dgm:txFillClrLst>
+    <dgm:txEffectClrLst/>
+  </dgm:styleLbl>
+  <dgm:styleLbl name="bgAcc1">
+    <dgm:fillClrLst meth="repeat">
+      <a:schemeClr val="lt1">
+        <a:alpha val="90000"/>
+      </a:schemeClr>
+    </dgm:fillClrLst>
+    <dgm:linClrLst meth="repeat">
+      <a:schemeClr val="accent1"/>
+    </dgm:linClrLst>
+    <dgm:effectClrLst/>
+    <dgm:txLinClrLst/>
+    <dgm:txFillClrLst meth="repeat">
+      <a:schemeClr val="dk1"/>
+    </dgm:txFillClrLst>
+    <dgm:txEffectClrLst/>
+  </dgm:styleLbl>
+  <dgm:styleLbl name="solidFgAcc1">
+    <dgm:fillClrLst meth="repeat">
+      <a:schemeClr val="lt1"/>
+    </dgm:fillClrLst>
+    <dgm:linClrLst meth="repeat">
+      <a:schemeClr val="accent1"/>
+    </dgm:linClrLst>
+    <dgm:effectClrLst/>
+    <dgm:txLinClrLst/>
+    <dgm:txFillClrLst meth="repeat">
+      <a:schemeClr val="dk1"/>
+    </dgm:txFillClrLst>
+    <dgm:txEffectClrLst/>
+  </dgm:styleLbl>
+  <dgm:styleLbl name="solidAlignAcc1">
+    <dgm:fillClrLst meth="repeat">
+      <a:schemeClr val="lt1"/>
+    </dgm:fillClrLst>
+    <dgm:linClrLst meth="repeat">
+      <a:schemeClr val="accent1"/>
+    </dgm:linClrLst>
+    <dgm:effectClrLst/>
+    <dgm:txLinClrLst/>
+    <dgm:txFillClrLst meth="repeat">
+      <a:schemeClr val="dk1"/>
+    </dgm:txFillClrLst>
+    <dgm:txEffectClrLst/>
+  </dgm:styleLbl>
+  <dgm:styleLbl name="solidBgAcc1">
+    <dgm:fillClrLst meth="repeat">
+      <a:schemeClr val="lt1"/>
+    </dgm:fillClrLst>
+    <dgm:linClrLst meth="repeat">
+      <a:schemeClr val="accent1"/>
+    </dgm:linClrLst>
+    <dgm:effectClrLst/>
+    <dgm:txLinClrLst/>
+    <dgm:txFillClrLst meth="repeat">
+      <a:schemeClr val="dk1"/>
+    </dgm:txFillClrLst>
+    <dgm:txEffectClrLst/>
+  </dgm:styleLbl>
+  <dgm:styleLbl name="fgAccFollowNode1">
+    <dgm:fillClrLst meth="repeat">
+      <a:schemeClr val="accent1">
+        <a:alpha val="90000"/>
+        <a:tint val="40000"/>
+      </a:schemeClr>
+    </dgm:fillClrLst>
+    <dgm:linClrLst meth="repeat">
+      <a:schemeClr val="accent1">
+        <a:alpha val="90000"/>
+        <a:tint val="40000"/>
+      </a:schemeClr>
+    </dgm:linClrLst>
+    <dgm:effectClrLst/>
+    <dgm:txLinClrLst/>
+    <dgm:txFillClrLst meth="repeat">
+      <a:schemeClr val="dk1"/>
+    </dgm:txFillClrLst>
+    <dgm:txEffectClrLst/>
+  </dgm:styleLbl>
+  <dgm:styleLbl name="alignAccFollowNode1">
+    <dgm:fillClrLst meth="repeat">
+      <a:schemeClr val="accent1">
+        <a:alpha val="90000"/>
+        <a:tint val="40000"/>
+      </a:schemeClr>
+    </dgm:fillClrLst>
+    <dgm:linClrLst meth="repeat">
+      <a:schemeClr val="accent1">
+        <a:alpha val="90000"/>
+        <a:tint val="40000"/>
+      </a:schemeClr>
+    </dgm:linClrLst>
+    <dgm:effectClrLst/>
+    <dgm:txLinClrLst/>
+    <dgm:txFillClrLst meth="repeat">
+      <a:schemeClr val="dk1"/>
+    </dgm:txFillClrLst>
+    <dgm:txEffectClrLst/>
+  </dgm:styleLbl>
+  <dgm:styleLbl name="bgAccFollowNode1">
+    <dgm:fillClrLst meth="repeat">
+      <a:schemeClr val="accent1">
+        <a:alpha val="90000"/>
+        <a:tint val="40000"/>
+      </a:schemeClr>
+    </dgm:fillClrLst>
+    <dgm:linClrLst meth="repeat">
+      <a:schemeClr val="accent1">
+        <a:alpha val="90000"/>
+        <a:tint val="40000"/>
+      </a:schemeClr>
+    </dgm:linClrLst>
+    <dgm:effectClrLst/>
+    <dgm:txLinClrLst/>
+    <dgm:txFillClrLst meth="repeat">
+      <a:schemeClr val="dk1"/>
+    </dgm:txFillClrLst>
+    <dgm:txEffectClrLst/>
+  </dgm:styleLbl>
+  <dgm:styleLbl name="fgAcc0">
+    <dgm:fillClrLst meth="repeat">
+      <a:schemeClr val="lt1">
+        <a:alpha val="90000"/>
+      </a:schemeClr>
+    </dgm:fillClrLst>
+    <dgm:linClrLst meth="repeat">
+      <a:schemeClr val="accent1"/>
+    </dgm:linClrLst>
+    <dgm:effectClrLst/>
+    <dgm:txLinClrLst/>
+    <dgm:txFillClrLst meth="repeat">
+      <a:schemeClr val="dk1"/>
+    </dgm:txFillClrLst>
+    <dgm:txEffectClrLst/>
+  </dgm:styleLbl>
+  <dgm:styleLbl name="fgAcc2">
+    <dgm:fillClrLst meth="repeat">
+      <a:schemeClr val="lt1">
+        <a:alpha val="90000"/>
+      </a:schemeClr>
+    </dgm:fillClrLst>
+    <dgm:linClrLst meth="repeat">
+      <a:schemeClr val="accent1"/>
+    </dgm:linClrLst>
+    <dgm:effectClrLst/>
+    <dgm:txLinClrLst/>
+    <dgm:txFillClrLst meth="repeat">
+      <a:schemeClr val="dk1"/>
+    </dgm:txFillClrLst>
+    <dgm:txEffectClrLst/>
+  </dgm:styleLbl>
+  <dgm:styleLbl name="fgAcc3">
+    <dgm:fillClrLst meth="repeat">
+      <a:schemeClr val="lt1">
+        <a:alpha val="90000"/>
+      </a:schemeClr>
+    </dgm:fillClrLst>
+    <dgm:linClrLst meth="repeat">
+      <a:schemeClr val="accent1"/>
+    </dgm:linClrLst>
+    <dgm:effectClrLst/>
+    <dgm:txLinClrLst/>
+    <dgm:txFillClrLst meth="repeat">
+      <a:schemeClr val="dk1"/>
+    </dgm:txFillClrLst>
+    <dgm:txEffectClrLst/>
+  </dgm:styleLbl>
+  <dgm:styleLbl name="fgAcc4">
+    <dgm:fillClrLst meth="repeat">
+      <a:schemeClr val="lt1">
+        <a:alpha val="90000"/>
+      </a:schemeClr>
+    </dgm:fillClrLst>
+    <dgm:linClrLst meth="repeat">
+      <a:schemeClr val="accent1"/>
+    </dgm:linClrLst>
+    <dgm:effectClrLst/>
+    <dgm:txLinClrLst/>
+    <dgm:txFillClrLst meth="repeat">
+      <a:schemeClr val="dk1"/>
+    </dgm:txFillClrLst>
+    <dgm:txEffectClrLst/>
+  </dgm:styleLbl>
+  <dgm:styleLbl name="bgShp">
+    <dgm:fillClrLst meth="repeat">
+      <a:schemeClr val="accent1">
+        <a:tint val="40000"/>
+      </a:schemeClr>
+    </dgm:fillClrLst>
+    <dgm:linClrLst meth="repeat">
+      <a:schemeClr val="accent1"/>
+    </dgm:linClrLst>
+    <dgm:effectClrLst/>
+    <dgm:txLinClrLst/>
+    <dgm:txFillClrLst meth="repeat">
+      <a:schemeClr val="dk1"/>
+    </dgm:txFillClrLst>
+    <dgm:txEffectClrLst/>
+  </dgm:styleLbl>
+  <dgm:styleLbl name="dkBgShp">
+    <dgm:fillClrLst meth="repeat">
+      <a:schemeClr val="accent1">
+        <a:shade val="80000"/>
+      </a:schemeClr>
+    </dgm:fillClrLst>
+    <dgm:linClrLst meth="repeat">
+      <a:schemeClr val="accent1"/>
+    </dgm:linClrLst>
+    <dgm:effectClrLst/>
+    <dgm:txLinClrLst/>
+    <dgm:txFillClrLst meth="repeat">
+      <a:schemeClr val="lt1"/>
+    </dgm:txFillClrLst>
+    <dgm:txEffectClrLst/>
+  </dgm:styleLbl>
+  <dgm:styleLbl name="trBgShp">
+    <dgm:fillClrLst meth="repeat">
+      <a:schemeClr val="accent1">
+        <a:tint val="50000"/>
+        <a:alpha val="40000"/>
+      </a:schemeClr>
+    </dgm:fillClrLst>
+    <dgm:linClrLst meth="repeat">
+      <a:schemeClr val="accent1"/>
+    </dgm:linClrLst>
+    <dgm:effectClrLst/>
+    <dgm:txLinClrLst/>
+    <dgm:txFillClrLst meth="repeat">
+      <a:schemeClr val="lt1"/>
+    </dgm:txFillClrLst>
+    <dgm:txEffectClrLst/>
+  </dgm:styleLbl>
+  <dgm:styleLbl name="fgShp">
+    <dgm:fillClrLst meth="repeat">
+      <a:schemeClr val="accent1">
+        <a:tint val="60000"/>
+      </a:schemeClr>
+    </dgm:fillClrLst>
+    <dgm:linClrLst meth="repeat">
+      <a:schemeClr val="lt1"/>
+    </dgm:linClrLst>
+    <dgm:effectClrLst/>
+    <dgm:txLinClrLst/>
+    <dgm:txFillClrLst meth="repeat">
+      <a:schemeClr val="dk1"/>
+    </dgm:txFillClrLst>
+    <dgm:txEffectClrLst/>
+  </dgm:styleLbl>
+  <dgm:styleLbl name="revTx">
+    <dgm:fillClrLst meth="repeat">
+      <a:schemeClr val="lt1">
+        <a:alpha val="0"/>
+      </a:schemeClr>
+    </dgm:fillClrLst>
+    <dgm:linClrLst meth="repeat">
+      <a:schemeClr val="dk1">
+        <a:alpha val="0"/>
+      </a:schemeClr>
+    </dgm:linClrLst>
+    <dgm:effectClrLst/>
+    <dgm:txLinClrLst/>
+    <dgm:txFillClrLst meth="repeat">
+      <a:schemeClr val="tx1"/>
+    </dgm:txFillClrLst>
+    <dgm:txEffectClrLst/>
+  </dgm:styleLbl>
+</dgm:colorsDef>
+</file>
+
+<file path=ppt/diagrams/colors8.xml><?xml version="1.0" encoding="utf-8"?>
 <dgm:colorsDef xmlns:dgm="http://schemas.openxmlformats.org/drawingml/2006/diagram" xmlns:a="http://schemas.openxmlformats.org/drawingml/2006/main" uniqueId="urn:microsoft.com/office/officeart/2005/8/colors/accent1_2">
   <dgm:title val=""/>
   <dgm:desc val=""/>
@@ -9316,6 +10064,841 @@
 </file>
 
 <file path=ppt/diagrams/data7.xml><?xml version="1.0" encoding="utf-8"?>
+<dgm:dataModel xmlns:dgm="http://schemas.openxmlformats.org/drawingml/2006/diagram" xmlns:a="http://schemas.openxmlformats.org/drawingml/2006/main">
+  <dgm:ptLst>
+    <dgm:pt modelId="{4BBBBA37-00AE-490F-BA4E-E9A756C4A0D7}" type="doc">
+      <dgm:prSet loTypeId="urn:microsoft.com/office/officeart/2005/8/layout/hProcess4" loCatId="process" qsTypeId="urn:microsoft.com/office/officeart/2005/8/quickstyle/simple1" qsCatId="simple" csTypeId="urn:microsoft.com/office/officeart/2005/8/colors/accent1_2" csCatId="accent1" phldr="1"/>
+      <dgm:spPr/>
+      <dgm:t>
+        <a:bodyPr/>
+        <a:lstStyle/>
+        <a:p>
+          <a:endParaRPr lang="fr-FR"/>
+        </a:p>
+      </dgm:t>
+    </dgm:pt>
+    <dgm:pt modelId="{C0BBB20E-A547-490C-BFC3-F69C30C2BB85}">
+      <dgm:prSet phldrT="[Texte]" custT="1"/>
+      <dgm:spPr/>
+      <dgm:t>
+        <a:bodyPr/>
+        <a:lstStyle/>
+        <a:p>
+          <a:r>
+            <a:rPr lang="fr-FR" sz="1100" dirty="0">
+              <a:latin typeface="Arial Nova" panose="020B0504020202020204"/>
+            </a:rPr>
+            <a:t>Préparation</a:t>
+          </a:r>
+        </a:p>
+      </dgm:t>
+    </dgm:pt>
+    <dgm:pt modelId="{830D836F-DF80-4E41-AF3F-21CC3E8E4EF2}" type="parTrans" cxnId="{C5973D72-FB08-4B00-8516-F806514B4438}">
+      <dgm:prSet/>
+      <dgm:spPr/>
+      <dgm:t>
+        <a:bodyPr/>
+        <a:lstStyle/>
+        <a:p>
+          <a:endParaRPr lang="fr-FR">
+            <a:latin typeface="Arial Nova" panose="020B0504020202020204"/>
+          </a:endParaRPr>
+        </a:p>
+      </dgm:t>
+    </dgm:pt>
+    <dgm:pt modelId="{DD1C8274-3095-435A-B7E9-C86DA96BDE64}" type="sibTrans" cxnId="{C5973D72-FB08-4B00-8516-F806514B4438}">
+      <dgm:prSet/>
+      <dgm:spPr/>
+      <dgm:t>
+        <a:bodyPr/>
+        <a:lstStyle/>
+        <a:p>
+          <a:endParaRPr lang="fr-FR">
+            <a:latin typeface="Arial Nova" panose="020B0504020202020204"/>
+          </a:endParaRPr>
+        </a:p>
+      </dgm:t>
+    </dgm:pt>
+    <dgm:pt modelId="{20F7D581-9EB2-498F-BE28-9D62195EAF83}">
+      <dgm:prSet phldrT="[Texte]" custT="1"/>
+      <dgm:spPr/>
+      <dgm:t>
+        <a:bodyPr/>
+        <a:lstStyle/>
+        <a:p>
+          <a:r>
+            <a:rPr lang="fr-FR" sz="1100" dirty="0">
+              <a:latin typeface="Arial Nova" panose="020B0504020202020204"/>
+            </a:rPr>
+            <a:t>Introduction</a:t>
+          </a:r>
+        </a:p>
+      </dgm:t>
+    </dgm:pt>
+    <dgm:pt modelId="{E0FBE512-C1C4-4067-A1DE-34C9E33E9EB4}" type="parTrans" cxnId="{1497608C-9EBF-4045-B5D2-B57D8503FD29}">
+      <dgm:prSet/>
+      <dgm:spPr/>
+      <dgm:t>
+        <a:bodyPr/>
+        <a:lstStyle/>
+        <a:p>
+          <a:endParaRPr lang="fr-FR">
+            <a:latin typeface="Arial Nova" panose="020B0504020202020204"/>
+          </a:endParaRPr>
+        </a:p>
+      </dgm:t>
+    </dgm:pt>
+    <dgm:pt modelId="{FCF39507-87BB-42FC-936E-7CB9C907446D}" type="sibTrans" cxnId="{1497608C-9EBF-4045-B5D2-B57D8503FD29}">
+      <dgm:prSet/>
+      <dgm:spPr/>
+      <dgm:t>
+        <a:bodyPr/>
+        <a:lstStyle/>
+        <a:p>
+          <a:endParaRPr lang="fr-FR">
+            <a:latin typeface="Arial Nova" panose="020B0504020202020204"/>
+          </a:endParaRPr>
+        </a:p>
+      </dgm:t>
+    </dgm:pt>
+    <dgm:pt modelId="{B5920376-0133-44CD-BB1B-6F53C130D637}">
+      <dgm:prSet phldrT="[Texte]"/>
+      <dgm:spPr/>
+      <dgm:t>
+        <a:bodyPr/>
+        <a:lstStyle/>
+        <a:p>
+          <a:r>
+            <a:rPr lang="fr-FR" dirty="0">
+              <a:latin typeface="Arial Nova" panose="020B0504020202020204"/>
+            </a:rPr>
+            <a:t>Présentation du système</a:t>
+          </a:r>
+        </a:p>
+      </dgm:t>
+    </dgm:pt>
+    <dgm:pt modelId="{E82A70DF-B649-4129-9355-DBF8312CF18F}" type="parTrans" cxnId="{A743B165-EFB3-4A2B-9188-6DFA8B2E60AB}">
+      <dgm:prSet/>
+      <dgm:spPr/>
+      <dgm:t>
+        <a:bodyPr/>
+        <a:lstStyle/>
+        <a:p>
+          <a:endParaRPr lang="fr-FR">
+            <a:latin typeface="Arial Nova" panose="020B0504020202020204"/>
+          </a:endParaRPr>
+        </a:p>
+      </dgm:t>
+    </dgm:pt>
+    <dgm:pt modelId="{73A56BD2-43C1-4062-A5A5-84091B9A63CC}" type="sibTrans" cxnId="{A743B165-EFB3-4A2B-9188-6DFA8B2E60AB}">
+      <dgm:prSet/>
+      <dgm:spPr/>
+      <dgm:t>
+        <a:bodyPr/>
+        <a:lstStyle/>
+        <a:p>
+          <a:endParaRPr lang="fr-FR">
+            <a:latin typeface="Arial Nova" panose="020B0504020202020204"/>
+          </a:endParaRPr>
+        </a:p>
+      </dgm:t>
+    </dgm:pt>
+    <dgm:pt modelId="{148DC79C-4EEA-43CF-BADE-659389EC8CCC}">
+      <dgm:prSet phldrT="[Texte]"/>
+      <dgm:spPr/>
+      <dgm:t>
+        <a:bodyPr/>
+        <a:lstStyle/>
+        <a:p>
+          <a:r>
+            <a:rPr lang="fr-FR" dirty="0">
+              <a:latin typeface="Arial Nova" panose="020B0504020202020204"/>
+            </a:rPr>
+            <a:t>Fonction principale (Cas d’utilisation)</a:t>
+          </a:r>
+        </a:p>
+      </dgm:t>
+    </dgm:pt>
+    <dgm:pt modelId="{93F49CA4-65A7-42FD-8AC9-5CBA10152A5A}" type="parTrans" cxnId="{89E90838-B3EB-4AAA-8D15-4D187ADDBC24}">
+      <dgm:prSet/>
+      <dgm:spPr/>
+      <dgm:t>
+        <a:bodyPr/>
+        <a:lstStyle/>
+        <a:p>
+          <a:endParaRPr lang="fr-FR">
+            <a:latin typeface="Arial Nova" panose="020B0504020202020204"/>
+          </a:endParaRPr>
+        </a:p>
+      </dgm:t>
+    </dgm:pt>
+    <dgm:pt modelId="{987AB886-30FC-4929-AFA2-85A0536B5275}" type="sibTrans" cxnId="{89E90838-B3EB-4AAA-8D15-4D187ADDBC24}">
+      <dgm:prSet/>
+      <dgm:spPr/>
+      <dgm:t>
+        <a:bodyPr/>
+        <a:lstStyle/>
+        <a:p>
+          <a:endParaRPr lang="fr-FR">
+            <a:latin typeface="Arial Nova" panose="020B0504020202020204"/>
+          </a:endParaRPr>
+        </a:p>
+      </dgm:t>
+    </dgm:pt>
+    <dgm:pt modelId="{928451A7-076A-4725-BC57-E98970B55362}">
+      <dgm:prSet phldrT="[Texte]" custT="1"/>
+      <dgm:spPr/>
+      <dgm:t>
+        <a:bodyPr/>
+        <a:lstStyle/>
+        <a:p>
+          <a:r>
+            <a:rPr lang="fr-FR" sz="1100">
+              <a:latin typeface="Arial Nova" panose="020B0504020202020204"/>
+            </a:rPr>
+            <a:t>Présentation </a:t>
+          </a:r>
+        </a:p>
+      </dgm:t>
+    </dgm:pt>
+    <dgm:pt modelId="{605DBBC2-A198-4676-A0C6-4546B7A91B68}" type="parTrans" cxnId="{1A2CD6BD-4FB6-4C65-A31E-7C659272F5FF}">
+      <dgm:prSet/>
+      <dgm:spPr/>
+      <dgm:t>
+        <a:bodyPr/>
+        <a:lstStyle/>
+        <a:p>
+          <a:endParaRPr lang="fr-FR">
+            <a:latin typeface="Arial Nova" panose="020B0504020202020204"/>
+          </a:endParaRPr>
+        </a:p>
+      </dgm:t>
+    </dgm:pt>
+    <dgm:pt modelId="{75637A16-730E-4452-8190-67FB3226C504}" type="sibTrans" cxnId="{1A2CD6BD-4FB6-4C65-A31E-7C659272F5FF}">
+      <dgm:prSet/>
+      <dgm:spPr/>
+      <dgm:t>
+        <a:bodyPr/>
+        <a:lstStyle/>
+        <a:p>
+          <a:endParaRPr lang="fr-FR">
+            <a:latin typeface="Arial Nova" panose="020B0504020202020204"/>
+          </a:endParaRPr>
+        </a:p>
+      </dgm:t>
+    </dgm:pt>
+    <dgm:pt modelId="{11F904A3-BE7E-4610-85FF-791DB76C5662}">
+      <dgm:prSet phldrT="[Texte]"/>
+      <dgm:spPr/>
+      <dgm:t>
+        <a:bodyPr/>
+        <a:lstStyle/>
+        <a:p>
+          <a:r>
+            <a:rPr lang="fr-FR" dirty="0">
+              <a:latin typeface="Arial Nova" panose="020B0504020202020204"/>
+            </a:rPr>
+            <a:t>Développement d’une (ou plusieurs problématiques)</a:t>
+          </a:r>
+        </a:p>
+      </dgm:t>
+    </dgm:pt>
+    <dgm:pt modelId="{03E9A0DC-5904-496A-AAF6-356D4EB9E2C7}" type="parTrans" cxnId="{21EEA131-555A-4801-A607-FBD385939B0A}">
+      <dgm:prSet/>
+      <dgm:spPr/>
+      <dgm:t>
+        <a:bodyPr/>
+        <a:lstStyle/>
+        <a:p>
+          <a:endParaRPr lang="fr-FR">
+            <a:latin typeface="Arial Nova" panose="020B0504020202020204"/>
+          </a:endParaRPr>
+        </a:p>
+      </dgm:t>
+    </dgm:pt>
+    <dgm:pt modelId="{AA783ABE-4698-4A43-ACFE-2F0CA6278420}" type="sibTrans" cxnId="{21EEA131-555A-4801-A607-FBD385939B0A}">
+      <dgm:prSet/>
+      <dgm:spPr/>
+      <dgm:t>
+        <a:bodyPr/>
+        <a:lstStyle/>
+        <a:p>
+          <a:endParaRPr lang="fr-FR">
+            <a:latin typeface="Arial Nova" panose="020B0504020202020204"/>
+          </a:endParaRPr>
+        </a:p>
+      </dgm:t>
+    </dgm:pt>
+    <dgm:pt modelId="{AEB247FD-6D58-4408-8770-0452FCED6303}">
+      <dgm:prSet phldrT="[Texte]" custT="1"/>
+      <dgm:spPr/>
+      <dgm:t>
+        <a:bodyPr/>
+        <a:lstStyle/>
+        <a:p>
+          <a:r>
+            <a:rPr lang="fr-FR" sz="600" dirty="0">
+              <a:latin typeface="Arial Nova" panose="020B0504020202020204"/>
+            </a:rPr>
+            <a:t>Un support pluri-technologique, replacé dans son contexte, et comporte :</a:t>
+          </a:r>
+        </a:p>
+      </dgm:t>
+    </dgm:pt>
+    <dgm:pt modelId="{89E3FD14-03B2-4832-8923-0DD87E75F033}" type="parTrans" cxnId="{DF3E27AC-9EC7-42C1-8261-77B5D8C07EFD}">
+      <dgm:prSet/>
+      <dgm:spPr/>
+      <dgm:t>
+        <a:bodyPr/>
+        <a:lstStyle/>
+        <a:p>
+          <a:endParaRPr lang="fr-FR">
+            <a:latin typeface="Arial Nova" panose="020B0504020202020204"/>
+          </a:endParaRPr>
+        </a:p>
+      </dgm:t>
+    </dgm:pt>
+    <dgm:pt modelId="{13ECDF23-8262-4788-A630-8CE5ECF86CAB}" type="sibTrans" cxnId="{DF3E27AC-9EC7-42C1-8261-77B5D8C07EFD}">
+      <dgm:prSet/>
+      <dgm:spPr/>
+      <dgm:t>
+        <a:bodyPr/>
+        <a:lstStyle/>
+        <a:p>
+          <a:endParaRPr lang="fr-FR">
+            <a:latin typeface="Arial Nova" panose="020B0504020202020204"/>
+          </a:endParaRPr>
+        </a:p>
+      </dgm:t>
+    </dgm:pt>
+    <dgm:pt modelId="{346F9207-926A-4CE5-BAF7-6C23B211C114}">
+      <dgm:prSet phldrT="[Texte]"/>
+      <dgm:spPr/>
+      <dgm:t>
+        <a:bodyPr/>
+        <a:lstStyle/>
+        <a:p>
+          <a:r>
+            <a:rPr lang="fr-FR" dirty="0">
+              <a:latin typeface="Arial Nova" panose="020B0504020202020204"/>
+            </a:rPr>
+            <a:t>Chaine fonctionnelle</a:t>
+          </a:r>
+        </a:p>
+      </dgm:t>
+    </dgm:pt>
+    <dgm:pt modelId="{52F81A13-55B5-4418-BFA4-E20AA1BFBD56}" type="parTrans" cxnId="{6CE95EFC-1785-4095-B46C-25755792008A}">
+      <dgm:prSet/>
+      <dgm:spPr/>
+      <dgm:t>
+        <a:bodyPr/>
+        <a:lstStyle/>
+        <a:p>
+          <a:endParaRPr lang="fr-FR">
+            <a:latin typeface="Arial Nova" panose="020B0504020202020204"/>
+          </a:endParaRPr>
+        </a:p>
+      </dgm:t>
+    </dgm:pt>
+    <dgm:pt modelId="{83D741F7-7241-440A-A365-D29CEE2F3D5C}" type="sibTrans" cxnId="{6CE95EFC-1785-4095-B46C-25755792008A}">
+      <dgm:prSet/>
+      <dgm:spPr/>
+      <dgm:t>
+        <a:bodyPr/>
+        <a:lstStyle/>
+        <a:p>
+          <a:endParaRPr lang="fr-FR">
+            <a:latin typeface="Arial Nova" panose="020B0504020202020204"/>
+          </a:endParaRPr>
+        </a:p>
+      </dgm:t>
+    </dgm:pt>
+    <dgm:pt modelId="{A95D31FE-62FF-4EC1-AA1B-8E1C126344EC}">
+      <dgm:prSet custT="1"/>
+      <dgm:spPr/>
+      <dgm:t>
+        <a:bodyPr/>
+        <a:lstStyle/>
+        <a:p>
+          <a:r>
+            <a:rPr lang="fr-FR" sz="600" dirty="0">
+              <a:latin typeface="Arial Nova" panose="020B0504020202020204"/>
+            </a:rPr>
+            <a:t>quelques éléments du cahier des charges relatif au support retenu ;</a:t>
+          </a:r>
+        </a:p>
+      </dgm:t>
+    </dgm:pt>
+    <dgm:pt modelId="{5BB1B082-97D5-4E17-BFF3-5F1D7F233CE8}" type="parTrans" cxnId="{C5FD9D5C-0428-4CDE-B8B1-F1DAE611C201}">
+      <dgm:prSet/>
+      <dgm:spPr/>
+      <dgm:t>
+        <a:bodyPr/>
+        <a:lstStyle/>
+        <a:p>
+          <a:endParaRPr lang="fr-FR"/>
+        </a:p>
+      </dgm:t>
+    </dgm:pt>
+    <dgm:pt modelId="{BE4EAC0C-CF8B-45CD-A5F7-54F2A9B1F94A}" type="sibTrans" cxnId="{C5FD9D5C-0428-4CDE-B8B1-F1DAE611C201}">
+      <dgm:prSet/>
+      <dgm:spPr/>
+      <dgm:t>
+        <a:bodyPr/>
+        <a:lstStyle/>
+        <a:p>
+          <a:endParaRPr lang="fr-FR"/>
+        </a:p>
+      </dgm:t>
+    </dgm:pt>
+    <dgm:pt modelId="{8A94E9E2-E65E-49C2-B7B5-F72B2D332F1E}">
+      <dgm:prSet custT="1"/>
+      <dgm:spPr/>
+      <dgm:t>
+        <a:bodyPr/>
+        <a:lstStyle/>
+        <a:p>
+          <a:r>
+            <a:rPr lang="fr-FR" sz="600" dirty="0">
+              <a:latin typeface="Arial Nova" panose="020B0504020202020204"/>
+            </a:rPr>
+            <a:t>des informations fonctionnelles et structurelles concernant le support ;</a:t>
+          </a:r>
+        </a:p>
+      </dgm:t>
+    </dgm:pt>
+    <dgm:pt modelId="{AFCE75A1-AA2C-407F-8961-2E5C12B25D93}" type="parTrans" cxnId="{35B57BB5-EC1C-4634-A48D-42FBA2812336}">
+      <dgm:prSet/>
+      <dgm:spPr/>
+      <dgm:t>
+        <a:bodyPr/>
+        <a:lstStyle/>
+        <a:p>
+          <a:endParaRPr lang="fr-FR"/>
+        </a:p>
+      </dgm:t>
+    </dgm:pt>
+    <dgm:pt modelId="{7593A48B-9F93-48E8-A332-44812A0A10FB}" type="sibTrans" cxnId="{35B57BB5-EC1C-4634-A48D-42FBA2812336}">
+      <dgm:prSet/>
+      <dgm:spPr/>
+      <dgm:t>
+        <a:bodyPr/>
+        <a:lstStyle/>
+        <a:p>
+          <a:endParaRPr lang="fr-FR"/>
+        </a:p>
+      </dgm:t>
+    </dgm:pt>
+    <dgm:pt modelId="{76BF0C44-C87E-4EF6-94F7-16D346135526}">
+      <dgm:prSet custT="1"/>
+      <dgm:spPr/>
+      <dgm:t>
+        <a:bodyPr/>
+        <a:lstStyle/>
+        <a:p>
+          <a:r>
+            <a:rPr lang="fr-FR" sz="600" dirty="0">
+              <a:latin typeface="Arial Nova" panose="020B0504020202020204"/>
+            </a:rPr>
+            <a:t>des résultats d’expérimentations avec les conditions dans lesquelles elles ont été réalisées ;</a:t>
+          </a:r>
+        </a:p>
+      </dgm:t>
+    </dgm:pt>
+    <dgm:pt modelId="{814F9CBB-A291-43B5-B93F-1023EB1CA0DE}" type="parTrans" cxnId="{9DA8E160-AF94-401F-878B-B2FEBE73372E}">
+      <dgm:prSet/>
+      <dgm:spPr/>
+      <dgm:t>
+        <a:bodyPr/>
+        <a:lstStyle/>
+        <a:p>
+          <a:endParaRPr lang="fr-FR"/>
+        </a:p>
+      </dgm:t>
+    </dgm:pt>
+    <dgm:pt modelId="{0530FA98-6855-4E75-AA09-A473F50B99A9}" type="sibTrans" cxnId="{9DA8E160-AF94-401F-878B-B2FEBE73372E}">
+      <dgm:prSet/>
+      <dgm:spPr/>
+      <dgm:t>
+        <a:bodyPr/>
+        <a:lstStyle/>
+        <a:p>
+          <a:endParaRPr lang="fr-FR"/>
+        </a:p>
+      </dgm:t>
+    </dgm:pt>
+    <dgm:pt modelId="{C805A1DC-A28C-482F-A527-1DD740EAE530}">
+      <dgm:prSet custT="1"/>
+      <dgm:spPr/>
+      <dgm:t>
+        <a:bodyPr/>
+        <a:lstStyle/>
+        <a:p>
+          <a:r>
+            <a:rPr lang="fr-FR" sz="600" dirty="0">
+              <a:latin typeface="Arial Nova" panose="020B0504020202020204"/>
+            </a:rPr>
+            <a:t>des résultats de simulation avec les hypothèses retenues pour élaborer le modèle. </a:t>
+          </a:r>
+        </a:p>
+      </dgm:t>
+    </dgm:pt>
+    <dgm:pt modelId="{B49F5007-9E04-48AE-8F17-76EDC279E0C2}" type="parTrans" cxnId="{E5A98198-2343-45A3-9333-E3C27B53BEB7}">
+      <dgm:prSet/>
+      <dgm:spPr/>
+      <dgm:t>
+        <a:bodyPr/>
+        <a:lstStyle/>
+        <a:p>
+          <a:endParaRPr lang="fr-FR"/>
+        </a:p>
+      </dgm:t>
+    </dgm:pt>
+    <dgm:pt modelId="{FECA06FF-4C3F-4AFB-9B41-695E927E0C53}" type="sibTrans" cxnId="{E5A98198-2343-45A3-9333-E3C27B53BEB7}">
+      <dgm:prSet/>
+      <dgm:spPr/>
+      <dgm:t>
+        <a:bodyPr/>
+        <a:lstStyle/>
+        <a:p>
+          <a:endParaRPr lang="fr-FR"/>
+        </a:p>
+      </dgm:t>
+    </dgm:pt>
+    <dgm:pt modelId="{D65810CE-A840-43E1-BC72-9EFED022862B}">
+      <dgm:prSet custT="1"/>
+      <dgm:spPr/>
+      <dgm:t>
+        <a:bodyPr/>
+        <a:lstStyle/>
+        <a:p>
+          <a:r>
+            <a:rPr lang="fr-FR" sz="600" dirty="0">
+              <a:latin typeface="Arial Nova" panose="020B0504020202020204"/>
+            </a:rPr>
+            <a:t>Autorisation d’écrire sur le sujet</a:t>
+          </a:r>
+        </a:p>
+      </dgm:t>
+    </dgm:pt>
+    <dgm:pt modelId="{978C12B6-79EB-4E6A-A56C-344062629EEB}" type="parTrans" cxnId="{C9FD69A6-8A79-42D3-874B-7ADEAB014DD1}">
+      <dgm:prSet/>
+      <dgm:spPr/>
+      <dgm:t>
+        <a:bodyPr/>
+        <a:lstStyle/>
+        <a:p>
+          <a:endParaRPr lang="fr-FR"/>
+        </a:p>
+      </dgm:t>
+    </dgm:pt>
+    <dgm:pt modelId="{161A1352-D4DF-4E8D-9AE6-05D11FF60B26}" type="sibTrans" cxnId="{C9FD69A6-8A79-42D3-874B-7ADEAB014DD1}">
+      <dgm:prSet/>
+      <dgm:spPr/>
+      <dgm:t>
+        <a:bodyPr/>
+        <a:lstStyle/>
+        <a:p>
+          <a:endParaRPr lang="fr-FR"/>
+        </a:p>
+      </dgm:t>
+    </dgm:pt>
+    <dgm:pt modelId="{40C80677-72DE-4DE9-82BB-9BA951C0C390}">
+      <dgm:prSet phldrT="[Texte]"/>
+      <dgm:spPr/>
+      <dgm:t>
+        <a:bodyPr/>
+        <a:lstStyle/>
+        <a:p>
+          <a:r>
+            <a:rPr lang="fr-FR" dirty="0">
+              <a:latin typeface="Arial Nova" panose="020B0504020202020204"/>
+            </a:rPr>
+            <a:t>Problématique des différentes parties</a:t>
+          </a:r>
+        </a:p>
+      </dgm:t>
+    </dgm:pt>
+    <dgm:pt modelId="{F2C6A22A-00C1-4C1A-94E6-40C207988D63}" type="parTrans" cxnId="{09DF8712-7552-4D41-B773-3570972FA5F2}">
+      <dgm:prSet/>
+      <dgm:spPr/>
+      <dgm:t>
+        <a:bodyPr/>
+        <a:lstStyle/>
+        <a:p>
+          <a:endParaRPr lang="fr-FR"/>
+        </a:p>
+      </dgm:t>
+    </dgm:pt>
+    <dgm:pt modelId="{055E8844-431B-43B2-8147-B763298946A5}" type="sibTrans" cxnId="{09DF8712-7552-4D41-B773-3570972FA5F2}">
+      <dgm:prSet/>
+      <dgm:spPr/>
+      <dgm:t>
+        <a:bodyPr/>
+        <a:lstStyle/>
+        <a:p>
+          <a:endParaRPr lang="fr-FR"/>
+        </a:p>
+      </dgm:t>
+    </dgm:pt>
+    <dgm:pt modelId="{6CA73345-1F7A-4814-8B7F-53821C615D89}">
+      <dgm:prSet phldrT="[Texte]"/>
+      <dgm:spPr/>
+      <dgm:t>
+        <a:bodyPr/>
+        <a:lstStyle/>
+        <a:p>
+          <a:endParaRPr lang="fr-FR" dirty="0">
+            <a:latin typeface="Arial Nova" panose="020B0504020202020204"/>
+          </a:endParaRPr>
+        </a:p>
+      </dgm:t>
+    </dgm:pt>
+    <dgm:pt modelId="{00FBE5AA-E87E-4EF6-A57B-EF66883521FB}" type="parTrans" cxnId="{7C865CD0-29B4-41F5-8E54-B0CFB91189AA}">
+      <dgm:prSet/>
+      <dgm:spPr/>
+      <dgm:t>
+        <a:bodyPr/>
+        <a:lstStyle/>
+        <a:p>
+          <a:endParaRPr lang="fr-FR"/>
+        </a:p>
+      </dgm:t>
+    </dgm:pt>
+    <dgm:pt modelId="{36A302F7-AA53-4C85-AB14-9B3DE644F05B}" type="sibTrans" cxnId="{7C865CD0-29B4-41F5-8E54-B0CFB91189AA}">
+      <dgm:prSet/>
+      <dgm:spPr/>
+      <dgm:t>
+        <a:bodyPr/>
+        <a:lstStyle/>
+        <a:p>
+          <a:endParaRPr lang="fr-FR"/>
+        </a:p>
+      </dgm:t>
+    </dgm:pt>
+    <dgm:pt modelId="{7ABD661D-07C5-4739-AE45-6E1036C01B22}" type="pres">
+      <dgm:prSet presAssocID="{4BBBBA37-00AE-490F-BA4E-E9A756C4A0D7}" presName="Name0" presStyleCnt="0">
+        <dgm:presLayoutVars>
+          <dgm:dir/>
+          <dgm:animLvl val="lvl"/>
+          <dgm:resizeHandles val="exact"/>
+        </dgm:presLayoutVars>
+      </dgm:prSet>
+      <dgm:spPr/>
+    </dgm:pt>
+    <dgm:pt modelId="{75F32423-9911-408A-B8A9-5D1154B5D7BF}" type="pres">
+      <dgm:prSet presAssocID="{4BBBBA37-00AE-490F-BA4E-E9A756C4A0D7}" presName="tSp" presStyleCnt="0"/>
+      <dgm:spPr/>
+    </dgm:pt>
+    <dgm:pt modelId="{D241EEF2-5E0C-4DE4-A18D-25619EBD7B6F}" type="pres">
+      <dgm:prSet presAssocID="{4BBBBA37-00AE-490F-BA4E-E9A756C4A0D7}" presName="bSp" presStyleCnt="0"/>
+      <dgm:spPr/>
+    </dgm:pt>
+    <dgm:pt modelId="{FC4CC419-9620-4012-97C5-A28BFD476CA1}" type="pres">
+      <dgm:prSet presAssocID="{4BBBBA37-00AE-490F-BA4E-E9A756C4A0D7}" presName="process" presStyleCnt="0"/>
+      <dgm:spPr/>
+    </dgm:pt>
+    <dgm:pt modelId="{7E698234-6681-4186-AE63-A7A941F59494}" type="pres">
+      <dgm:prSet presAssocID="{C0BBB20E-A547-490C-BFC3-F69C30C2BB85}" presName="composite1" presStyleCnt="0"/>
+      <dgm:spPr/>
+    </dgm:pt>
+    <dgm:pt modelId="{395996B4-199C-4092-AE43-1490EDAA85FB}" type="pres">
+      <dgm:prSet presAssocID="{C0BBB20E-A547-490C-BFC3-F69C30C2BB85}" presName="dummyNode1" presStyleLbl="node1" presStyleIdx="0" presStyleCnt="3"/>
+      <dgm:spPr/>
+    </dgm:pt>
+    <dgm:pt modelId="{8901E0F4-0A59-4693-BCC0-AD691D9FB870}" type="pres">
+      <dgm:prSet presAssocID="{C0BBB20E-A547-490C-BFC3-F69C30C2BB85}" presName="childNode1" presStyleLbl="bgAcc1" presStyleIdx="0" presStyleCnt="3">
+        <dgm:presLayoutVars>
+          <dgm:bulletEnabled val="1"/>
+        </dgm:presLayoutVars>
+      </dgm:prSet>
+      <dgm:spPr/>
+    </dgm:pt>
+    <dgm:pt modelId="{0CDE4C4E-2C62-4126-8CEE-77D153383F3B}" type="pres">
+      <dgm:prSet presAssocID="{C0BBB20E-A547-490C-BFC3-F69C30C2BB85}" presName="childNode1tx" presStyleLbl="bgAcc1" presStyleIdx="0" presStyleCnt="3">
+        <dgm:presLayoutVars>
+          <dgm:bulletEnabled val="1"/>
+        </dgm:presLayoutVars>
+      </dgm:prSet>
+      <dgm:spPr/>
+    </dgm:pt>
+    <dgm:pt modelId="{AB2A0A4B-2E62-43F5-874D-A858B18AD7BD}" type="pres">
+      <dgm:prSet presAssocID="{C0BBB20E-A547-490C-BFC3-F69C30C2BB85}" presName="parentNode1" presStyleLbl="node1" presStyleIdx="0" presStyleCnt="3" custScaleX="76849" custScaleY="54238">
+        <dgm:presLayoutVars>
+          <dgm:chMax val="1"/>
+          <dgm:bulletEnabled val="1"/>
+        </dgm:presLayoutVars>
+      </dgm:prSet>
+      <dgm:spPr/>
+    </dgm:pt>
+    <dgm:pt modelId="{36C63541-11CA-440A-96C0-F62A9C797175}" type="pres">
+      <dgm:prSet presAssocID="{C0BBB20E-A547-490C-BFC3-F69C30C2BB85}" presName="connSite1" presStyleCnt="0"/>
+      <dgm:spPr/>
+    </dgm:pt>
+    <dgm:pt modelId="{943CED33-B477-41B6-8333-C0E815B32CCD}" type="pres">
+      <dgm:prSet presAssocID="{DD1C8274-3095-435A-B7E9-C86DA96BDE64}" presName="Name9" presStyleLbl="sibTrans2D1" presStyleIdx="0" presStyleCnt="2"/>
+      <dgm:spPr/>
+    </dgm:pt>
+    <dgm:pt modelId="{DAE054FC-E8A5-4F66-B3DE-0F065A517B2B}" type="pres">
+      <dgm:prSet presAssocID="{20F7D581-9EB2-498F-BE28-9D62195EAF83}" presName="composite2" presStyleCnt="0"/>
+      <dgm:spPr/>
+    </dgm:pt>
+    <dgm:pt modelId="{1F85FCD6-6513-4C8D-B4DE-0CBEE2AA7681}" type="pres">
+      <dgm:prSet presAssocID="{20F7D581-9EB2-498F-BE28-9D62195EAF83}" presName="dummyNode2" presStyleLbl="node1" presStyleIdx="0" presStyleCnt="3"/>
+      <dgm:spPr/>
+    </dgm:pt>
+    <dgm:pt modelId="{B8A19F94-18F6-4D00-B053-8BF08839189F}" type="pres">
+      <dgm:prSet presAssocID="{20F7D581-9EB2-498F-BE28-9D62195EAF83}" presName="childNode2" presStyleLbl="bgAcc1" presStyleIdx="1" presStyleCnt="3">
+        <dgm:presLayoutVars>
+          <dgm:bulletEnabled val="1"/>
+        </dgm:presLayoutVars>
+      </dgm:prSet>
+      <dgm:spPr/>
+    </dgm:pt>
+    <dgm:pt modelId="{BCCD055F-C4D8-4E1B-AEB8-AC963578358F}" type="pres">
+      <dgm:prSet presAssocID="{20F7D581-9EB2-498F-BE28-9D62195EAF83}" presName="childNode2tx" presStyleLbl="bgAcc1" presStyleIdx="1" presStyleCnt="3">
+        <dgm:presLayoutVars>
+          <dgm:bulletEnabled val="1"/>
+        </dgm:presLayoutVars>
+      </dgm:prSet>
+      <dgm:spPr/>
+    </dgm:pt>
+    <dgm:pt modelId="{71BAD410-3299-44D0-A85A-DC3B57193168}" type="pres">
+      <dgm:prSet presAssocID="{20F7D581-9EB2-498F-BE28-9D62195EAF83}" presName="parentNode2" presStyleLbl="node1" presStyleIdx="1" presStyleCnt="3" custScaleX="76849" custScaleY="54238">
+        <dgm:presLayoutVars>
+          <dgm:chMax val="0"/>
+          <dgm:bulletEnabled val="1"/>
+        </dgm:presLayoutVars>
+      </dgm:prSet>
+      <dgm:spPr/>
+    </dgm:pt>
+    <dgm:pt modelId="{89ADB8B3-B871-45E3-A9C2-130268780D69}" type="pres">
+      <dgm:prSet presAssocID="{20F7D581-9EB2-498F-BE28-9D62195EAF83}" presName="connSite2" presStyleCnt="0"/>
+      <dgm:spPr/>
+    </dgm:pt>
+    <dgm:pt modelId="{DC8BE73A-4F5A-421C-B33E-9320120B824C}" type="pres">
+      <dgm:prSet presAssocID="{FCF39507-87BB-42FC-936E-7CB9C907446D}" presName="Name18" presStyleLbl="sibTrans2D1" presStyleIdx="1" presStyleCnt="2"/>
+      <dgm:spPr/>
+    </dgm:pt>
+    <dgm:pt modelId="{0643EB6C-F47F-4843-A806-EFCE9852E787}" type="pres">
+      <dgm:prSet presAssocID="{928451A7-076A-4725-BC57-E98970B55362}" presName="composite1" presStyleCnt="0"/>
+      <dgm:spPr/>
+    </dgm:pt>
+    <dgm:pt modelId="{DAAB7BA4-2998-41B0-9E03-1630EC903E3B}" type="pres">
+      <dgm:prSet presAssocID="{928451A7-076A-4725-BC57-E98970B55362}" presName="dummyNode1" presStyleLbl="node1" presStyleIdx="1" presStyleCnt="3"/>
+      <dgm:spPr/>
+    </dgm:pt>
+    <dgm:pt modelId="{9131C415-ABC8-494A-BB4C-4189E2623C96}" type="pres">
+      <dgm:prSet presAssocID="{928451A7-076A-4725-BC57-E98970B55362}" presName="childNode1" presStyleLbl="bgAcc1" presStyleIdx="2" presStyleCnt="3">
+        <dgm:presLayoutVars>
+          <dgm:bulletEnabled val="1"/>
+        </dgm:presLayoutVars>
+      </dgm:prSet>
+      <dgm:spPr/>
+    </dgm:pt>
+    <dgm:pt modelId="{3B26D6A5-9D56-445C-B171-536ACA002E6A}" type="pres">
+      <dgm:prSet presAssocID="{928451A7-076A-4725-BC57-E98970B55362}" presName="childNode1tx" presStyleLbl="bgAcc1" presStyleIdx="2" presStyleCnt="3">
+        <dgm:presLayoutVars>
+          <dgm:bulletEnabled val="1"/>
+        </dgm:presLayoutVars>
+      </dgm:prSet>
+      <dgm:spPr/>
+    </dgm:pt>
+    <dgm:pt modelId="{40A8A41C-CF7A-4E88-8EA7-EAA6AFD512F6}" type="pres">
+      <dgm:prSet presAssocID="{928451A7-076A-4725-BC57-E98970B55362}" presName="parentNode1" presStyleLbl="node1" presStyleIdx="2" presStyleCnt="3" custScaleX="76849" custScaleY="54238">
+        <dgm:presLayoutVars>
+          <dgm:chMax val="1"/>
+          <dgm:bulletEnabled val="1"/>
+        </dgm:presLayoutVars>
+      </dgm:prSet>
+      <dgm:spPr/>
+    </dgm:pt>
+    <dgm:pt modelId="{B473B88E-BDED-4B84-8518-6F2718D65E59}" type="pres">
+      <dgm:prSet presAssocID="{928451A7-076A-4725-BC57-E98970B55362}" presName="connSite1" presStyleCnt="0"/>
+      <dgm:spPr/>
+    </dgm:pt>
+  </dgm:ptLst>
+  <dgm:cxnLst>
+    <dgm:cxn modelId="{3228E000-8C8D-4FC1-BE09-2CB2D43274CF}" type="presOf" srcId="{20F7D581-9EB2-498F-BE28-9D62195EAF83}" destId="{71BAD410-3299-44D0-A85A-DC3B57193168}" srcOrd="0" destOrd="0" presId="urn:microsoft.com/office/officeart/2005/8/layout/hProcess4"/>
+    <dgm:cxn modelId="{0C3D620C-0EDC-4672-9742-FE8CCB2AF531}" type="presOf" srcId="{8A94E9E2-E65E-49C2-B7B5-F72B2D332F1E}" destId="{0CDE4C4E-2C62-4126-8CEE-77D153383F3B}" srcOrd="1" destOrd="2" presId="urn:microsoft.com/office/officeart/2005/8/layout/hProcess4"/>
+    <dgm:cxn modelId="{E260010D-46B0-46C2-93B1-54EE897A6300}" type="presOf" srcId="{FCF39507-87BB-42FC-936E-7CB9C907446D}" destId="{DC8BE73A-4F5A-421C-B33E-9320120B824C}" srcOrd="0" destOrd="0" presId="urn:microsoft.com/office/officeart/2005/8/layout/hProcess4"/>
+    <dgm:cxn modelId="{745C2710-AEC2-4077-8999-F61D41E0B39E}" type="presOf" srcId="{C0BBB20E-A547-490C-BFC3-F69C30C2BB85}" destId="{AB2A0A4B-2E62-43F5-874D-A858B18AD7BD}" srcOrd="0" destOrd="0" presId="urn:microsoft.com/office/officeart/2005/8/layout/hProcess4"/>
+    <dgm:cxn modelId="{09DF8712-7552-4D41-B773-3570972FA5F2}" srcId="{B5920376-0133-44CD-BB1B-6F53C130D637}" destId="{40C80677-72DE-4DE9-82BB-9BA951C0C390}" srcOrd="3" destOrd="0" parTransId="{F2C6A22A-00C1-4C1A-94E6-40C207988D63}" sibTransId="{055E8844-431B-43B2-8147-B763298946A5}"/>
+    <dgm:cxn modelId="{9D881315-BB0D-4915-ACE4-5B5CEADC2F61}" type="presOf" srcId="{40C80677-72DE-4DE9-82BB-9BA951C0C390}" destId="{B8A19F94-18F6-4D00-B053-8BF08839189F}" srcOrd="0" destOrd="4" presId="urn:microsoft.com/office/officeart/2005/8/layout/hProcess4"/>
+    <dgm:cxn modelId="{B866A918-07D0-4208-968F-EDAB7589E7D0}" type="presOf" srcId="{76BF0C44-C87E-4EF6-94F7-16D346135526}" destId="{8901E0F4-0A59-4693-BCC0-AD691D9FB870}" srcOrd="0" destOrd="3" presId="urn:microsoft.com/office/officeart/2005/8/layout/hProcess4"/>
+    <dgm:cxn modelId="{0BC19424-EC70-4439-B064-2AB2452E9A8A}" type="presOf" srcId="{AEB247FD-6D58-4408-8770-0452FCED6303}" destId="{8901E0F4-0A59-4693-BCC0-AD691D9FB870}" srcOrd="0" destOrd="0" presId="urn:microsoft.com/office/officeart/2005/8/layout/hProcess4"/>
+    <dgm:cxn modelId="{21EEA131-555A-4801-A607-FBD385939B0A}" srcId="{928451A7-076A-4725-BC57-E98970B55362}" destId="{11F904A3-BE7E-4610-85FF-791DB76C5662}" srcOrd="0" destOrd="0" parTransId="{03E9A0DC-5904-496A-AAF6-356D4EB9E2C7}" sibTransId="{AA783ABE-4698-4A43-ACFE-2F0CA6278420}"/>
+    <dgm:cxn modelId="{89E90838-B3EB-4AAA-8D15-4D187ADDBC24}" srcId="{B5920376-0133-44CD-BB1B-6F53C130D637}" destId="{148DC79C-4EEA-43CF-BADE-659389EC8CCC}" srcOrd="0" destOrd="0" parTransId="{93F49CA4-65A7-42FD-8AC9-5CBA10152A5A}" sibTransId="{987AB886-30FC-4929-AFA2-85A0536B5275}"/>
+    <dgm:cxn modelId="{FBF9C739-9412-4585-8F14-F4D92428BCA3}" type="presOf" srcId="{B5920376-0133-44CD-BB1B-6F53C130D637}" destId="{B8A19F94-18F6-4D00-B053-8BF08839189F}" srcOrd="0" destOrd="0" presId="urn:microsoft.com/office/officeart/2005/8/layout/hProcess4"/>
+    <dgm:cxn modelId="{D22D273A-F9B8-4C4E-9843-E5DEA412852E}" type="presOf" srcId="{C805A1DC-A28C-482F-A527-1DD740EAE530}" destId="{0CDE4C4E-2C62-4126-8CEE-77D153383F3B}" srcOrd="1" destOrd="4" presId="urn:microsoft.com/office/officeart/2005/8/layout/hProcess4"/>
+    <dgm:cxn modelId="{864C703B-D3FC-4566-883E-42340E00BE6D}" type="presOf" srcId="{928451A7-076A-4725-BC57-E98970B55362}" destId="{40A8A41C-CF7A-4E88-8EA7-EAA6AFD512F6}" srcOrd="0" destOrd="0" presId="urn:microsoft.com/office/officeart/2005/8/layout/hProcess4"/>
+    <dgm:cxn modelId="{684A4B3C-0010-48CF-9747-D3C54995BA4F}" type="presOf" srcId="{6CA73345-1F7A-4814-8B7F-53821C615D89}" destId="{B8A19F94-18F6-4D00-B053-8BF08839189F}" srcOrd="0" destOrd="3" presId="urn:microsoft.com/office/officeart/2005/8/layout/hProcess4"/>
+    <dgm:cxn modelId="{A5BE503C-E8E6-47E1-B911-A7E285B72E93}" type="presOf" srcId="{148DC79C-4EEA-43CF-BADE-659389EC8CCC}" destId="{B8A19F94-18F6-4D00-B053-8BF08839189F}" srcOrd="0" destOrd="1" presId="urn:microsoft.com/office/officeart/2005/8/layout/hProcess4"/>
+    <dgm:cxn modelId="{1C97DC3C-E8AD-4062-9F53-D85D17C3338A}" type="presOf" srcId="{A95D31FE-62FF-4EC1-AA1B-8E1C126344EC}" destId="{8901E0F4-0A59-4693-BCC0-AD691D9FB870}" srcOrd="0" destOrd="1" presId="urn:microsoft.com/office/officeart/2005/8/layout/hProcess4"/>
+    <dgm:cxn modelId="{0CF0973E-31F5-4026-93CB-97EABCF200FD}" type="presOf" srcId="{D65810CE-A840-43E1-BC72-9EFED022862B}" destId="{0CDE4C4E-2C62-4126-8CEE-77D153383F3B}" srcOrd="1" destOrd="5" presId="urn:microsoft.com/office/officeart/2005/8/layout/hProcess4"/>
+    <dgm:cxn modelId="{C5FD9D5C-0428-4CDE-B8B1-F1DAE611C201}" srcId="{AEB247FD-6D58-4408-8770-0452FCED6303}" destId="{A95D31FE-62FF-4EC1-AA1B-8E1C126344EC}" srcOrd="0" destOrd="0" parTransId="{5BB1B082-97D5-4E17-BFF3-5F1D7F233CE8}" sibTransId="{BE4EAC0C-CF8B-45CD-A5F7-54F2A9B1F94A}"/>
+    <dgm:cxn modelId="{54E2835E-295E-4457-8401-C47701F7A488}" type="presOf" srcId="{346F9207-926A-4CE5-BAF7-6C23B211C114}" destId="{B8A19F94-18F6-4D00-B053-8BF08839189F}" srcOrd="0" destOrd="2" presId="urn:microsoft.com/office/officeart/2005/8/layout/hProcess4"/>
+    <dgm:cxn modelId="{9DA8E160-AF94-401F-878B-B2FEBE73372E}" srcId="{AEB247FD-6D58-4408-8770-0452FCED6303}" destId="{76BF0C44-C87E-4EF6-94F7-16D346135526}" srcOrd="2" destOrd="0" parTransId="{814F9CBB-A291-43B5-B93F-1023EB1CA0DE}" sibTransId="{0530FA98-6855-4E75-AA09-A473F50B99A9}"/>
+    <dgm:cxn modelId="{BE340D61-28A6-4E10-B4BD-309F83AE9FD8}" type="presOf" srcId="{DD1C8274-3095-435A-B7E9-C86DA96BDE64}" destId="{943CED33-B477-41B6-8333-C0E815B32CCD}" srcOrd="0" destOrd="0" presId="urn:microsoft.com/office/officeart/2005/8/layout/hProcess4"/>
+    <dgm:cxn modelId="{A743B165-EFB3-4A2B-9188-6DFA8B2E60AB}" srcId="{20F7D581-9EB2-498F-BE28-9D62195EAF83}" destId="{B5920376-0133-44CD-BB1B-6F53C130D637}" srcOrd="0" destOrd="0" parTransId="{E82A70DF-B649-4129-9355-DBF8312CF18F}" sibTransId="{73A56BD2-43C1-4062-A5A5-84091B9A63CC}"/>
+    <dgm:cxn modelId="{CE9E0269-F1CB-46BA-9EDF-A546487B5EA8}" type="presOf" srcId="{A95D31FE-62FF-4EC1-AA1B-8E1C126344EC}" destId="{0CDE4C4E-2C62-4126-8CEE-77D153383F3B}" srcOrd="1" destOrd="1" presId="urn:microsoft.com/office/officeart/2005/8/layout/hProcess4"/>
+    <dgm:cxn modelId="{E683F570-DC2B-4326-9DA0-584336C8C6D6}" type="presOf" srcId="{B5920376-0133-44CD-BB1B-6F53C130D637}" destId="{BCCD055F-C4D8-4E1B-AEB8-AC963578358F}" srcOrd="1" destOrd="0" presId="urn:microsoft.com/office/officeart/2005/8/layout/hProcess4"/>
+    <dgm:cxn modelId="{325DD671-F020-405F-B17E-A327B5F18EC2}" type="presOf" srcId="{40C80677-72DE-4DE9-82BB-9BA951C0C390}" destId="{BCCD055F-C4D8-4E1B-AEB8-AC963578358F}" srcOrd="1" destOrd="4" presId="urn:microsoft.com/office/officeart/2005/8/layout/hProcess4"/>
+    <dgm:cxn modelId="{C5973D72-FB08-4B00-8516-F806514B4438}" srcId="{4BBBBA37-00AE-490F-BA4E-E9A756C4A0D7}" destId="{C0BBB20E-A547-490C-BFC3-F69C30C2BB85}" srcOrd="0" destOrd="0" parTransId="{830D836F-DF80-4E41-AF3F-21CC3E8E4EF2}" sibTransId="{DD1C8274-3095-435A-B7E9-C86DA96BDE64}"/>
+    <dgm:cxn modelId="{E4863859-B4B2-4598-89B6-94E6D5DDD29F}" type="presOf" srcId="{D65810CE-A840-43E1-BC72-9EFED022862B}" destId="{8901E0F4-0A59-4693-BCC0-AD691D9FB870}" srcOrd="0" destOrd="5" presId="urn:microsoft.com/office/officeart/2005/8/layout/hProcess4"/>
+    <dgm:cxn modelId="{555C2B7C-EBBB-4015-9A21-9AA3BA353080}" type="presOf" srcId="{4BBBBA37-00AE-490F-BA4E-E9A756C4A0D7}" destId="{7ABD661D-07C5-4739-AE45-6E1036C01B22}" srcOrd="0" destOrd="0" presId="urn:microsoft.com/office/officeart/2005/8/layout/hProcess4"/>
+    <dgm:cxn modelId="{5BFB9A81-8249-44DA-8325-33E75001D010}" type="presOf" srcId="{8A94E9E2-E65E-49C2-B7B5-F72B2D332F1E}" destId="{8901E0F4-0A59-4693-BCC0-AD691D9FB870}" srcOrd="0" destOrd="2" presId="urn:microsoft.com/office/officeart/2005/8/layout/hProcess4"/>
+    <dgm:cxn modelId="{1497608C-9EBF-4045-B5D2-B57D8503FD29}" srcId="{4BBBBA37-00AE-490F-BA4E-E9A756C4A0D7}" destId="{20F7D581-9EB2-498F-BE28-9D62195EAF83}" srcOrd="1" destOrd="0" parTransId="{E0FBE512-C1C4-4067-A1DE-34C9E33E9EB4}" sibTransId="{FCF39507-87BB-42FC-936E-7CB9C907446D}"/>
+    <dgm:cxn modelId="{E5A98198-2343-45A3-9333-E3C27B53BEB7}" srcId="{AEB247FD-6D58-4408-8770-0452FCED6303}" destId="{C805A1DC-A28C-482F-A527-1DD740EAE530}" srcOrd="3" destOrd="0" parTransId="{B49F5007-9E04-48AE-8F17-76EDC279E0C2}" sibTransId="{FECA06FF-4C3F-4AFB-9B41-695E927E0C53}"/>
+    <dgm:cxn modelId="{838DFA9C-65AB-4608-A291-FF7157BB4A5F}" type="presOf" srcId="{11F904A3-BE7E-4610-85FF-791DB76C5662}" destId="{9131C415-ABC8-494A-BB4C-4189E2623C96}" srcOrd="0" destOrd="0" presId="urn:microsoft.com/office/officeart/2005/8/layout/hProcess4"/>
+    <dgm:cxn modelId="{C9FD69A6-8A79-42D3-874B-7ADEAB014DD1}" srcId="{C0BBB20E-A547-490C-BFC3-F69C30C2BB85}" destId="{D65810CE-A840-43E1-BC72-9EFED022862B}" srcOrd="1" destOrd="0" parTransId="{978C12B6-79EB-4E6A-A56C-344062629EEB}" sibTransId="{161A1352-D4DF-4E8D-9AE6-05D11FF60B26}"/>
+    <dgm:cxn modelId="{950464AA-75BF-4E72-9B52-716107EEC8C7}" type="presOf" srcId="{C805A1DC-A28C-482F-A527-1DD740EAE530}" destId="{8901E0F4-0A59-4693-BCC0-AD691D9FB870}" srcOrd="0" destOrd="4" presId="urn:microsoft.com/office/officeart/2005/8/layout/hProcess4"/>
+    <dgm:cxn modelId="{DF3E27AC-9EC7-42C1-8261-77B5D8C07EFD}" srcId="{C0BBB20E-A547-490C-BFC3-F69C30C2BB85}" destId="{AEB247FD-6D58-4408-8770-0452FCED6303}" srcOrd="0" destOrd="0" parTransId="{89E3FD14-03B2-4832-8923-0DD87E75F033}" sibTransId="{13ECDF23-8262-4788-A630-8CE5ECF86CAB}"/>
+    <dgm:cxn modelId="{35B57BB5-EC1C-4634-A48D-42FBA2812336}" srcId="{AEB247FD-6D58-4408-8770-0452FCED6303}" destId="{8A94E9E2-E65E-49C2-B7B5-F72B2D332F1E}" srcOrd="1" destOrd="0" parTransId="{AFCE75A1-AA2C-407F-8961-2E5C12B25D93}" sibTransId="{7593A48B-9F93-48E8-A332-44812A0A10FB}"/>
+    <dgm:cxn modelId="{D063F4BA-B19B-498A-AC2E-3814D9FD4C7F}" type="presOf" srcId="{6CA73345-1F7A-4814-8B7F-53821C615D89}" destId="{BCCD055F-C4D8-4E1B-AEB8-AC963578358F}" srcOrd="1" destOrd="3" presId="urn:microsoft.com/office/officeart/2005/8/layout/hProcess4"/>
+    <dgm:cxn modelId="{1A2CD6BD-4FB6-4C65-A31E-7C659272F5FF}" srcId="{4BBBBA37-00AE-490F-BA4E-E9A756C4A0D7}" destId="{928451A7-076A-4725-BC57-E98970B55362}" srcOrd="2" destOrd="0" parTransId="{605DBBC2-A198-4676-A0C6-4546B7A91B68}" sibTransId="{75637A16-730E-4452-8190-67FB3226C504}"/>
+    <dgm:cxn modelId="{7C865CD0-29B4-41F5-8E54-B0CFB91189AA}" srcId="{B5920376-0133-44CD-BB1B-6F53C130D637}" destId="{6CA73345-1F7A-4814-8B7F-53821C615D89}" srcOrd="2" destOrd="0" parTransId="{00FBE5AA-E87E-4EF6-A57B-EF66883521FB}" sibTransId="{36A302F7-AA53-4C85-AB14-9B3DE644F05B}"/>
+    <dgm:cxn modelId="{74A79FE0-DCD0-43C0-915E-56C8A39D20C7}" type="presOf" srcId="{AEB247FD-6D58-4408-8770-0452FCED6303}" destId="{0CDE4C4E-2C62-4126-8CEE-77D153383F3B}" srcOrd="1" destOrd="0" presId="urn:microsoft.com/office/officeart/2005/8/layout/hProcess4"/>
+    <dgm:cxn modelId="{966C64E5-611A-47C4-905E-CC17AF588A1F}" type="presOf" srcId="{346F9207-926A-4CE5-BAF7-6C23B211C114}" destId="{BCCD055F-C4D8-4E1B-AEB8-AC963578358F}" srcOrd="1" destOrd="2" presId="urn:microsoft.com/office/officeart/2005/8/layout/hProcess4"/>
+    <dgm:cxn modelId="{AE3814E9-6976-4CC2-90CB-4D505E6271E7}" type="presOf" srcId="{11F904A3-BE7E-4610-85FF-791DB76C5662}" destId="{3B26D6A5-9D56-445C-B171-536ACA002E6A}" srcOrd="1" destOrd="0" presId="urn:microsoft.com/office/officeart/2005/8/layout/hProcess4"/>
+    <dgm:cxn modelId="{28055EEB-0D05-4E1C-9C09-229002861ED9}" type="presOf" srcId="{148DC79C-4EEA-43CF-BADE-659389EC8CCC}" destId="{BCCD055F-C4D8-4E1B-AEB8-AC963578358F}" srcOrd="1" destOrd="1" presId="urn:microsoft.com/office/officeart/2005/8/layout/hProcess4"/>
+    <dgm:cxn modelId="{6CE95EFC-1785-4095-B46C-25755792008A}" srcId="{B5920376-0133-44CD-BB1B-6F53C130D637}" destId="{346F9207-926A-4CE5-BAF7-6C23B211C114}" srcOrd="1" destOrd="0" parTransId="{52F81A13-55B5-4418-BFA4-E20AA1BFBD56}" sibTransId="{83D741F7-7241-440A-A365-D29CEE2F3D5C}"/>
+    <dgm:cxn modelId="{8D5E8BFC-BA1E-44B1-8A33-891CC6432436}" type="presOf" srcId="{76BF0C44-C87E-4EF6-94F7-16D346135526}" destId="{0CDE4C4E-2C62-4126-8CEE-77D153383F3B}" srcOrd="1" destOrd="3" presId="urn:microsoft.com/office/officeart/2005/8/layout/hProcess4"/>
+    <dgm:cxn modelId="{CF123FA8-86E9-4509-A8B2-836C24730797}" type="presParOf" srcId="{7ABD661D-07C5-4739-AE45-6E1036C01B22}" destId="{75F32423-9911-408A-B8A9-5D1154B5D7BF}" srcOrd="0" destOrd="0" presId="urn:microsoft.com/office/officeart/2005/8/layout/hProcess4"/>
+    <dgm:cxn modelId="{8850E79F-00B9-4C54-9215-3D15B08153DD}" type="presParOf" srcId="{7ABD661D-07C5-4739-AE45-6E1036C01B22}" destId="{D241EEF2-5E0C-4DE4-A18D-25619EBD7B6F}" srcOrd="1" destOrd="0" presId="urn:microsoft.com/office/officeart/2005/8/layout/hProcess4"/>
+    <dgm:cxn modelId="{1226809C-B779-4841-B727-3E10E011B6CB}" type="presParOf" srcId="{7ABD661D-07C5-4739-AE45-6E1036C01B22}" destId="{FC4CC419-9620-4012-97C5-A28BFD476CA1}" srcOrd="2" destOrd="0" presId="urn:microsoft.com/office/officeart/2005/8/layout/hProcess4"/>
+    <dgm:cxn modelId="{35D286D9-13FF-4EE7-8142-7037A6311041}" type="presParOf" srcId="{FC4CC419-9620-4012-97C5-A28BFD476CA1}" destId="{7E698234-6681-4186-AE63-A7A941F59494}" srcOrd="0" destOrd="0" presId="urn:microsoft.com/office/officeart/2005/8/layout/hProcess4"/>
+    <dgm:cxn modelId="{4EABA230-41E5-4ADD-9711-1883FA55BB41}" type="presParOf" srcId="{7E698234-6681-4186-AE63-A7A941F59494}" destId="{395996B4-199C-4092-AE43-1490EDAA85FB}" srcOrd="0" destOrd="0" presId="urn:microsoft.com/office/officeart/2005/8/layout/hProcess4"/>
+    <dgm:cxn modelId="{51E49F9A-DC0D-4CAA-8E03-B0D1B12BB11B}" type="presParOf" srcId="{7E698234-6681-4186-AE63-A7A941F59494}" destId="{8901E0F4-0A59-4693-BCC0-AD691D9FB870}" srcOrd="1" destOrd="0" presId="urn:microsoft.com/office/officeart/2005/8/layout/hProcess4"/>
+    <dgm:cxn modelId="{192B2020-9929-4251-B6CF-2456C472304A}" type="presParOf" srcId="{7E698234-6681-4186-AE63-A7A941F59494}" destId="{0CDE4C4E-2C62-4126-8CEE-77D153383F3B}" srcOrd="2" destOrd="0" presId="urn:microsoft.com/office/officeart/2005/8/layout/hProcess4"/>
+    <dgm:cxn modelId="{CDF4961E-FABF-4AF6-9EB5-A90B8DD2717A}" type="presParOf" srcId="{7E698234-6681-4186-AE63-A7A941F59494}" destId="{AB2A0A4B-2E62-43F5-874D-A858B18AD7BD}" srcOrd="3" destOrd="0" presId="urn:microsoft.com/office/officeart/2005/8/layout/hProcess4"/>
+    <dgm:cxn modelId="{3381310D-F107-407E-9916-00306DD08FE6}" type="presParOf" srcId="{7E698234-6681-4186-AE63-A7A941F59494}" destId="{36C63541-11CA-440A-96C0-F62A9C797175}" srcOrd="4" destOrd="0" presId="urn:microsoft.com/office/officeart/2005/8/layout/hProcess4"/>
+    <dgm:cxn modelId="{AFBAF5BE-3BB0-4EE9-B583-C2F35EF0E6C0}" type="presParOf" srcId="{FC4CC419-9620-4012-97C5-A28BFD476CA1}" destId="{943CED33-B477-41B6-8333-C0E815B32CCD}" srcOrd="1" destOrd="0" presId="urn:microsoft.com/office/officeart/2005/8/layout/hProcess4"/>
+    <dgm:cxn modelId="{A7F4F8EA-563A-4ABD-BE4C-1BA3E2F08F7F}" type="presParOf" srcId="{FC4CC419-9620-4012-97C5-A28BFD476CA1}" destId="{DAE054FC-E8A5-4F66-B3DE-0F065A517B2B}" srcOrd="2" destOrd="0" presId="urn:microsoft.com/office/officeart/2005/8/layout/hProcess4"/>
+    <dgm:cxn modelId="{63B68EA2-6856-4BE2-B933-33F12EA4E16D}" type="presParOf" srcId="{DAE054FC-E8A5-4F66-B3DE-0F065A517B2B}" destId="{1F85FCD6-6513-4C8D-B4DE-0CBEE2AA7681}" srcOrd="0" destOrd="0" presId="urn:microsoft.com/office/officeart/2005/8/layout/hProcess4"/>
+    <dgm:cxn modelId="{A25D7FFE-1F0F-45E0-A761-B202218EC06A}" type="presParOf" srcId="{DAE054FC-E8A5-4F66-B3DE-0F065A517B2B}" destId="{B8A19F94-18F6-4D00-B053-8BF08839189F}" srcOrd="1" destOrd="0" presId="urn:microsoft.com/office/officeart/2005/8/layout/hProcess4"/>
+    <dgm:cxn modelId="{39BA5598-DD97-4ED7-B3EB-3D1B84AA48A7}" type="presParOf" srcId="{DAE054FC-E8A5-4F66-B3DE-0F065A517B2B}" destId="{BCCD055F-C4D8-4E1B-AEB8-AC963578358F}" srcOrd="2" destOrd="0" presId="urn:microsoft.com/office/officeart/2005/8/layout/hProcess4"/>
+    <dgm:cxn modelId="{27A75CDC-2050-488F-B2BA-D14A6F65EA7A}" type="presParOf" srcId="{DAE054FC-E8A5-4F66-B3DE-0F065A517B2B}" destId="{71BAD410-3299-44D0-A85A-DC3B57193168}" srcOrd="3" destOrd="0" presId="urn:microsoft.com/office/officeart/2005/8/layout/hProcess4"/>
+    <dgm:cxn modelId="{027B179D-1DAA-4D24-B186-CFA721974E41}" type="presParOf" srcId="{DAE054FC-E8A5-4F66-B3DE-0F065A517B2B}" destId="{89ADB8B3-B871-45E3-A9C2-130268780D69}" srcOrd="4" destOrd="0" presId="urn:microsoft.com/office/officeart/2005/8/layout/hProcess4"/>
+    <dgm:cxn modelId="{B3F36E0A-AA44-4D01-8388-9AD2DE0C3538}" type="presParOf" srcId="{FC4CC419-9620-4012-97C5-A28BFD476CA1}" destId="{DC8BE73A-4F5A-421C-B33E-9320120B824C}" srcOrd="3" destOrd="0" presId="urn:microsoft.com/office/officeart/2005/8/layout/hProcess4"/>
+    <dgm:cxn modelId="{AFA86870-B517-4EFC-B3A9-8C92C8985E3D}" type="presParOf" srcId="{FC4CC419-9620-4012-97C5-A28BFD476CA1}" destId="{0643EB6C-F47F-4843-A806-EFCE9852E787}" srcOrd="4" destOrd="0" presId="urn:microsoft.com/office/officeart/2005/8/layout/hProcess4"/>
+    <dgm:cxn modelId="{81543A9B-5622-42C2-9B8C-3DDA814F71E1}" type="presParOf" srcId="{0643EB6C-F47F-4843-A806-EFCE9852E787}" destId="{DAAB7BA4-2998-41B0-9E03-1630EC903E3B}" srcOrd="0" destOrd="0" presId="urn:microsoft.com/office/officeart/2005/8/layout/hProcess4"/>
+    <dgm:cxn modelId="{4313C808-71D8-4980-9DB5-84474369386A}" type="presParOf" srcId="{0643EB6C-F47F-4843-A806-EFCE9852E787}" destId="{9131C415-ABC8-494A-BB4C-4189E2623C96}" srcOrd="1" destOrd="0" presId="urn:microsoft.com/office/officeart/2005/8/layout/hProcess4"/>
+    <dgm:cxn modelId="{60CABEDB-32CD-445E-9D4D-24217384E9E6}" type="presParOf" srcId="{0643EB6C-F47F-4843-A806-EFCE9852E787}" destId="{3B26D6A5-9D56-445C-B171-536ACA002E6A}" srcOrd="2" destOrd="0" presId="urn:microsoft.com/office/officeart/2005/8/layout/hProcess4"/>
+    <dgm:cxn modelId="{FE023BBB-7C07-48A4-B9AB-0286771BAF00}" type="presParOf" srcId="{0643EB6C-F47F-4843-A806-EFCE9852E787}" destId="{40A8A41C-CF7A-4E88-8EA7-EAA6AFD512F6}" srcOrd="3" destOrd="0" presId="urn:microsoft.com/office/officeart/2005/8/layout/hProcess4"/>
+    <dgm:cxn modelId="{FC40F9FD-B21B-429C-92BC-B1986CBAE7CC}" type="presParOf" srcId="{0643EB6C-F47F-4843-A806-EFCE9852E787}" destId="{B473B88E-BDED-4B84-8518-6F2718D65E59}" srcOrd="4" destOrd="0" presId="urn:microsoft.com/office/officeart/2005/8/layout/hProcess4"/>
+  </dgm:cxnLst>
+  <dgm:bg/>
+  <dgm:whole/>
+  <dgm:extLst>
+    <a:ext uri="http://schemas.microsoft.com/office/drawing/2008/diagram">
+      <dsp:dataModelExt xmlns:dsp="http://schemas.microsoft.com/office/drawing/2008/diagram" relId="rId6" minVer="http://schemas.openxmlformats.org/drawingml/2006/diagram"/>
+    </a:ext>
+  </dgm:extLst>
+</dgm:dataModel>
+</file>
+
+<file path=ppt/diagrams/data8.xml><?xml version="1.0" encoding="utf-8"?>
 <dgm:dataModel xmlns:dgm="http://schemas.openxmlformats.org/drawingml/2006/diagram" xmlns:a="http://schemas.openxmlformats.org/drawingml/2006/main">
   <dgm:ptLst>
     <dgm:pt modelId="{4BBBBA37-00AE-490F-BA4E-E9A756C4A0D7}" type="doc">
@@ -14584,6 +16167,780 @@
       </dsp:nvSpPr>
       <dsp:spPr>
         <a:xfrm>
+          <a:off x="268530" y="725627"/>
+          <a:ext cx="1690541" cy="1394343"/>
+        </a:xfrm>
+        <a:prstGeom prst="roundRect">
+          <a:avLst>
+            <a:gd name="adj" fmla="val 10000"/>
+          </a:avLst>
+        </a:prstGeom>
+        <a:solidFill>
+          <a:schemeClr val="lt1">
+            <a:alpha val="90000"/>
+            <a:hueOff val="0"/>
+            <a:satOff val="0"/>
+            <a:lumOff val="0"/>
+            <a:alphaOff val="0"/>
+          </a:schemeClr>
+        </a:solidFill>
+        <a:ln w="12700" cap="flat" cmpd="sng" algn="ctr">
+          <a:solidFill>
+            <a:schemeClr val="accent1">
+              <a:hueOff val="0"/>
+              <a:satOff val="0"/>
+              <a:lumOff val="0"/>
+              <a:alphaOff val="0"/>
+            </a:schemeClr>
+          </a:solidFill>
+          <a:prstDash val="solid"/>
+          <a:miter lim="800000"/>
+        </a:ln>
+        <a:effectLst/>
+      </dsp:spPr>
+      <dsp:style>
+        <a:lnRef idx="2">
+          <a:scrgbClr r="0" g="0" b="0"/>
+        </a:lnRef>
+        <a:fillRef idx="1">
+          <a:scrgbClr r="0" g="0" b="0"/>
+        </a:fillRef>
+        <a:effectRef idx="0">
+          <a:scrgbClr r="0" g="0" b="0"/>
+        </a:effectRef>
+        <a:fontRef idx="minor"/>
+      </dsp:style>
+      <dsp:txBody>
+        <a:bodyPr spcFirstLastPara="0" vert="horz" wrap="square" lIns="17145" tIns="17145" rIns="17145" bIns="17145" numCol="1" spcCol="1270" anchor="t" anchorCtr="0">
+          <a:noAutofit/>
+        </a:bodyPr>
+        <a:lstStyle/>
+        <a:p>
+          <a:pPr marL="57150" lvl="1" indent="-57150" algn="l" defTabSz="266700">
+            <a:lnSpc>
+              <a:spcPct val="90000"/>
+            </a:lnSpc>
+            <a:spcBef>
+              <a:spcPct val="0"/>
+            </a:spcBef>
+            <a:spcAft>
+              <a:spcPct val="15000"/>
+            </a:spcAft>
+            <a:buChar char="•"/>
+          </a:pPr>
+          <a:r>
+            <a:rPr lang="fr-FR" sz="600" kern="1200" dirty="0">
+              <a:latin typeface="Arial Nova" panose="020B0504020202020204"/>
+            </a:rPr>
+            <a:t>Un support pluri-technologique, replacé dans son contexte, et comporte :</a:t>
+          </a:r>
+        </a:p>
+        <a:p>
+          <a:pPr marL="114300" lvl="2" indent="-57150" algn="l" defTabSz="266700">
+            <a:lnSpc>
+              <a:spcPct val="90000"/>
+            </a:lnSpc>
+            <a:spcBef>
+              <a:spcPct val="0"/>
+            </a:spcBef>
+            <a:spcAft>
+              <a:spcPct val="15000"/>
+            </a:spcAft>
+            <a:buChar char="•"/>
+          </a:pPr>
+          <a:r>
+            <a:rPr lang="fr-FR" sz="600" kern="1200" dirty="0">
+              <a:latin typeface="Arial Nova" panose="020B0504020202020204"/>
+            </a:rPr>
+            <a:t>quelques éléments du cahier des charges relatif au support retenu ;</a:t>
+          </a:r>
+        </a:p>
+        <a:p>
+          <a:pPr marL="114300" lvl="2" indent="-57150" algn="l" defTabSz="266700">
+            <a:lnSpc>
+              <a:spcPct val="90000"/>
+            </a:lnSpc>
+            <a:spcBef>
+              <a:spcPct val="0"/>
+            </a:spcBef>
+            <a:spcAft>
+              <a:spcPct val="15000"/>
+            </a:spcAft>
+            <a:buChar char="•"/>
+          </a:pPr>
+          <a:r>
+            <a:rPr lang="fr-FR" sz="600" kern="1200" dirty="0">
+              <a:latin typeface="Arial Nova" panose="020B0504020202020204"/>
+            </a:rPr>
+            <a:t>des informations fonctionnelles et structurelles concernant le support ;</a:t>
+          </a:r>
+        </a:p>
+        <a:p>
+          <a:pPr marL="114300" lvl="2" indent="-57150" algn="l" defTabSz="266700">
+            <a:lnSpc>
+              <a:spcPct val="90000"/>
+            </a:lnSpc>
+            <a:spcBef>
+              <a:spcPct val="0"/>
+            </a:spcBef>
+            <a:spcAft>
+              <a:spcPct val="15000"/>
+            </a:spcAft>
+            <a:buChar char="•"/>
+          </a:pPr>
+          <a:r>
+            <a:rPr lang="fr-FR" sz="600" kern="1200" dirty="0">
+              <a:latin typeface="Arial Nova" panose="020B0504020202020204"/>
+            </a:rPr>
+            <a:t>des résultats d’expérimentations avec les conditions dans lesquelles elles ont été réalisées ;</a:t>
+          </a:r>
+        </a:p>
+        <a:p>
+          <a:pPr marL="114300" lvl="2" indent="-57150" algn="l" defTabSz="266700">
+            <a:lnSpc>
+              <a:spcPct val="90000"/>
+            </a:lnSpc>
+            <a:spcBef>
+              <a:spcPct val="0"/>
+            </a:spcBef>
+            <a:spcAft>
+              <a:spcPct val="15000"/>
+            </a:spcAft>
+            <a:buChar char="•"/>
+          </a:pPr>
+          <a:r>
+            <a:rPr lang="fr-FR" sz="600" kern="1200" dirty="0">
+              <a:latin typeface="Arial Nova" panose="020B0504020202020204"/>
+            </a:rPr>
+            <a:t>des résultats de simulation avec les hypothèses retenues pour élaborer le modèle. </a:t>
+          </a:r>
+        </a:p>
+        <a:p>
+          <a:pPr marL="57150" lvl="1" indent="-57150" algn="l" defTabSz="266700">
+            <a:lnSpc>
+              <a:spcPct val="90000"/>
+            </a:lnSpc>
+            <a:spcBef>
+              <a:spcPct val="0"/>
+            </a:spcBef>
+            <a:spcAft>
+              <a:spcPct val="15000"/>
+            </a:spcAft>
+            <a:buChar char="•"/>
+          </a:pPr>
+          <a:r>
+            <a:rPr lang="fr-FR" sz="600" kern="1200" dirty="0">
+              <a:latin typeface="Arial Nova" panose="020B0504020202020204"/>
+            </a:rPr>
+            <a:t>Autorisation d’écrire sur le sujet</a:t>
+          </a:r>
+        </a:p>
+      </dsp:txBody>
+      <dsp:txXfrm>
+        <a:off x="300618" y="757715"/>
+        <a:ext cx="1626365" cy="1031379"/>
+      </dsp:txXfrm>
+    </dsp:sp>
+    <dsp:sp modelId="{943CED33-B477-41B6-8333-C0E815B32CCD}">
+      <dsp:nvSpPr>
+        <dsp:cNvPr id="0" name=""/>
+        <dsp:cNvSpPr/>
+      </dsp:nvSpPr>
+      <dsp:spPr>
+        <a:xfrm>
+          <a:off x="1234969" y="917647"/>
+          <a:ext cx="1972064" cy="1972064"/>
+        </a:xfrm>
+        <a:prstGeom prst="leftCircularArrow">
+          <a:avLst>
+            <a:gd name="adj1" fmla="val 3651"/>
+            <a:gd name="adj2" fmla="val 454705"/>
+            <a:gd name="adj3" fmla="val 2528244"/>
+            <a:gd name="adj4" fmla="val 9322517"/>
+            <a:gd name="adj5" fmla="val 4260"/>
+          </a:avLst>
+        </a:prstGeom>
+        <a:solidFill>
+          <a:schemeClr val="accent1">
+            <a:tint val="60000"/>
+            <a:hueOff val="0"/>
+            <a:satOff val="0"/>
+            <a:lumOff val="0"/>
+            <a:alphaOff val="0"/>
+          </a:schemeClr>
+        </a:solidFill>
+        <a:ln>
+          <a:noFill/>
+        </a:ln>
+        <a:effectLst/>
+      </dsp:spPr>
+      <dsp:style>
+        <a:lnRef idx="0">
+          <a:scrgbClr r="0" g="0" b="0"/>
+        </a:lnRef>
+        <a:fillRef idx="1">
+          <a:scrgbClr r="0" g="0" b="0"/>
+        </a:fillRef>
+        <a:effectRef idx="0">
+          <a:scrgbClr r="0" g="0" b="0"/>
+        </a:effectRef>
+        <a:fontRef idx="minor">
+          <a:schemeClr val="lt1"/>
+        </a:fontRef>
+      </dsp:style>
+    </dsp:sp>
+    <dsp:sp modelId="{AB2A0A4B-2E62-43F5-874D-A858B18AD7BD}">
+      <dsp:nvSpPr>
+        <dsp:cNvPr id="0" name=""/>
+        <dsp:cNvSpPr/>
+      </dsp:nvSpPr>
+      <dsp:spPr>
+        <a:xfrm>
+          <a:off x="818151" y="1957914"/>
+          <a:ext cx="1154812" cy="324113"/>
+        </a:xfrm>
+        <a:prstGeom prst="roundRect">
+          <a:avLst>
+            <a:gd name="adj" fmla="val 10000"/>
+          </a:avLst>
+        </a:prstGeom>
+        <a:solidFill>
+          <a:schemeClr val="accent1">
+            <a:hueOff val="0"/>
+            <a:satOff val="0"/>
+            <a:lumOff val="0"/>
+            <a:alphaOff val="0"/>
+          </a:schemeClr>
+        </a:solidFill>
+        <a:ln w="12700" cap="flat" cmpd="sng" algn="ctr">
+          <a:solidFill>
+            <a:schemeClr val="lt1">
+              <a:hueOff val="0"/>
+              <a:satOff val="0"/>
+              <a:lumOff val="0"/>
+              <a:alphaOff val="0"/>
+            </a:schemeClr>
+          </a:solidFill>
+          <a:prstDash val="solid"/>
+          <a:miter lim="800000"/>
+        </a:ln>
+        <a:effectLst/>
+      </dsp:spPr>
+      <dsp:style>
+        <a:lnRef idx="2">
+          <a:scrgbClr r="0" g="0" b="0"/>
+        </a:lnRef>
+        <a:fillRef idx="1">
+          <a:scrgbClr r="0" g="0" b="0"/>
+        </a:fillRef>
+        <a:effectRef idx="0">
+          <a:scrgbClr r="0" g="0" b="0"/>
+        </a:effectRef>
+        <a:fontRef idx="minor">
+          <a:schemeClr val="lt1"/>
+        </a:fontRef>
+      </dsp:style>
+      <dsp:txBody>
+        <a:bodyPr spcFirstLastPara="0" vert="horz" wrap="square" lIns="20955" tIns="13970" rIns="20955" bIns="13970" numCol="1" spcCol="1270" anchor="ctr" anchorCtr="0">
+          <a:noAutofit/>
+        </a:bodyPr>
+        <a:lstStyle/>
+        <a:p>
+          <a:pPr marL="0" lvl="0" indent="0" algn="ctr" defTabSz="488950">
+            <a:lnSpc>
+              <a:spcPct val="90000"/>
+            </a:lnSpc>
+            <a:spcBef>
+              <a:spcPct val="0"/>
+            </a:spcBef>
+            <a:spcAft>
+              <a:spcPct val="35000"/>
+            </a:spcAft>
+            <a:buNone/>
+          </a:pPr>
+          <a:r>
+            <a:rPr lang="fr-FR" sz="1100" kern="1200" dirty="0">
+              <a:latin typeface="Arial Nova" panose="020B0504020202020204"/>
+            </a:rPr>
+            <a:t>Préparation</a:t>
+          </a:r>
+        </a:p>
+      </dsp:txBody>
+      <dsp:txXfrm>
+        <a:off x="827644" y="1967407"/>
+        <a:ext cx="1135826" cy="305127"/>
+      </dsp:txXfrm>
+    </dsp:sp>
+    <dsp:sp modelId="{B8A19F94-18F6-4D00-B053-8BF08839189F}">
+      <dsp:nvSpPr>
+        <dsp:cNvPr id="0" name=""/>
+        <dsp:cNvSpPr/>
+      </dsp:nvSpPr>
+      <dsp:spPr>
+        <a:xfrm>
+          <a:off x="2489810" y="725627"/>
+          <a:ext cx="1690541" cy="1394343"/>
+        </a:xfrm>
+        <a:prstGeom prst="roundRect">
+          <a:avLst>
+            <a:gd name="adj" fmla="val 10000"/>
+          </a:avLst>
+        </a:prstGeom>
+        <a:solidFill>
+          <a:schemeClr val="lt1">
+            <a:alpha val="90000"/>
+            <a:hueOff val="0"/>
+            <a:satOff val="0"/>
+            <a:lumOff val="0"/>
+            <a:alphaOff val="0"/>
+          </a:schemeClr>
+        </a:solidFill>
+        <a:ln w="12700" cap="flat" cmpd="sng" algn="ctr">
+          <a:solidFill>
+            <a:schemeClr val="accent1">
+              <a:hueOff val="0"/>
+              <a:satOff val="0"/>
+              <a:lumOff val="0"/>
+              <a:alphaOff val="0"/>
+            </a:schemeClr>
+          </a:solidFill>
+          <a:prstDash val="solid"/>
+          <a:miter lim="800000"/>
+        </a:ln>
+        <a:effectLst/>
+      </dsp:spPr>
+      <dsp:style>
+        <a:lnRef idx="2">
+          <a:scrgbClr r="0" g="0" b="0"/>
+        </a:lnRef>
+        <a:fillRef idx="1">
+          <a:scrgbClr r="0" g="0" b="0"/>
+        </a:fillRef>
+        <a:effectRef idx="0">
+          <a:scrgbClr r="0" g="0" b="0"/>
+        </a:effectRef>
+        <a:fontRef idx="minor"/>
+      </dsp:style>
+      <dsp:txBody>
+        <a:bodyPr spcFirstLastPara="0" vert="horz" wrap="square" lIns="17145" tIns="17145" rIns="17145" bIns="17145" numCol="1" spcCol="1270" anchor="t" anchorCtr="0">
+          <a:noAutofit/>
+        </a:bodyPr>
+        <a:lstStyle/>
+        <a:p>
+          <a:pPr marL="57150" lvl="1" indent="-57150" algn="l" defTabSz="400050">
+            <a:lnSpc>
+              <a:spcPct val="90000"/>
+            </a:lnSpc>
+            <a:spcBef>
+              <a:spcPct val="0"/>
+            </a:spcBef>
+            <a:spcAft>
+              <a:spcPct val="15000"/>
+            </a:spcAft>
+            <a:buChar char="•"/>
+          </a:pPr>
+          <a:r>
+            <a:rPr lang="fr-FR" sz="900" kern="1200" dirty="0">
+              <a:latin typeface="Arial Nova" panose="020B0504020202020204"/>
+            </a:rPr>
+            <a:t>Présentation du système</a:t>
+          </a:r>
+        </a:p>
+        <a:p>
+          <a:pPr marL="114300" lvl="2" indent="-57150" algn="l" defTabSz="400050">
+            <a:lnSpc>
+              <a:spcPct val="90000"/>
+            </a:lnSpc>
+            <a:spcBef>
+              <a:spcPct val="0"/>
+            </a:spcBef>
+            <a:spcAft>
+              <a:spcPct val="15000"/>
+            </a:spcAft>
+            <a:buChar char="•"/>
+          </a:pPr>
+          <a:r>
+            <a:rPr lang="fr-FR" sz="900" kern="1200" dirty="0">
+              <a:latin typeface="Arial Nova" panose="020B0504020202020204"/>
+            </a:rPr>
+            <a:t>Fonction principale (Cas d’utilisation)</a:t>
+          </a:r>
+        </a:p>
+        <a:p>
+          <a:pPr marL="114300" lvl="2" indent="-57150" algn="l" defTabSz="400050">
+            <a:lnSpc>
+              <a:spcPct val="90000"/>
+            </a:lnSpc>
+            <a:spcBef>
+              <a:spcPct val="0"/>
+            </a:spcBef>
+            <a:spcAft>
+              <a:spcPct val="15000"/>
+            </a:spcAft>
+            <a:buChar char="•"/>
+          </a:pPr>
+          <a:r>
+            <a:rPr lang="fr-FR" sz="900" kern="1200" dirty="0">
+              <a:latin typeface="Arial Nova" panose="020B0504020202020204"/>
+            </a:rPr>
+            <a:t>Chaine fonctionnelle</a:t>
+          </a:r>
+        </a:p>
+        <a:p>
+          <a:pPr marL="114300" lvl="2" indent="-57150" algn="l" defTabSz="400050">
+            <a:lnSpc>
+              <a:spcPct val="90000"/>
+            </a:lnSpc>
+            <a:spcBef>
+              <a:spcPct val="0"/>
+            </a:spcBef>
+            <a:spcAft>
+              <a:spcPct val="15000"/>
+            </a:spcAft>
+            <a:buChar char="•"/>
+          </a:pPr>
+          <a:endParaRPr lang="fr-FR" sz="900" kern="1200" dirty="0">
+            <a:latin typeface="Arial Nova" panose="020B0504020202020204"/>
+          </a:endParaRPr>
+        </a:p>
+        <a:p>
+          <a:pPr marL="114300" lvl="2" indent="-57150" algn="l" defTabSz="400050">
+            <a:lnSpc>
+              <a:spcPct val="90000"/>
+            </a:lnSpc>
+            <a:spcBef>
+              <a:spcPct val="0"/>
+            </a:spcBef>
+            <a:spcAft>
+              <a:spcPct val="15000"/>
+            </a:spcAft>
+            <a:buChar char="•"/>
+          </a:pPr>
+          <a:r>
+            <a:rPr lang="fr-FR" sz="900" kern="1200" dirty="0">
+              <a:latin typeface="Arial Nova" panose="020B0504020202020204"/>
+            </a:rPr>
+            <a:t>Problématique des différentes parties</a:t>
+          </a:r>
+        </a:p>
+      </dsp:txBody>
+      <dsp:txXfrm>
+        <a:off x="2521898" y="1056503"/>
+        <a:ext cx="1626365" cy="1031379"/>
+      </dsp:txXfrm>
+    </dsp:sp>
+    <dsp:sp modelId="{DC8BE73A-4F5A-421C-B33E-9320120B824C}">
+      <dsp:nvSpPr>
+        <dsp:cNvPr id="0" name=""/>
+        <dsp:cNvSpPr/>
+      </dsp:nvSpPr>
+      <dsp:spPr>
+        <a:xfrm>
+          <a:off x="3442524" y="-98421"/>
+          <a:ext cx="2187352" cy="2187352"/>
+        </a:xfrm>
+        <a:prstGeom prst="circularArrow">
+          <a:avLst>
+            <a:gd name="adj1" fmla="val 3292"/>
+            <a:gd name="adj2" fmla="val 406454"/>
+            <a:gd name="adj3" fmla="val 19151661"/>
+            <a:gd name="adj4" fmla="val 12309136"/>
+            <a:gd name="adj5" fmla="val 3841"/>
+          </a:avLst>
+        </a:prstGeom>
+        <a:solidFill>
+          <a:schemeClr val="accent1">
+            <a:tint val="60000"/>
+            <a:hueOff val="0"/>
+            <a:satOff val="0"/>
+            <a:lumOff val="0"/>
+            <a:alphaOff val="0"/>
+          </a:schemeClr>
+        </a:solidFill>
+        <a:ln>
+          <a:noFill/>
+        </a:ln>
+        <a:effectLst/>
+      </dsp:spPr>
+      <dsp:style>
+        <a:lnRef idx="0">
+          <a:scrgbClr r="0" g="0" b="0"/>
+        </a:lnRef>
+        <a:fillRef idx="1">
+          <a:scrgbClr r="0" g="0" b="0"/>
+        </a:fillRef>
+        <a:effectRef idx="0">
+          <a:scrgbClr r="0" g="0" b="0"/>
+        </a:effectRef>
+        <a:fontRef idx="minor">
+          <a:schemeClr val="lt1"/>
+        </a:fontRef>
+      </dsp:style>
+    </dsp:sp>
+    <dsp:sp modelId="{71BAD410-3299-44D0-A85A-DC3B57193168}">
+      <dsp:nvSpPr>
+        <dsp:cNvPr id="0" name=""/>
+        <dsp:cNvSpPr/>
+      </dsp:nvSpPr>
+      <dsp:spPr>
+        <a:xfrm>
+          <a:off x="3039431" y="563571"/>
+          <a:ext cx="1154812" cy="324113"/>
+        </a:xfrm>
+        <a:prstGeom prst="roundRect">
+          <a:avLst>
+            <a:gd name="adj" fmla="val 10000"/>
+          </a:avLst>
+        </a:prstGeom>
+        <a:solidFill>
+          <a:schemeClr val="accent1">
+            <a:hueOff val="0"/>
+            <a:satOff val="0"/>
+            <a:lumOff val="0"/>
+            <a:alphaOff val="0"/>
+          </a:schemeClr>
+        </a:solidFill>
+        <a:ln w="12700" cap="flat" cmpd="sng" algn="ctr">
+          <a:solidFill>
+            <a:schemeClr val="lt1">
+              <a:hueOff val="0"/>
+              <a:satOff val="0"/>
+              <a:lumOff val="0"/>
+              <a:alphaOff val="0"/>
+            </a:schemeClr>
+          </a:solidFill>
+          <a:prstDash val="solid"/>
+          <a:miter lim="800000"/>
+        </a:ln>
+        <a:effectLst/>
+      </dsp:spPr>
+      <dsp:style>
+        <a:lnRef idx="2">
+          <a:scrgbClr r="0" g="0" b="0"/>
+        </a:lnRef>
+        <a:fillRef idx="1">
+          <a:scrgbClr r="0" g="0" b="0"/>
+        </a:fillRef>
+        <a:effectRef idx="0">
+          <a:scrgbClr r="0" g="0" b="0"/>
+        </a:effectRef>
+        <a:fontRef idx="minor">
+          <a:schemeClr val="lt1"/>
+        </a:fontRef>
+      </dsp:style>
+      <dsp:txBody>
+        <a:bodyPr spcFirstLastPara="0" vert="horz" wrap="square" lIns="20955" tIns="13970" rIns="20955" bIns="13970" numCol="1" spcCol="1270" anchor="ctr" anchorCtr="0">
+          <a:noAutofit/>
+        </a:bodyPr>
+        <a:lstStyle/>
+        <a:p>
+          <a:pPr marL="0" lvl="0" indent="0" algn="ctr" defTabSz="488950">
+            <a:lnSpc>
+              <a:spcPct val="90000"/>
+            </a:lnSpc>
+            <a:spcBef>
+              <a:spcPct val="0"/>
+            </a:spcBef>
+            <a:spcAft>
+              <a:spcPct val="35000"/>
+            </a:spcAft>
+            <a:buNone/>
+          </a:pPr>
+          <a:r>
+            <a:rPr lang="fr-FR" sz="1100" kern="1200" dirty="0">
+              <a:latin typeface="Arial Nova" panose="020B0504020202020204"/>
+            </a:rPr>
+            <a:t>Introduction</a:t>
+          </a:r>
+        </a:p>
+      </dsp:txBody>
+      <dsp:txXfrm>
+        <a:off x="3048924" y="573064"/>
+        <a:ext cx="1135826" cy="305127"/>
+      </dsp:txXfrm>
+    </dsp:sp>
+    <dsp:sp modelId="{9131C415-ABC8-494A-BB4C-4189E2623C96}">
+      <dsp:nvSpPr>
+        <dsp:cNvPr id="0" name=""/>
+        <dsp:cNvSpPr/>
+      </dsp:nvSpPr>
+      <dsp:spPr>
+        <a:xfrm>
+          <a:off x="4711089" y="725627"/>
+          <a:ext cx="1690541" cy="1394343"/>
+        </a:xfrm>
+        <a:prstGeom prst="roundRect">
+          <a:avLst>
+            <a:gd name="adj" fmla="val 10000"/>
+          </a:avLst>
+        </a:prstGeom>
+        <a:solidFill>
+          <a:schemeClr val="lt1">
+            <a:alpha val="90000"/>
+            <a:hueOff val="0"/>
+            <a:satOff val="0"/>
+            <a:lumOff val="0"/>
+            <a:alphaOff val="0"/>
+          </a:schemeClr>
+        </a:solidFill>
+        <a:ln w="12700" cap="flat" cmpd="sng" algn="ctr">
+          <a:solidFill>
+            <a:schemeClr val="accent1">
+              <a:hueOff val="0"/>
+              <a:satOff val="0"/>
+              <a:lumOff val="0"/>
+              <a:alphaOff val="0"/>
+            </a:schemeClr>
+          </a:solidFill>
+          <a:prstDash val="solid"/>
+          <a:miter lim="800000"/>
+        </a:ln>
+        <a:effectLst/>
+      </dsp:spPr>
+      <dsp:style>
+        <a:lnRef idx="2">
+          <a:scrgbClr r="0" g="0" b="0"/>
+        </a:lnRef>
+        <a:fillRef idx="1">
+          <a:scrgbClr r="0" g="0" b="0"/>
+        </a:fillRef>
+        <a:effectRef idx="0">
+          <a:scrgbClr r="0" g="0" b="0"/>
+        </a:effectRef>
+        <a:fontRef idx="minor"/>
+      </dsp:style>
+      <dsp:txBody>
+        <a:bodyPr spcFirstLastPara="0" vert="horz" wrap="square" lIns="17145" tIns="17145" rIns="17145" bIns="17145" numCol="1" spcCol="1270" anchor="t" anchorCtr="0">
+          <a:noAutofit/>
+        </a:bodyPr>
+        <a:lstStyle/>
+        <a:p>
+          <a:pPr marL="57150" lvl="1" indent="-57150" algn="l" defTabSz="400050">
+            <a:lnSpc>
+              <a:spcPct val="90000"/>
+            </a:lnSpc>
+            <a:spcBef>
+              <a:spcPct val="0"/>
+            </a:spcBef>
+            <a:spcAft>
+              <a:spcPct val="15000"/>
+            </a:spcAft>
+            <a:buChar char="•"/>
+          </a:pPr>
+          <a:r>
+            <a:rPr lang="fr-FR" sz="900" kern="1200" dirty="0">
+              <a:latin typeface="Arial Nova" panose="020B0504020202020204"/>
+            </a:rPr>
+            <a:t>Développement d’une (ou plusieurs problématiques)</a:t>
+          </a:r>
+        </a:p>
+      </dsp:txBody>
+      <dsp:txXfrm>
+        <a:off x="4743177" y="757715"/>
+        <a:ext cx="1626365" cy="1031379"/>
+      </dsp:txXfrm>
+    </dsp:sp>
+    <dsp:sp modelId="{40A8A41C-CF7A-4E88-8EA7-EAA6AFD512F6}">
+      <dsp:nvSpPr>
+        <dsp:cNvPr id="0" name=""/>
+        <dsp:cNvSpPr/>
+      </dsp:nvSpPr>
+      <dsp:spPr>
+        <a:xfrm>
+          <a:off x="5260711" y="1957914"/>
+          <a:ext cx="1154812" cy="324113"/>
+        </a:xfrm>
+        <a:prstGeom prst="roundRect">
+          <a:avLst>
+            <a:gd name="adj" fmla="val 10000"/>
+          </a:avLst>
+        </a:prstGeom>
+        <a:solidFill>
+          <a:schemeClr val="accent1">
+            <a:hueOff val="0"/>
+            <a:satOff val="0"/>
+            <a:lumOff val="0"/>
+            <a:alphaOff val="0"/>
+          </a:schemeClr>
+        </a:solidFill>
+        <a:ln w="12700" cap="flat" cmpd="sng" algn="ctr">
+          <a:solidFill>
+            <a:schemeClr val="lt1">
+              <a:hueOff val="0"/>
+              <a:satOff val="0"/>
+              <a:lumOff val="0"/>
+              <a:alphaOff val="0"/>
+            </a:schemeClr>
+          </a:solidFill>
+          <a:prstDash val="solid"/>
+          <a:miter lim="800000"/>
+        </a:ln>
+        <a:effectLst/>
+      </dsp:spPr>
+      <dsp:style>
+        <a:lnRef idx="2">
+          <a:scrgbClr r="0" g="0" b="0"/>
+        </a:lnRef>
+        <a:fillRef idx="1">
+          <a:scrgbClr r="0" g="0" b="0"/>
+        </a:fillRef>
+        <a:effectRef idx="0">
+          <a:scrgbClr r="0" g="0" b="0"/>
+        </a:effectRef>
+        <a:fontRef idx="minor">
+          <a:schemeClr val="lt1"/>
+        </a:fontRef>
+      </dsp:style>
+      <dsp:txBody>
+        <a:bodyPr spcFirstLastPara="0" vert="horz" wrap="square" lIns="20955" tIns="13970" rIns="20955" bIns="13970" numCol="1" spcCol="1270" anchor="ctr" anchorCtr="0">
+          <a:noAutofit/>
+        </a:bodyPr>
+        <a:lstStyle/>
+        <a:p>
+          <a:pPr marL="0" lvl="0" indent="0" algn="ctr" defTabSz="488950">
+            <a:lnSpc>
+              <a:spcPct val="90000"/>
+            </a:lnSpc>
+            <a:spcBef>
+              <a:spcPct val="0"/>
+            </a:spcBef>
+            <a:spcAft>
+              <a:spcPct val="35000"/>
+            </a:spcAft>
+            <a:buNone/>
+          </a:pPr>
+          <a:r>
+            <a:rPr lang="fr-FR" sz="1100" kern="1200">
+              <a:latin typeface="Arial Nova" panose="020B0504020202020204"/>
+            </a:rPr>
+            <a:t>Présentation </a:t>
+          </a:r>
+        </a:p>
+      </dsp:txBody>
+      <dsp:txXfrm>
+        <a:off x="5270204" y="1967407"/>
+        <a:ext cx="1135826" cy="305127"/>
+      </dsp:txXfrm>
+    </dsp:sp>
+  </dsp:spTree>
+</dsp:drawing>
+</file>
+
+<file path=ppt/diagrams/drawing8.xml><?xml version="1.0" encoding="utf-8"?>
+<dsp:drawing xmlns:dgm="http://schemas.openxmlformats.org/drawingml/2006/diagram" xmlns:dsp="http://schemas.microsoft.com/office/drawing/2008/diagram" xmlns:a="http://schemas.openxmlformats.org/drawingml/2006/main">
+  <dsp:spTree>
+    <dsp:nvGrpSpPr>
+      <dsp:cNvPr id="0" name=""/>
+      <dsp:cNvGrpSpPr/>
+    </dsp:nvGrpSpPr>
+    <dsp:grpSpPr/>
+    <dsp:sp modelId="{8901E0F4-0A59-4693-BCC0-AD691D9FB870}">
+      <dsp:nvSpPr>
+        <dsp:cNvPr id="0" name=""/>
+        <dsp:cNvSpPr/>
+      </dsp:nvSpPr>
+      <dsp:spPr>
+        <a:xfrm>
           <a:off x="79" y="998205"/>
           <a:ext cx="1274977" cy="1051589"/>
         </a:xfrm>
@@ -18998,6 +21355,550 @@
 </dgm:layoutDef>
 </file>
 
+<file path=ppt/diagrams/layout8.xml><?xml version="1.0" encoding="utf-8"?>
+<dgm:layoutDef xmlns:dgm="http://schemas.openxmlformats.org/drawingml/2006/diagram" xmlns:a="http://schemas.openxmlformats.org/drawingml/2006/main" uniqueId="urn:microsoft.com/office/officeart/2005/8/layout/hProcess4">
+  <dgm:title val=""/>
+  <dgm:desc val=""/>
+  <dgm:catLst>
+    <dgm:cat type="process" pri="4000"/>
+  </dgm:catLst>
+  <dgm:sampData>
+    <dgm:dataModel>
+      <dgm:ptLst>
+        <dgm:pt modelId="0" type="doc"/>
+        <dgm:pt modelId="1">
+          <dgm:prSet phldr="1"/>
+        </dgm:pt>
+        <dgm:pt modelId="11">
+          <dgm:prSet phldr="1"/>
+        </dgm:pt>
+        <dgm:pt modelId="12">
+          <dgm:prSet phldr="1"/>
+        </dgm:pt>
+        <dgm:pt modelId="2">
+          <dgm:prSet phldr="1"/>
+        </dgm:pt>
+        <dgm:pt modelId="21">
+          <dgm:prSet phldr="1"/>
+        </dgm:pt>
+        <dgm:pt modelId="22">
+          <dgm:prSet phldr="1"/>
+        </dgm:pt>
+        <dgm:pt modelId="3">
+          <dgm:prSet phldr="1"/>
+        </dgm:pt>
+        <dgm:pt modelId="31">
+          <dgm:prSet phldr="1"/>
+        </dgm:pt>
+        <dgm:pt modelId="32">
+          <dgm:prSet phldr="1"/>
+        </dgm:pt>
+      </dgm:ptLst>
+      <dgm:cxnLst>
+        <dgm:cxn modelId="4" srcId="0" destId="1" srcOrd="0" destOrd="0"/>
+        <dgm:cxn modelId="5" srcId="0" destId="2" srcOrd="1" destOrd="0"/>
+        <dgm:cxn modelId="6" srcId="0" destId="3" srcOrd="2" destOrd="0"/>
+        <dgm:cxn modelId="13" srcId="1" destId="11" srcOrd="0" destOrd="0"/>
+        <dgm:cxn modelId="14" srcId="1" destId="12" srcOrd="1" destOrd="0"/>
+        <dgm:cxn modelId="23" srcId="2" destId="21" srcOrd="0" destOrd="0"/>
+        <dgm:cxn modelId="24" srcId="2" destId="22" srcOrd="1" destOrd="0"/>
+        <dgm:cxn modelId="33" srcId="3" destId="31" srcOrd="0" destOrd="0"/>
+        <dgm:cxn modelId="34" srcId="3" destId="32" srcOrd="1" destOrd="0"/>
+      </dgm:cxnLst>
+      <dgm:bg/>
+      <dgm:whole/>
+    </dgm:dataModel>
+  </dgm:sampData>
+  <dgm:styleData>
+    <dgm:dataModel>
+      <dgm:ptLst>
+        <dgm:pt modelId="0" type="doc"/>
+        <dgm:pt modelId="1"/>
+        <dgm:pt modelId="11"/>
+        <dgm:pt modelId="2"/>
+        <dgm:pt modelId="21"/>
+      </dgm:ptLst>
+      <dgm:cxnLst>
+        <dgm:cxn modelId="4" srcId="0" destId="1" srcOrd="0" destOrd="0"/>
+        <dgm:cxn modelId="5" srcId="0" destId="2" srcOrd="1" destOrd="0"/>
+        <dgm:cxn modelId="13" srcId="1" destId="11" srcOrd="0" destOrd="0"/>
+        <dgm:cxn modelId="23" srcId="2" destId="21" srcOrd="0" destOrd="0"/>
+      </dgm:cxnLst>
+      <dgm:bg/>
+      <dgm:whole/>
+    </dgm:dataModel>
+  </dgm:styleData>
+  <dgm:clrData>
+    <dgm:dataModel>
+      <dgm:ptLst>
+        <dgm:pt modelId="0" type="doc"/>
+        <dgm:pt modelId="1"/>
+        <dgm:pt modelId="11"/>
+        <dgm:pt modelId="2"/>
+        <dgm:pt modelId="21"/>
+        <dgm:pt modelId="3"/>
+        <dgm:pt modelId="31"/>
+        <dgm:pt modelId="4"/>
+        <dgm:pt modelId="41"/>
+      </dgm:ptLst>
+      <dgm:cxnLst>
+        <dgm:cxn modelId="5" srcId="0" destId="1" srcOrd="0" destOrd="0"/>
+        <dgm:cxn modelId="6" srcId="0" destId="2" srcOrd="1" destOrd="0"/>
+        <dgm:cxn modelId="7" srcId="0" destId="3" srcOrd="2" destOrd="0"/>
+        <dgm:cxn modelId="8" srcId="0" destId="4" srcOrd="3" destOrd="0"/>
+        <dgm:cxn modelId="13" srcId="1" destId="11" srcOrd="0" destOrd="0"/>
+        <dgm:cxn modelId="23" srcId="2" destId="21" srcOrd="0" destOrd="0"/>
+        <dgm:cxn modelId="33" srcId="3" destId="31" srcOrd="0" destOrd="0"/>
+        <dgm:cxn modelId="43" srcId="4" destId="41" srcOrd="0" destOrd="0"/>
+      </dgm:cxnLst>
+      <dgm:bg/>
+      <dgm:whole/>
+    </dgm:dataModel>
+  </dgm:clrData>
+  <dgm:layoutNode name="Name0">
+    <dgm:varLst>
+      <dgm:dir/>
+      <dgm:animLvl val="lvl"/>
+      <dgm:resizeHandles val="exact"/>
+    </dgm:varLst>
+    <dgm:alg type="composite"/>
+    <dgm:shape xmlns:r="http://schemas.openxmlformats.org/officeDocument/2006/relationships" r:blip="">
+      <dgm:adjLst/>
+    </dgm:shape>
+    <dgm:presOf/>
+    <dgm:constrLst>
+      <dgm:constr type="w" for="ch" forName="tSp" refType="w"/>
+      <dgm:constr type="h" for="ch" forName="tSp" refType="h" fact="0.15"/>
+      <dgm:constr type="l" for="ch" forName="tSp"/>
+      <dgm:constr type="t" for="ch" forName="tSp"/>
+      <dgm:constr type="w" for="ch" forName="bSp" refType="w"/>
+      <dgm:constr type="h" for="ch" forName="bSp" refType="h" fact="0.15"/>
+      <dgm:constr type="l" for="ch" forName="bSp"/>
+      <dgm:constr type="t" for="ch" forName="bSp" refType="h" fact="0.85"/>
+      <dgm:constr type="w" for="ch" forName="process" refType="w"/>
+      <dgm:constr type="h" for="ch" forName="process" refType="h" fact="0.7"/>
+      <dgm:constr type="l" for="ch" forName="process"/>
+      <dgm:constr type="t" for="ch" forName="process" refType="h" fact="0.15"/>
+    </dgm:constrLst>
+    <dgm:ruleLst/>
+    <dgm:layoutNode name="tSp">
+      <dgm:alg type="sp"/>
+      <dgm:shape xmlns:r="http://schemas.openxmlformats.org/officeDocument/2006/relationships" r:blip="">
+        <dgm:adjLst/>
+      </dgm:shape>
+      <dgm:presOf/>
+      <dgm:constrLst/>
+      <dgm:ruleLst/>
+    </dgm:layoutNode>
+    <dgm:layoutNode name="bSp">
+      <dgm:alg type="sp"/>
+      <dgm:shape xmlns:r="http://schemas.openxmlformats.org/officeDocument/2006/relationships" r:blip="">
+        <dgm:adjLst/>
+      </dgm:shape>
+      <dgm:presOf/>
+      <dgm:constrLst/>
+      <dgm:ruleLst/>
+    </dgm:layoutNode>
+    <dgm:layoutNode name="process">
+      <dgm:choose name="Name1">
+        <dgm:if name="Name2" func="var" arg="dir" op="equ" val="norm">
+          <dgm:alg type="lin">
+            <dgm:param type="linDir" val="fromL"/>
+          </dgm:alg>
+        </dgm:if>
+        <dgm:else name="Name3">
+          <dgm:alg type="lin">
+            <dgm:param type="linDir" val="fromR"/>
+          </dgm:alg>
+        </dgm:else>
+      </dgm:choose>
+      <dgm:shape xmlns:r="http://schemas.openxmlformats.org/officeDocument/2006/relationships" r:blip="">
+        <dgm:adjLst/>
+      </dgm:shape>
+      <dgm:presOf/>
+      <dgm:constrLst>
+        <dgm:constr type="w" for="ch" forName="composite1" refType="w"/>
+        <dgm:constr type="w" for="ch" forName="composite2" refType="w" refFor="ch" refForName="composite1" op="equ"/>
+        <dgm:constr type="h" for="ch" forName="composite1" refType="h"/>
+        <dgm:constr type="h" for="ch" forName="composite2" refType="h" refFor="ch" refForName="composite1" op="equ"/>
+        <dgm:constr type="primFontSz" for="des" forName="parentNode1" val="65"/>
+        <dgm:constr type="primFontSz" for="des" forName="parentNode2" refType="primFontSz" refFor="des" refForName="parentNode1" op="equ"/>
+        <dgm:constr type="secFontSz" for="des" forName="childNode1tx" val="65"/>
+        <dgm:constr type="secFontSz" for="des" forName="childNode2tx" refType="secFontSz" refFor="des" refForName="childNode1tx" op="equ"/>
+        <dgm:constr type="w" for="des" ptType="sibTrans" refType="w" refFor="ch" refForName="composite1" op="equ" fact="0.05"/>
+      </dgm:constrLst>
+      <dgm:ruleLst/>
+      <dgm:forEach name="Name4" axis="ch" ptType="node" step="2">
+        <dgm:layoutNode name="composite1">
+          <dgm:alg type="composite">
+            <dgm:param type="ar" val="0.943"/>
+          </dgm:alg>
+          <dgm:shape xmlns:r="http://schemas.openxmlformats.org/officeDocument/2006/relationships" r:blip="">
+            <dgm:adjLst/>
+          </dgm:shape>
+          <dgm:presOf/>
+          <dgm:choose name="Name5">
+            <dgm:if name="Name6" func="var" arg="dir" op="equ" val="norm">
+              <dgm:constrLst>
+                <dgm:constr type="h" refType="w" fact="1.06"/>
+                <dgm:constr type="w" for="ch" forName="dummyNode1" refType="w"/>
+                <dgm:constr type="h" for="ch" forName="dummyNode1" refType="h"/>
+                <dgm:constr type="t" for="ch" forName="dummyNode1"/>
+                <dgm:constr type="l" for="ch" forName="dummyNode1"/>
+                <dgm:constr type="w" for="ch" forName="childNode1" refType="w" fact="0.9"/>
+                <dgm:constr type="h" for="ch" forName="childNode1" refType="h" fact="0.7"/>
+                <dgm:constr type="t" for="ch" forName="childNode1" refType="h" fact="0.15"/>
+                <dgm:constr type="l" for="ch" forName="childNode1"/>
+                <dgm:constr type="w" for="ch" forName="childNode1tx" refType="w" fact="0.9"/>
+                <dgm:constr type="h" for="ch" forName="childNode1tx" refType="h" fact="0.55"/>
+                <dgm:constr type="t" for="ch" forName="childNode1tx" refType="h" fact="0.15"/>
+                <dgm:constr type="l" for="ch" forName="childNode1tx"/>
+                <dgm:constr type="w" for="ch" forName="parentNode1" refType="w" fact="0.8"/>
+                <dgm:constr type="h" for="ch" forName="parentNode1" refType="h" fact="0.3"/>
+                <dgm:constr type="t" for="ch" forName="parentNode1" refType="h" fact="0.7"/>
+                <dgm:constr type="l" for="ch" forName="parentNode1" refType="w" fact="0.2"/>
+                <dgm:constr type="w" for="ch" forName="connSite1" refType="w" fact="0.01"/>
+                <dgm:constr type="h" for="ch" forName="connSite1" refType="h" fact="0.01"/>
+                <dgm:constr type="t" for="ch" forName="connSite1"/>
+                <dgm:constr type="l" for="ch" forName="connSite1" refType="w" fact="0.35"/>
+              </dgm:constrLst>
+            </dgm:if>
+            <dgm:else name="Name7">
+              <dgm:constrLst>
+                <dgm:constr type="h" refType="w" fact="1.06"/>
+                <dgm:constr type="w" for="ch" forName="dummyNode1" refType="w"/>
+                <dgm:constr type="h" for="ch" forName="dummyNode1" refType="h"/>
+                <dgm:constr type="t" for="ch" forName="dummyNode1"/>
+                <dgm:constr type="l" for="ch" forName="dummyNode1"/>
+                <dgm:constr type="w" for="ch" forName="childNode1" refType="w" fact="0.9"/>
+                <dgm:constr type="h" for="ch" forName="childNode1" refType="h" fact="0.7"/>
+                <dgm:constr type="t" for="ch" forName="childNode1" refType="h" fact="0.15"/>
+                <dgm:constr type="l" for="ch" forName="childNode1" refType="w" fact="0.1"/>
+                <dgm:constr type="w" for="ch" forName="childNode1tx" refType="w" fact="0.9"/>
+                <dgm:constr type="h" for="ch" forName="childNode1tx" refType="h" fact="0.55"/>
+                <dgm:constr type="t" for="ch" forName="childNode1tx" refType="h" fact="0.15"/>
+                <dgm:constr type="l" for="ch" forName="childNode1tx" refType="w" fact="0.1"/>
+                <dgm:constr type="w" for="ch" forName="parentNode1" refType="w" fact="0.8"/>
+                <dgm:constr type="h" for="ch" forName="parentNode1" refType="h" fact="0.3"/>
+                <dgm:constr type="t" for="ch" forName="parentNode1" refType="h" fact="0.7"/>
+                <dgm:constr type="l" for="ch" forName="parentNode1"/>
+                <dgm:constr type="w" for="ch" forName="connSite1" refType="w" fact="0.01"/>
+                <dgm:constr type="h" for="ch" forName="connSite1" refType="h" fact="0.01"/>
+                <dgm:constr type="t" for="ch" forName="connSite1"/>
+                <dgm:constr type="l" for="ch" forName="connSite1" refType="w" fact="0.65"/>
+              </dgm:constrLst>
+            </dgm:else>
+          </dgm:choose>
+          <dgm:ruleLst/>
+          <dgm:layoutNode name="dummyNode1">
+            <dgm:alg type="sp"/>
+            <dgm:shape xmlns:r="http://schemas.openxmlformats.org/officeDocument/2006/relationships" type="rect" r:blip="" hideGeom="1">
+              <dgm:adjLst/>
+            </dgm:shape>
+            <dgm:presOf/>
+            <dgm:constrLst/>
+            <dgm:ruleLst/>
+          </dgm:layoutNode>
+          <dgm:layoutNode name="childNode1" styleLbl="bgAcc1">
+            <dgm:varLst>
+              <dgm:bulletEnabled val="1"/>
+            </dgm:varLst>
+            <dgm:alg type="sp"/>
+            <dgm:shape xmlns:r="http://schemas.openxmlformats.org/officeDocument/2006/relationships" type="roundRect" r:blip="">
+              <dgm:adjLst>
+                <dgm:adj idx="1" val="0.1"/>
+              </dgm:adjLst>
+            </dgm:shape>
+            <dgm:presOf axis="des" ptType="node"/>
+            <dgm:constrLst/>
+            <dgm:ruleLst/>
+          </dgm:layoutNode>
+          <dgm:layoutNode name="childNode1tx" styleLbl="bgAcc1">
+            <dgm:varLst>
+              <dgm:bulletEnabled val="1"/>
+            </dgm:varLst>
+            <dgm:alg type="tx">
+              <dgm:param type="stBulletLvl" val="1"/>
+            </dgm:alg>
+            <dgm:shape xmlns:r="http://schemas.openxmlformats.org/officeDocument/2006/relationships" type="roundRect" r:blip="" hideGeom="1">
+              <dgm:adjLst>
+                <dgm:adj idx="1" val="0.1"/>
+              </dgm:adjLst>
+            </dgm:shape>
+            <dgm:presOf axis="des" ptType="node"/>
+            <dgm:constrLst>
+              <dgm:constr type="secFontSz" val="65"/>
+              <dgm:constr type="primFontSz" refType="secFontSz"/>
+              <dgm:constr type="tMarg" refType="secFontSz" fact="0.15"/>
+              <dgm:constr type="bMarg" refType="secFontSz" fact="0.15"/>
+              <dgm:constr type="lMarg" refType="secFontSz" fact="0.15"/>
+              <dgm:constr type="rMarg" refType="secFontSz" fact="0.15"/>
+            </dgm:constrLst>
+            <dgm:ruleLst>
+              <dgm:rule type="secFontSz" val="5" fact="NaN" max="NaN"/>
+            </dgm:ruleLst>
+          </dgm:layoutNode>
+          <dgm:layoutNode name="parentNode1" styleLbl="node1">
+            <dgm:varLst>
+              <dgm:chMax val="1"/>
+              <dgm:bulletEnabled val="1"/>
+            </dgm:varLst>
+            <dgm:alg type="tx"/>
+            <dgm:shape xmlns:r="http://schemas.openxmlformats.org/officeDocument/2006/relationships" type="roundRect" r:blip="">
+              <dgm:adjLst>
+                <dgm:adj idx="1" val="0.1"/>
+              </dgm:adjLst>
+            </dgm:shape>
+            <dgm:presOf axis="self"/>
+            <dgm:constrLst>
+              <dgm:constr type="tMarg" refType="primFontSz" fact="0.1"/>
+              <dgm:constr type="bMarg" refType="primFontSz" fact="0.1"/>
+              <dgm:constr type="lMarg" refType="primFontSz" fact="0.15"/>
+              <dgm:constr type="rMarg" refType="primFontSz" fact="0.15"/>
+            </dgm:constrLst>
+            <dgm:ruleLst>
+              <dgm:rule type="primFontSz" val="5" fact="NaN" max="NaN"/>
+            </dgm:ruleLst>
+          </dgm:layoutNode>
+          <dgm:layoutNode name="connSite1" moveWith="childNode1">
+            <dgm:alg type="sp"/>
+            <dgm:shape xmlns:r="http://schemas.openxmlformats.org/officeDocument/2006/relationships" r:blip="">
+              <dgm:adjLst/>
+            </dgm:shape>
+            <dgm:presOf/>
+            <dgm:constrLst/>
+            <dgm:ruleLst/>
+          </dgm:layoutNode>
+        </dgm:layoutNode>
+        <dgm:forEach name="Name8" axis="followSib" ptType="sibTrans" cnt="1">
+          <dgm:layoutNode name="Name9">
+            <dgm:alg type="conn">
+              <dgm:param type="connRout" val="curve"/>
+              <dgm:param type="srcNode" val="parentNode1"/>
+              <dgm:param type="dstNode" val="connSite2"/>
+              <dgm:param type="begPts" val="bCtr"/>
+              <dgm:param type="endPts" val="bCtr"/>
+            </dgm:alg>
+            <dgm:shape xmlns:r="http://schemas.openxmlformats.org/officeDocument/2006/relationships" type="conn" r:blip="" zOrderOff="-2">
+              <dgm:adjLst/>
+            </dgm:shape>
+            <dgm:presOf axis="self"/>
+            <dgm:choose name="Name10">
+              <dgm:if name="Name11" func="var" arg="dir" op="equ" val="norm">
+                <dgm:constrLst>
+                  <dgm:constr type="h" refType="w" fact="0.35"/>
+                  <dgm:constr type="wArH" refType="h"/>
+                  <dgm:constr type="hArH" refType="h"/>
+                  <dgm:constr type="connDist"/>
+                  <dgm:constr type="diam" refType="connDist" fact="-1.15"/>
+                  <dgm:constr type="begPad"/>
+                  <dgm:constr type="endPad"/>
+                </dgm:constrLst>
+              </dgm:if>
+              <dgm:else name="Name12">
+                <dgm:constrLst>
+                  <dgm:constr type="h" refType="w" fact="0.35"/>
+                  <dgm:constr type="wArH" refType="h"/>
+                  <dgm:constr type="hArH" refType="h"/>
+                  <dgm:constr type="connDist"/>
+                  <dgm:constr type="diam" refType="connDist" fact="1.15"/>
+                  <dgm:constr type="begPad"/>
+                  <dgm:constr type="endPad"/>
+                </dgm:constrLst>
+              </dgm:else>
+            </dgm:choose>
+            <dgm:ruleLst/>
+          </dgm:layoutNode>
+        </dgm:forEach>
+        <dgm:forEach name="Name13" axis="followSib" ptType="node" cnt="1">
+          <dgm:layoutNode name="composite2">
+            <dgm:alg type="composite">
+              <dgm:param type="ar" val="0.943"/>
+            </dgm:alg>
+            <dgm:shape xmlns:r="http://schemas.openxmlformats.org/officeDocument/2006/relationships" r:blip="">
+              <dgm:adjLst/>
+            </dgm:shape>
+            <dgm:presOf/>
+            <dgm:choose name="Name14">
+              <dgm:if name="Name15" func="var" arg="dir" op="equ" val="norm">
+                <dgm:constrLst>
+                  <dgm:constr type="h" refType="w" fact="1.06"/>
+                  <dgm:constr type="w" for="ch" forName="dummyNode2" refType="w"/>
+                  <dgm:constr type="h" for="ch" forName="dummyNode2" refType="h"/>
+                  <dgm:constr type="t" for="ch" forName="dummyNode2"/>
+                  <dgm:constr type="l" for="ch" forName="dummyNode2"/>
+                  <dgm:constr type="w" for="ch" forName="childNode2" refType="w" fact="0.9"/>
+                  <dgm:constr type="h" for="ch" forName="childNode2" refType="h" fact="0.7"/>
+                  <dgm:constr type="t" for="ch" forName="childNode2" refType="h" fact="0.15"/>
+                  <dgm:constr type="l" for="ch" forName="childNode2"/>
+                  <dgm:constr type="w" for="ch" forName="childNode2tx" refType="w" fact="0.9"/>
+                  <dgm:constr type="h" for="ch" forName="childNode2tx" refType="h" fact="0.55"/>
+                  <dgm:constr type="t" for="ch" forName="childNode2tx" refType="h" fact="0.3"/>
+                  <dgm:constr type="l" for="ch" forName="childNode2tx"/>
+                  <dgm:constr type="w" for="ch" forName="parentNode2" refType="w" fact="0.8"/>
+                  <dgm:constr type="h" for="ch" forName="parentNode2" refType="h" fact="0.3"/>
+                  <dgm:constr type="t" for="ch" forName="parentNode2"/>
+                  <dgm:constr type="l" for="ch" forName="parentNode2" refType="w" fact="0.2"/>
+                  <dgm:constr type="w" for="ch" forName="connSite2" refType="w" fact="0.01"/>
+                  <dgm:constr type="h" for="ch" forName="connSite2" refType="h" fact="0.01"/>
+                  <dgm:constr type="t" for="ch" forName="connSite2" refType="h" fact="0.99"/>
+                  <dgm:constr type="l" for="ch" forName="connSite2" refType="w" fact="0.25"/>
+                </dgm:constrLst>
+              </dgm:if>
+              <dgm:else name="Name16">
+                <dgm:constrLst>
+                  <dgm:constr type="h" refType="w" fact="1.06"/>
+                  <dgm:constr type="w" for="ch" forName="dummyNode2" refType="w"/>
+                  <dgm:constr type="h" for="ch" forName="dummyNode2" refType="h"/>
+                  <dgm:constr type="t" for="ch" forName="dummyNode2"/>
+                  <dgm:constr type="l" for="ch" forName="dummyNode2"/>
+                  <dgm:constr type="w" for="ch" forName="childNode2" refType="w" fact="0.9"/>
+                  <dgm:constr type="h" for="ch" forName="childNode2" refType="h" fact="0.7"/>
+                  <dgm:constr type="t" for="ch" forName="childNode2" refType="h" fact="0.15"/>
+                  <dgm:constr type="l" for="ch" forName="childNode2" refType="w" fact="0.1"/>
+                  <dgm:constr type="w" for="ch" forName="childNode2tx" refType="w" fact="0.9"/>
+                  <dgm:constr type="h" for="ch" forName="childNode2tx" refType="h" fact="0.55"/>
+                  <dgm:constr type="t" for="ch" forName="childNode2tx" refType="h" fact="0.3"/>
+                  <dgm:constr type="l" for="ch" forName="childNode2tx" refType="w" fact="0.1"/>
+                  <dgm:constr type="w" for="ch" forName="parentNode2" refType="w" fact="0.8"/>
+                  <dgm:constr type="h" for="ch" forName="parentNode2" refType="h" fact="0.3"/>
+                  <dgm:constr type="t" for="ch" forName="parentNode2"/>
+                  <dgm:constr type="l" for="ch" forName="parentNode2"/>
+                  <dgm:constr type="w" for="ch" forName="connSite2" refType="w" fact="0.01"/>
+                  <dgm:constr type="h" for="ch" forName="connSite2" refType="h" fact="0.01"/>
+                  <dgm:constr type="t" for="ch" forName="connSite2" refType="h" fact="0.99"/>
+                  <dgm:constr type="l" for="ch" forName="connSite2" refType="w" fact="0.85"/>
+                </dgm:constrLst>
+              </dgm:else>
+            </dgm:choose>
+            <dgm:ruleLst/>
+            <dgm:layoutNode name="dummyNode2">
+              <dgm:alg type="sp"/>
+              <dgm:shape xmlns:r="http://schemas.openxmlformats.org/officeDocument/2006/relationships" type="rect" r:blip="" hideGeom="1">
+                <dgm:adjLst/>
+              </dgm:shape>
+              <dgm:presOf/>
+              <dgm:constrLst/>
+              <dgm:ruleLst/>
+            </dgm:layoutNode>
+            <dgm:layoutNode name="childNode2" styleLbl="bgAcc1">
+              <dgm:varLst>
+                <dgm:bulletEnabled val="1"/>
+              </dgm:varLst>
+              <dgm:alg type="sp"/>
+              <dgm:shape xmlns:r="http://schemas.openxmlformats.org/officeDocument/2006/relationships" type="roundRect" r:blip="">
+                <dgm:adjLst>
+                  <dgm:adj idx="1" val="0.1"/>
+                </dgm:adjLst>
+              </dgm:shape>
+              <dgm:presOf axis="des" ptType="node"/>
+              <dgm:constrLst/>
+              <dgm:ruleLst/>
+            </dgm:layoutNode>
+            <dgm:layoutNode name="childNode2tx" styleLbl="bgAcc1">
+              <dgm:varLst>
+                <dgm:bulletEnabled val="1"/>
+              </dgm:varLst>
+              <dgm:alg type="tx">
+                <dgm:param type="stBulletLvl" val="1"/>
+              </dgm:alg>
+              <dgm:shape xmlns:r="http://schemas.openxmlformats.org/officeDocument/2006/relationships" type="roundRect" r:blip="" hideGeom="1">
+                <dgm:adjLst>
+                  <dgm:adj idx="1" val="0.1"/>
+                </dgm:adjLst>
+              </dgm:shape>
+              <dgm:presOf axis="des" ptType="node"/>
+              <dgm:constrLst>
+                <dgm:constr type="secFontSz" val="65"/>
+                <dgm:constr type="primFontSz" refType="secFontSz"/>
+                <dgm:constr type="tMarg" refType="secFontSz" fact="0.15"/>
+                <dgm:constr type="bMarg" refType="secFontSz" fact="0.15"/>
+                <dgm:constr type="lMarg" refType="secFontSz" fact="0.15"/>
+                <dgm:constr type="rMarg" refType="secFontSz" fact="0.15"/>
+              </dgm:constrLst>
+              <dgm:ruleLst>
+                <dgm:rule type="secFontSz" val="5" fact="NaN" max="NaN"/>
+              </dgm:ruleLst>
+            </dgm:layoutNode>
+            <dgm:layoutNode name="parentNode2" styleLbl="node1">
+              <dgm:varLst>
+                <dgm:chMax val="0"/>
+                <dgm:bulletEnabled val="1"/>
+              </dgm:varLst>
+              <dgm:alg type="tx"/>
+              <dgm:shape xmlns:r="http://schemas.openxmlformats.org/officeDocument/2006/relationships" type="roundRect" r:blip="">
+                <dgm:adjLst>
+                  <dgm:adj idx="1" val="0.1"/>
+                </dgm:adjLst>
+              </dgm:shape>
+              <dgm:presOf axis="self"/>
+              <dgm:constrLst>
+                <dgm:constr type="tMarg" refType="primFontSz" fact="0.1"/>
+                <dgm:constr type="bMarg" refType="primFontSz" fact="0.1"/>
+                <dgm:constr type="lMarg" refType="primFontSz" fact="0.15"/>
+                <dgm:constr type="rMarg" refType="primFontSz" fact="0.15"/>
+              </dgm:constrLst>
+              <dgm:ruleLst>
+                <dgm:rule type="primFontSz" val="5" fact="NaN" max="NaN"/>
+              </dgm:ruleLst>
+            </dgm:layoutNode>
+            <dgm:layoutNode name="connSite2" moveWith="childNode2">
+              <dgm:alg type="sp"/>
+              <dgm:shape xmlns:r="http://schemas.openxmlformats.org/officeDocument/2006/relationships" r:blip="">
+                <dgm:adjLst/>
+              </dgm:shape>
+              <dgm:presOf/>
+              <dgm:constrLst/>
+              <dgm:ruleLst/>
+            </dgm:layoutNode>
+          </dgm:layoutNode>
+          <dgm:forEach name="Name17" axis="followSib" ptType="sibTrans" cnt="1">
+            <dgm:layoutNode name="Name18">
+              <dgm:alg type="conn">
+                <dgm:param type="connRout" val="curve"/>
+                <dgm:param type="srcNode" val="parentNode2"/>
+                <dgm:param type="dstNode" val="connSite1"/>
+                <dgm:param type="begPts" val="tCtr"/>
+                <dgm:param type="endPts" val="tCtr"/>
+              </dgm:alg>
+              <dgm:shape xmlns:r="http://schemas.openxmlformats.org/officeDocument/2006/relationships" type="conn" r:blip="" zOrderOff="-2">
+                <dgm:adjLst/>
+              </dgm:shape>
+              <dgm:presOf axis="self"/>
+              <dgm:choose name="Name19">
+                <dgm:if name="Name20" func="var" arg="dir" op="equ" val="norm">
+                  <dgm:constrLst>
+                    <dgm:constr type="h" refType="w" fact="0.35"/>
+                    <dgm:constr type="wArH" refType="h"/>
+                    <dgm:constr type="hArH" refType="h"/>
+                    <dgm:constr type="connDist"/>
+                    <dgm:constr type="diam" refType="connDist" fact="1.15"/>
+                    <dgm:constr type="begPad"/>
+                    <dgm:constr type="endPad"/>
+                  </dgm:constrLst>
+                </dgm:if>
+                <dgm:else name="Name21">
+                  <dgm:constrLst>
+                    <dgm:constr type="h" refType="w" fact="0.35"/>
+                    <dgm:constr type="wArH" refType="h"/>
+                    <dgm:constr type="hArH" refType="h"/>
+                    <dgm:constr type="connDist"/>
+                    <dgm:constr type="diam" refType="connDist" fact="-1.15"/>
+                    <dgm:constr type="begPad"/>
+                    <dgm:constr type="endPad"/>
+                  </dgm:constrLst>
+                </dgm:else>
+              </dgm:choose>
+              <dgm:ruleLst/>
+            </dgm:layoutNode>
+          </dgm:forEach>
+        </dgm:forEach>
+      </dgm:forEach>
+    </dgm:layoutNode>
+  </dgm:layoutNode>
+</dgm:layoutDef>
+</file>
+
 <file path=ppt/diagrams/quickStyle1.xml><?xml version="1.0" encoding="utf-8"?>
 <dgm:styleDef xmlns:dgm="http://schemas.openxmlformats.org/drawingml/2006/diagram" xmlns:a="http://schemas.openxmlformats.org/drawingml/2006/main" uniqueId="urn:microsoft.com/office/officeart/2005/8/quickstyle/simple1">
   <dgm:title val=""/>
@@ -25203,6 +28104,1040 @@
 </file>
 
 <file path=ppt/diagrams/quickStyle7.xml><?xml version="1.0" encoding="utf-8"?>
+<dgm:styleDef xmlns:dgm="http://schemas.openxmlformats.org/drawingml/2006/diagram" xmlns:a="http://schemas.openxmlformats.org/drawingml/2006/main" uniqueId="urn:microsoft.com/office/officeart/2005/8/quickstyle/simple1">
+  <dgm:title val=""/>
+  <dgm:desc val=""/>
+  <dgm:catLst>
+    <dgm:cat type="simple" pri="10100"/>
+  </dgm:catLst>
+  <dgm:scene3d>
+    <a:camera prst="orthographicFront"/>
+    <a:lightRig rig="threePt" dir="t"/>
+  </dgm:scene3d>
+  <dgm:styleLbl name="node0">
+    <dgm:scene3d>
+      <a:camera prst="orthographicFront"/>
+      <a:lightRig rig="threePt" dir="t"/>
+    </dgm:scene3d>
+    <dgm:sp3d/>
+    <dgm:txPr/>
+    <dgm:style>
+      <a:lnRef idx="2">
+        <a:scrgbClr r="0" g="0" b="0"/>
+      </a:lnRef>
+      <a:fillRef idx="1">
+        <a:scrgbClr r="0" g="0" b="0"/>
+      </a:fillRef>
+      <a:effectRef idx="0">
+        <a:scrgbClr r="0" g="0" b="0"/>
+      </a:effectRef>
+      <a:fontRef idx="minor">
+        <a:schemeClr val="lt1"/>
+      </a:fontRef>
+    </dgm:style>
+  </dgm:styleLbl>
+  <dgm:styleLbl name="lnNode1">
+    <dgm:scene3d>
+      <a:camera prst="orthographicFront"/>
+      <a:lightRig rig="threePt" dir="t"/>
+    </dgm:scene3d>
+    <dgm:sp3d/>
+    <dgm:txPr/>
+    <dgm:style>
+      <a:lnRef idx="2">
+        <a:scrgbClr r="0" g="0" b="0"/>
+      </a:lnRef>
+      <a:fillRef idx="1">
+        <a:scrgbClr r="0" g="0" b="0"/>
+      </a:fillRef>
+      <a:effectRef idx="0">
+        <a:scrgbClr r="0" g="0" b="0"/>
+      </a:effectRef>
+      <a:fontRef idx="minor">
+        <a:schemeClr val="lt1"/>
+      </a:fontRef>
+    </dgm:style>
+  </dgm:styleLbl>
+  <dgm:styleLbl name="vennNode1">
+    <dgm:scene3d>
+      <a:camera prst="orthographicFront"/>
+      <a:lightRig rig="threePt" dir="t"/>
+    </dgm:scene3d>
+    <dgm:sp3d/>
+    <dgm:txPr/>
+    <dgm:style>
+      <a:lnRef idx="2">
+        <a:scrgbClr r="0" g="0" b="0"/>
+      </a:lnRef>
+      <a:fillRef idx="1">
+        <a:scrgbClr r="0" g="0" b="0"/>
+      </a:fillRef>
+      <a:effectRef idx="0">
+        <a:scrgbClr r="0" g="0" b="0"/>
+      </a:effectRef>
+      <a:fontRef idx="minor">
+        <a:schemeClr val="tx1"/>
+      </a:fontRef>
+    </dgm:style>
+  </dgm:styleLbl>
+  <dgm:styleLbl name="alignNode1">
+    <dgm:scene3d>
+      <a:camera prst="orthographicFront"/>
+      <a:lightRig rig="threePt" dir="t"/>
+    </dgm:scene3d>
+    <dgm:sp3d/>
+    <dgm:txPr/>
+    <dgm:style>
+      <a:lnRef idx="2">
+        <a:scrgbClr r="0" g="0" b="0"/>
+      </a:lnRef>
+      <a:fillRef idx="1">
+        <a:scrgbClr r="0" g="0" b="0"/>
+      </a:fillRef>
+      <a:effectRef idx="0">
+        <a:scrgbClr r="0" g="0" b="0"/>
+      </a:effectRef>
+      <a:fontRef idx="minor">
+        <a:schemeClr val="lt1"/>
+      </a:fontRef>
+    </dgm:style>
+  </dgm:styleLbl>
+  <dgm:styleLbl name="node1">
+    <dgm:scene3d>
+      <a:camera prst="orthographicFront"/>
+      <a:lightRig rig="threePt" dir="t"/>
+    </dgm:scene3d>
+    <dgm:sp3d/>
+    <dgm:txPr/>
+    <dgm:style>
+      <a:lnRef idx="2">
+        <a:scrgbClr r="0" g="0" b="0"/>
+      </a:lnRef>
+      <a:fillRef idx="1">
+        <a:scrgbClr r="0" g="0" b="0"/>
+      </a:fillRef>
+      <a:effectRef idx="0">
+        <a:scrgbClr r="0" g="0" b="0"/>
+      </a:effectRef>
+      <a:fontRef idx="minor">
+        <a:schemeClr val="lt1"/>
+      </a:fontRef>
+    </dgm:style>
+  </dgm:styleLbl>
+  <dgm:styleLbl name="node2">
+    <dgm:scene3d>
+      <a:camera prst="orthographicFront"/>
+      <a:lightRig rig="threePt" dir="t"/>
+    </dgm:scene3d>
+    <dgm:sp3d/>
+    <dgm:txPr/>
+    <dgm:style>
+      <a:lnRef idx="2">
+        <a:scrgbClr r="0" g="0" b="0"/>
+      </a:lnRef>
+      <a:fillRef idx="1">
+        <a:scrgbClr r="0" g="0" b="0"/>
+      </a:fillRef>
+      <a:effectRef idx="0">
+        <a:scrgbClr r="0" g="0" b="0"/>
+      </a:effectRef>
+      <a:fontRef idx="minor">
+        <a:schemeClr val="lt1"/>
+      </a:fontRef>
+    </dgm:style>
+  </dgm:styleLbl>
+  <dgm:styleLbl name="node3">
+    <dgm:scene3d>
+      <a:camera prst="orthographicFront"/>
+      <a:lightRig rig="threePt" dir="t"/>
+    </dgm:scene3d>
+    <dgm:sp3d/>
+    <dgm:txPr/>
+    <dgm:style>
+      <a:lnRef idx="2">
+        <a:scrgbClr r="0" g="0" b="0"/>
+      </a:lnRef>
+      <a:fillRef idx="1">
+        <a:scrgbClr r="0" g="0" b="0"/>
+      </a:fillRef>
+      <a:effectRef idx="0">
+        <a:scrgbClr r="0" g="0" b="0"/>
+      </a:effectRef>
+      <a:fontRef idx="minor">
+        <a:schemeClr val="lt1"/>
+      </a:fontRef>
+    </dgm:style>
+  </dgm:styleLbl>
+  <dgm:styleLbl name="node4">
+    <dgm:scene3d>
+      <a:camera prst="orthographicFront"/>
+      <a:lightRig rig="threePt" dir="t"/>
+    </dgm:scene3d>
+    <dgm:sp3d/>
+    <dgm:txPr/>
+    <dgm:style>
+      <a:lnRef idx="2">
+        <a:scrgbClr r="0" g="0" b="0"/>
+      </a:lnRef>
+      <a:fillRef idx="1">
+        <a:scrgbClr r="0" g="0" b="0"/>
+      </a:fillRef>
+      <a:effectRef idx="0">
+        <a:scrgbClr r="0" g="0" b="0"/>
+      </a:effectRef>
+      <a:fontRef idx="minor">
+        <a:schemeClr val="lt1"/>
+      </a:fontRef>
+    </dgm:style>
+  </dgm:styleLbl>
+  <dgm:styleLbl name="fgImgPlace1">
+    <dgm:scene3d>
+      <a:camera prst="orthographicFront"/>
+      <a:lightRig rig="threePt" dir="t"/>
+    </dgm:scene3d>
+    <dgm:sp3d/>
+    <dgm:txPr/>
+    <dgm:style>
+      <a:lnRef idx="2">
+        <a:scrgbClr r="0" g="0" b="0"/>
+      </a:lnRef>
+      <a:fillRef idx="1">
+        <a:scrgbClr r="0" g="0" b="0"/>
+      </a:fillRef>
+      <a:effectRef idx="0">
+        <a:scrgbClr r="0" g="0" b="0"/>
+      </a:effectRef>
+      <a:fontRef idx="minor"/>
+    </dgm:style>
+  </dgm:styleLbl>
+  <dgm:styleLbl name="alignImgPlace1">
+    <dgm:scene3d>
+      <a:camera prst="orthographicFront"/>
+      <a:lightRig rig="threePt" dir="t"/>
+    </dgm:scene3d>
+    <dgm:sp3d/>
+    <dgm:txPr/>
+    <dgm:style>
+      <a:lnRef idx="2">
+        <a:scrgbClr r="0" g="0" b="0"/>
+      </a:lnRef>
+      <a:fillRef idx="1">
+        <a:scrgbClr r="0" g="0" b="0"/>
+      </a:fillRef>
+      <a:effectRef idx="0">
+        <a:scrgbClr r="0" g="0" b="0"/>
+      </a:effectRef>
+      <a:fontRef idx="minor"/>
+    </dgm:style>
+  </dgm:styleLbl>
+  <dgm:styleLbl name="bgImgPlace1">
+    <dgm:scene3d>
+      <a:camera prst="orthographicFront"/>
+      <a:lightRig rig="threePt" dir="t"/>
+    </dgm:scene3d>
+    <dgm:sp3d/>
+    <dgm:txPr/>
+    <dgm:style>
+      <a:lnRef idx="2">
+        <a:scrgbClr r="0" g="0" b="0"/>
+      </a:lnRef>
+      <a:fillRef idx="1">
+        <a:scrgbClr r="0" g="0" b="0"/>
+      </a:fillRef>
+      <a:effectRef idx="0">
+        <a:scrgbClr r="0" g="0" b="0"/>
+      </a:effectRef>
+      <a:fontRef idx="minor"/>
+    </dgm:style>
+  </dgm:styleLbl>
+  <dgm:styleLbl name="sibTrans2D1">
+    <dgm:scene3d>
+      <a:camera prst="orthographicFront"/>
+      <a:lightRig rig="threePt" dir="t"/>
+    </dgm:scene3d>
+    <dgm:sp3d/>
+    <dgm:txPr/>
+    <dgm:style>
+      <a:lnRef idx="0">
+        <a:scrgbClr r="0" g="0" b="0"/>
+      </a:lnRef>
+      <a:fillRef idx="1">
+        <a:scrgbClr r="0" g="0" b="0"/>
+      </a:fillRef>
+      <a:effectRef idx="0">
+        <a:scrgbClr r="0" g="0" b="0"/>
+      </a:effectRef>
+      <a:fontRef idx="minor">
+        <a:schemeClr val="lt1"/>
+      </a:fontRef>
+    </dgm:style>
+  </dgm:styleLbl>
+  <dgm:styleLbl name="fgSibTrans2D1">
+    <dgm:scene3d>
+      <a:camera prst="orthographicFront"/>
+      <a:lightRig rig="threePt" dir="t"/>
+    </dgm:scene3d>
+    <dgm:sp3d/>
+    <dgm:txPr/>
+    <dgm:style>
+      <a:lnRef idx="0">
+        <a:scrgbClr r="0" g="0" b="0"/>
+      </a:lnRef>
+      <a:fillRef idx="1">
+        <a:scrgbClr r="0" g="0" b="0"/>
+      </a:fillRef>
+      <a:effectRef idx="0">
+        <a:scrgbClr r="0" g="0" b="0"/>
+      </a:effectRef>
+      <a:fontRef idx="minor">
+        <a:schemeClr val="lt1"/>
+      </a:fontRef>
+    </dgm:style>
+  </dgm:styleLbl>
+  <dgm:styleLbl name="bgSibTrans2D1">
+    <dgm:scene3d>
+      <a:camera prst="orthographicFront"/>
+      <a:lightRig rig="threePt" dir="t"/>
+    </dgm:scene3d>
+    <dgm:sp3d/>
+    <dgm:txPr/>
+    <dgm:style>
+      <a:lnRef idx="0">
+        <a:scrgbClr r="0" g="0" b="0"/>
+      </a:lnRef>
+      <a:fillRef idx="1">
+        <a:scrgbClr r="0" g="0" b="0"/>
+      </a:fillRef>
+      <a:effectRef idx="0">
+        <a:scrgbClr r="0" g="0" b="0"/>
+      </a:effectRef>
+      <a:fontRef idx="minor">
+        <a:schemeClr val="lt1"/>
+      </a:fontRef>
+    </dgm:style>
+  </dgm:styleLbl>
+  <dgm:styleLbl name="sibTrans1D1">
+    <dgm:scene3d>
+      <a:camera prst="orthographicFront"/>
+      <a:lightRig rig="threePt" dir="t"/>
+    </dgm:scene3d>
+    <dgm:sp3d/>
+    <dgm:txPr/>
+    <dgm:style>
+      <a:lnRef idx="1">
+        <a:scrgbClr r="0" g="0" b="0"/>
+      </a:lnRef>
+      <a:fillRef idx="0">
+        <a:scrgbClr r="0" g="0" b="0"/>
+      </a:fillRef>
+      <a:effectRef idx="0">
+        <a:scrgbClr r="0" g="0" b="0"/>
+      </a:effectRef>
+      <a:fontRef idx="minor"/>
+    </dgm:style>
+  </dgm:styleLbl>
+  <dgm:styleLbl name="callout">
+    <dgm:scene3d>
+      <a:camera prst="orthographicFront"/>
+      <a:lightRig rig="threePt" dir="t"/>
+    </dgm:scene3d>
+    <dgm:sp3d/>
+    <dgm:txPr/>
+    <dgm:style>
+      <a:lnRef idx="2">
+        <a:scrgbClr r="0" g="0" b="0"/>
+      </a:lnRef>
+      <a:fillRef idx="1">
+        <a:scrgbClr r="0" g="0" b="0"/>
+      </a:fillRef>
+      <a:effectRef idx="0">
+        <a:scrgbClr r="0" g="0" b="0"/>
+      </a:effectRef>
+      <a:fontRef idx="minor"/>
+    </dgm:style>
+  </dgm:styleLbl>
+  <dgm:styleLbl name="asst0">
+    <dgm:scene3d>
+      <a:camera prst="orthographicFront"/>
+      <a:lightRig rig="threePt" dir="t"/>
+    </dgm:scene3d>
+    <dgm:sp3d/>
+    <dgm:txPr/>
+    <dgm:style>
+      <a:lnRef idx="2">
+        <a:scrgbClr r="0" g="0" b="0"/>
+      </a:lnRef>
+      <a:fillRef idx="1">
+        <a:scrgbClr r="0" g="0" b="0"/>
+      </a:fillRef>
+      <a:effectRef idx="0">
+        <a:scrgbClr r="0" g="0" b="0"/>
+      </a:effectRef>
+      <a:fontRef idx="minor">
+        <a:schemeClr val="lt1"/>
+      </a:fontRef>
+    </dgm:style>
+  </dgm:styleLbl>
+  <dgm:styleLbl name="asst1">
+    <dgm:scene3d>
+      <a:camera prst="orthographicFront"/>
+      <a:lightRig rig="threePt" dir="t"/>
+    </dgm:scene3d>
+    <dgm:sp3d/>
+    <dgm:txPr/>
+    <dgm:style>
+      <a:lnRef idx="2">
+        <a:scrgbClr r="0" g="0" b="0"/>
+      </a:lnRef>
+      <a:fillRef idx="1">
+        <a:scrgbClr r="0" g="0" b="0"/>
+      </a:fillRef>
+      <a:effectRef idx="0">
+        <a:scrgbClr r="0" g="0" b="0"/>
+      </a:effectRef>
+      <a:fontRef idx="minor">
+        <a:schemeClr val="lt1"/>
+      </a:fontRef>
+    </dgm:style>
+  </dgm:styleLbl>
+  <dgm:styleLbl name="asst2">
+    <dgm:scene3d>
+      <a:camera prst="orthographicFront"/>
+      <a:lightRig rig="threePt" dir="t"/>
+    </dgm:scene3d>
+    <dgm:sp3d/>
+    <dgm:txPr/>
+    <dgm:style>
+      <a:lnRef idx="2">
+        <a:scrgbClr r="0" g="0" b="0"/>
+      </a:lnRef>
+      <a:fillRef idx="1">
+        <a:scrgbClr r="0" g="0" b="0"/>
+      </a:fillRef>
+      <a:effectRef idx="0">
+        <a:scrgbClr r="0" g="0" b="0"/>
+      </a:effectRef>
+      <a:fontRef idx="minor">
+        <a:schemeClr val="lt1"/>
+      </a:fontRef>
+    </dgm:style>
+  </dgm:styleLbl>
+  <dgm:styleLbl name="asst3">
+    <dgm:scene3d>
+      <a:camera prst="orthographicFront"/>
+      <a:lightRig rig="threePt" dir="t"/>
+    </dgm:scene3d>
+    <dgm:sp3d/>
+    <dgm:txPr/>
+    <dgm:style>
+      <a:lnRef idx="2">
+        <a:scrgbClr r="0" g="0" b="0"/>
+      </a:lnRef>
+      <a:fillRef idx="1">
+        <a:scrgbClr r="0" g="0" b="0"/>
+      </a:fillRef>
+      <a:effectRef idx="0">
+        <a:scrgbClr r="0" g="0" b="0"/>
+      </a:effectRef>
+      <a:fontRef idx="minor">
+        <a:schemeClr val="lt1"/>
+      </a:fontRef>
+    </dgm:style>
+  </dgm:styleLbl>
+  <dgm:styleLbl name="asst4">
+    <dgm:scene3d>
+      <a:camera prst="orthographicFront"/>
+      <a:lightRig rig="threePt" dir="t"/>
+    </dgm:scene3d>
+    <dgm:sp3d/>
+    <dgm:txPr/>
+    <dgm:style>
+      <a:lnRef idx="2">
+        <a:scrgbClr r="0" g="0" b="0"/>
+      </a:lnRef>
+      <a:fillRef idx="1">
+        <a:scrgbClr r="0" g="0" b="0"/>
+      </a:fillRef>
+      <a:effectRef idx="0">
+        <a:scrgbClr r="0" g="0" b="0"/>
+      </a:effectRef>
+      <a:fontRef idx="minor">
+        <a:schemeClr val="lt1"/>
+      </a:fontRef>
+    </dgm:style>
+  </dgm:styleLbl>
+  <dgm:styleLbl name="parChTrans2D1">
+    <dgm:scene3d>
+      <a:camera prst="orthographicFront"/>
+      <a:lightRig rig="threePt" dir="t"/>
+    </dgm:scene3d>
+    <dgm:sp3d/>
+    <dgm:txPr/>
+    <dgm:style>
+      <a:lnRef idx="2">
+        <a:scrgbClr r="0" g="0" b="0"/>
+      </a:lnRef>
+      <a:fillRef idx="1">
+        <a:scrgbClr r="0" g="0" b="0"/>
+      </a:fillRef>
+      <a:effectRef idx="0">
+        <a:scrgbClr r="0" g="0" b="0"/>
+      </a:effectRef>
+      <a:fontRef idx="minor">
+        <a:schemeClr val="lt1"/>
+      </a:fontRef>
+    </dgm:style>
+  </dgm:styleLbl>
+  <dgm:styleLbl name="parChTrans2D2">
+    <dgm:scene3d>
+      <a:camera prst="orthographicFront"/>
+      <a:lightRig rig="threePt" dir="t"/>
+    </dgm:scene3d>
+    <dgm:sp3d/>
+    <dgm:txPr/>
+    <dgm:style>
+      <a:lnRef idx="2">
+        <a:scrgbClr r="0" g="0" b="0"/>
+      </a:lnRef>
+      <a:fillRef idx="1">
+        <a:scrgbClr r="0" g="0" b="0"/>
+      </a:fillRef>
+      <a:effectRef idx="0">
+        <a:scrgbClr r="0" g="0" b="0"/>
+      </a:effectRef>
+      <a:fontRef idx="minor">
+        <a:schemeClr val="lt1"/>
+      </a:fontRef>
+    </dgm:style>
+  </dgm:styleLbl>
+  <dgm:styleLbl name="parChTrans2D3">
+    <dgm:scene3d>
+      <a:camera prst="orthographicFront"/>
+      <a:lightRig rig="threePt" dir="t"/>
+    </dgm:scene3d>
+    <dgm:sp3d/>
+    <dgm:txPr/>
+    <dgm:style>
+      <a:lnRef idx="2">
+        <a:scrgbClr r="0" g="0" b="0"/>
+      </a:lnRef>
+      <a:fillRef idx="1">
+        <a:scrgbClr r="0" g="0" b="0"/>
+      </a:fillRef>
+      <a:effectRef idx="0">
+        <a:scrgbClr r="0" g="0" b="0"/>
+      </a:effectRef>
+      <a:fontRef idx="minor">
+        <a:schemeClr val="lt1"/>
+      </a:fontRef>
+    </dgm:style>
+  </dgm:styleLbl>
+  <dgm:styleLbl name="parChTrans2D4">
+    <dgm:scene3d>
+      <a:camera prst="orthographicFront"/>
+      <a:lightRig rig="threePt" dir="t"/>
+    </dgm:scene3d>
+    <dgm:sp3d/>
+    <dgm:txPr/>
+    <dgm:style>
+      <a:lnRef idx="2">
+        <a:scrgbClr r="0" g="0" b="0"/>
+      </a:lnRef>
+      <a:fillRef idx="1">
+        <a:scrgbClr r="0" g="0" b="0"/>
+      </a:fillRef>
+      <a:effectRef idx="0">
+        <a:scrgbClr r="0" g="0" b="0"/>
+      </a:effectRef>
+      <a:fontRef idx="minor">
+        <a:schemeClr val="lt1"/>
+      </a:fontRef>
+    </dgm:style>
+  </dgm:styleLbl>
+  <dgm:styleLbl name="parChTrans1D1">
+    <dgm:scene3d>
+      <a:camera prst="orthographicFront"/>
+      <a:lightRig rig="threePt" dir="t"/>
+    </dgm:scene3d>
+    <dgm:sp3d/>
+    <dgm:txPr/>
+    <dgm:style>
+      <a:lnRef idx="2">
+        <a:scrgbClr r="0" g="0" b="0"/>
+      </a:lnRef>
+      <a:fillRef idx="0">
+        <a:scrgbClr r="0" g="0" b="0"/>
+      </a:fillRef>
+      <a:effectRef idx="0">
+        <a:scrgbClr r="0" g="0" b="0"/>
+      </a:effectRef>
+      <a:fontRef idx="minor"/>
+    </dgm:style>
+  </dgm:styleLbl>
+  <dgm:styleLbl name="parChTrans1D2">
+    <dgm:scene3d>
+      <a:camera prst="orthographicFront"/>
+      <a:lightRig rig="threePt" dir="t"/>
+    </dgm:scene3d>
+    <dgm:sp3d/>
+    <dgm:txPr/>
+    <dgm:style>
+      <a:lnRef idx="2">
+        <a:scrgbClr r="0" g="0" b="0"/>
+      </a:lnRef>
+      <a:fillRef idx="0">
+        <a:scrgbClr r="0" g="0" b="0"/>
+      </a:fillRef>
+      <a:effectRef idx="0">
+        <a:scrgbClr r="0" g="0" b="0"/>
+      </a:effectRef>
+      <a:fontRef idx="minor"/>
+    </dgm:style>
+  </dgm:styleLbl>
+  <dgm:styleLbl name="parChTrans1D3">
+    <dgm:scene3d>
+      <a:camera prst="orthographicFront"/>
+      <a:lightRig rig="threePt" dir="t"/>
+    </dgm:scene3d>
+    <dgm:sp3d/>
+    <dgm:txPr/>
+    <dgm:style>
+      <a:lnRef idx="2">
+        <a:scrgbClr r="0" g="0" b="0"/>
+      </a:lnRef>
+      <a:fillRef idx="0">
+        <a:scrgbClr r="0" g="0" b="0"/>
+      </a:fillRef>
+      <a:effectRef idx="0">
+        <a:scrgbClr r="0" g="0" b="0"/>
+      </a:effectRef>
+      <a:fontRef idx="minor"/>
+    </dgm:style>
+  </dgm:styleLbl>
+  <dgm:styleLbl name="parChTrans1D4">
+    <dgm:scene3d>
+      <a:camera prst="orthographicFront"/>
+      <a:lightRig rig="threePt" dir="t"/>
+    </dgm:scene3d>
+    <dgm:sp3d/>
+    <dgm:txPr/>
+    <dgm:style>
+      <a:lnRef idx="2">
+        <a:scrgbClr r="0" g="0" b="0"/>
+      </a:lnRef>
+      <a:fillRef idx="0">
+        <a:scrgbClr r="0" g="0" b="0"/>
+      </a:fillRef>
+      <a:effectRef idx="0">
+        <a:scrgbClr r="0" g="0" b="0"/>
+      </a:effectRef>
+      <a:fontRef idx="minor"/>
+    </dgm:style>
+  </dgm:styleLbl>
+  <dgm:styleLbl name="fgAcc1">
+    <dgm:scene3d>
+      <a:camera prst="orthographicFront"/>
+      <a:lightRig rig="threePt" dir="t"/>
+    </dgm:scene3d>
+    <dgm:sp3d/>
+    <dgm:txPr/>
+    <dgm:style>
+      <a:lnRef idx="2">
+        <a:scrgbClr r="0" g="0" b="0"/>
+      </a:lnRef>
+      <a:fillRef idx="1">
+        <a:scrgbClr r="0" g="0" b="0"/>
+      </a:fillRef>
+      <a:effectRef idx="0">
+        <a:scrgbClr r="0" g="0" b="0"/>
+      </a:effectRef>
+      <a:fontRef idx="minor"/>
+    </dgm:style>
+  </dgm:styleLbl>
+  <dgm:styleLbl name="conFgAcc1">
+    <dgm:scene3d>
+      <a:camera prst="orthographicFront"/>
+      <a:lightRig rig="threePt" dir="t"/>
+    </dgm:scene3d>
+    <dgm:sp3d/>
+    <dgm:txPr/>
+    <dgm:style>
+      <a:lnRef idx="2">
+        <a:scrgbClr r="0" g="0" b="0"/>
+      </a:lnRef>
+      <a:fillRef idx="1">
+        <a:scrgbClr r="0" g="0" b="0"/>
+      </a:fillRef>
+      <a:effectRef idx="0">
+        <a:scrgbClr r="0" g="0" b="0"/>
+      </a:effectRef>
+      <a:fontRef idx="minor"/>
+    </dgm:style>
+  </dgm:styleLbl>
+  <dgm:styleLbl name="alignAcc1">
+    <dgm:scene3d>
+      <a:camera prst="orthographicFront"/>
+      <a:lightRig rig="threePt" dir="t"/>
+    </dgm:scene3d>
+    <dgm:sp3d/>
+    <dgm:txPr/>
+    <dgm:style>
+      <a:lnRef idx="2">
+        <a:scrgbClr r="0" g="0" b="0"/>
+      </a:lnRef>
+      <a:fillRef idx="1">
+        <a:scrgbClr r="0" g="0" b="0"/>
+      </a:fillRef>
+      <a:effectRef idx="0">
+        <a:scrgbClr r="0" g="0" b="0"/>
+      </a:effectRef>
+      <a:fontRef idx="minor"/>
+    </dgm:style>
+  </dgm:styleLbl>
+  <dgm:styleLbl name="trAlignAcc1">
+    <dgm:scene3d>
+      <a:camera prst="orthographicFront"/>
+      <a:lightRig rig="threePt" dir="t"/>
+    </dgm:scene3d>
+    <dgm:sp3d/>
+    <dgm:txPr/>
+    <dgm:style>
+      <a:lnRef idx="1">
+        <a:scrgbClr r="0" g="0" b="0"/>
+      </a:lnRef>
+      <a:fillRef idx="1">
+        <a:scrgbClr r="0" g="0" b="0"/>
+      </a:fillRef>
+      <a:effectRef idx="0">
+        <a:scrgbClr r="0" g="0" b="0"/>
+      </a:effectRef>
+      <a:fontRef idx="minor"/>
+    </dgm:style>
+  </dgm:styleLbl>
+  <dgm:styleLbl name="bgAcc1">
+    <dgm:scene3d>
+      <a:camera prst="orthographicFront"/>
+      <a:lightRig rig="threePt" dir="t"/>
+    </dgm:scene3d>
+    <dgm:sp3d/>
+    <dgm:txPr/>
+    <dgm:style>
+      <a:lnRef idx="2">
+        <a:scrgbClr r="0" g="0" b="0"/>
+      </a:lnRef>
+      <a:fillRef idx="1">
+        <a:scrgbClr r="0" g="0" b="0"/>
+      </a:fillRef>
+      <a:effectRef idx="0">
+        <a:scrgbClr r="0" g="0" b="0"/>
+      </a:effectRef>
+      <a:fontRef idx="minor"/>
+    </dgm:style>
+  </dgm:styleLbl>
+  <dgm:styleLbl name="solidFgAcc1">
+    <dgm:scene3d>
+      <a:camera prst="orthographicFront"/>
+      <a:lightRig rig="threePt" dir="t"/>
+    </dgm:scene3d>
+    <dgm:sp3d/>
+    <dgm:txPr/>
+    <dgm:style>
+      <a:lnRef idx="2">
+        <a:scrgbClr r="0" g="0" b="0"/>
+      </a:lnRef>
+      <a:fillRef idx="1">
+        <a:scrgbClr r="0" g="0" b="0"/>
+      </a:fillRef>
+      <a:effectRef idx="0">
+        <a:scrgbClr r="0" g="0" b="0"/>
+      </a:effectRef>
+      <a:fontRef idx="minor"/>
+    </dgm:style>
+  </dgm:styleLbl>
+  <dgm:styleLbl name="solidAlignAcc1">
+    <dgm:scene3d>
+      <a:camera prst="orthographicFront"/>
+      <a:lightRig rig="threePt" dir="t"/>
+    </dgm:scene3d>
+    <dgm:sp3d/>
+    <dgm:txPr/>
+    <dgm:style>
+      <a:lnRef idx="2">
+        <a:scrgbClr r="0" g="0" b="0"/>
+      </a:lnRef>
+      <a:fillRef idx="1">
+        <a:scrgbClr r="0" g="0" b="0"/>
+      </a:fillRef>
+      <a:effectRef idx="0">
+        <a:scrgbClr r="0" g="0" b="0"/>
+      </a:effectRef>
+      <a:fontRef idx="minor"/>
+    </dgm:style>
+  </dgm:styleLbl>
+  <dgm:styleLbl name="solidBgAcc1">
+    <dgm:scene3d>
+      <a:camera prst="orthographicFront"/>
+      <a:lightRig rig="threePt" dir="t"/>
+    </dgm:scene3d>
+    <dgm:sp3d/>
+    <dgm:txPr/>
+    <dgm:style>
+      <a:lnRef idx="2">
+        <a:scrgbClr r="0" g="0" b="0"/>
+      </a:lnRef>
+      <a:fillRef idx="1">
+        <a:scrgbClr r="0" g="0" b="0"/>
+      </a:fillRef>
+      <a:effectRef idx="0">
+        <a:scrgbClr r="0" g="0" b="0"/>
+      </a:effectRef>
+      <a:fontRef idx="minor"/>
+    </dgm:style>
+  </dgm:styleLbl>
+  <dgm:styleLbl name="fgAccFollowNode1">
+    <dgm:scene3d>
+      <a:camera prst="orthographicFront"/>
+      <a:lightRig rig="threePt" dir="t"/>
+    </dgm:scene3d>
+    <dgm:sp3d/>
+    <dgm:txPr/>
+    <dgm:style>
+      <a:lnRef idx="2">
+        <a:scrgbClr r="0" g="0" b="0"/>
+      </a:lnRef>
+      <a:fillRef idx="1">
+        <a:scrgbClr r="0" g="0" b="0"/>
+      </a:fillRef>
+      <a:effectRef idx="0">
+        <a:scrgbClr r="0" g="0" b="0"/>
+      </a:effectRef>
+      <a:fontRef idx="minor"/>
+    </dgm:style>
+  </dgm:styleLbl>
+  <dgm:styleLbl name="alignAccFollowNode1">
+    <dgm:scene3d>
+      <a:camera prst="orthographicFront"/>
+      <a:lightRig rig="threePt" dir="t"/>
+    </dgm:scene3d>
+    <dgm:sp3d/>
+    <dgm:txPr/>
+    <dgm:style>
+      <a:lnRef idx="2">
+        <a:scrgbClr r="0" g="0" b="0"/>
+      </a:lnRef>
+      <a:fillRef idx="1">
+        <a:scrgbClr r="0" g="0" b="0"/>
+      </a:fillRef>
+      <a:effectRef idx="0">
+        <a:scrgbClr r="0" g="0" b="0"/>
+      </a:effectRef>
+      <a:fontRef idx="minor"/>
+    </dgm:style>
+  </dgm:styleLbl>
+  <dgm:styleLbl name="bgAccFollowNode1">
+    <dgm:scene3d>
+      <a:camera prst="orthographicFront"/>
+      <a:lightRig rig="threePt" dir="t"/>
+    </dgm:scene3d>
+    <dgm:sp3d/>
+    <dgm:txPr/>
+    <dgm:style>
+      <a:lnRef idx="2">
+        <a:scrgbClr r="0" g="0" b="0"/>
+      </a:lnRef>
+      <a:fillRef idx="1">
+        <a:scrgbClr r="0" g="0" b="0"/>
+      </a:fillRef>
+      <a:effectRef idx="0">
+        <a:scrgbClr r="0" g="0" b="0"/>
+      </a:effectRef>
+      <a:fontRef idx="minor"/>
+    </dgm:style>
+  </dgm:styleLbl>
+  <dgm:styleLbl name="fgAcc0">
+    <dgm:scene3d>
+      <a:camera prst="orthographicFront"/>
+      <a:lightRig rig="threePt" dir="t"/>
+    </dgm:scene3d>
+    <dgm:sp3d/>
+    <dgm:txPr/>
+    <dgm:style>
+      <a:lnRef idx="2">
+        <a:scrgbClr r="0" g="0" b="0"/>
+      </a:lnRef>
+      <a:fillRef idx="1">
+        <a:scrgbClr r="0" g="0" b="0"/>
+      </a:fillRef>
+      <a:effectRef idx="0">
+        <a:scrgbClr r="0" g="0" b="0"/>
+      </a:effectRef>
+      <a:fontRef idx="minor"/>
+    </dgm:style>
+  </dgm:styleLbl>
+  <dgm:styleLbl name="fgAcc2">
+    <dgm:scene3d>
+      <a:camera prst="orthographicFront"/>
+      <a:lightRig rig="threePt" dir="t"/>
+    </dgm:scene3d>
+    <dgm:sp3d/>
+    <dgm:txPr/>
+    <dgm:style>
+      <a:lnRef idx="2">
+        <a:scrgbClr r="0" g="0" b="0"/>
+      </a:lnRef>
+      <a:fillRef idx="1">
+        <a:scrgbClr r="0" g="0" b="0"/>
+      </a:fillRef>
+      <a:effectRef idx="0">
+        <a:scrgbClr r="0" g="0" b="0"/>
+      </a:effectRef>
+      <a:fontRef idx="minor"/>
+    </dgm:style>
+  </dgm:styleLbl>
+  <dgm:styleLbl name="fgAcc3">
+    <dgm:scene3d>
+      <a:camera prst="orthographicFront"/>
+      <a:lightRig rig="threePt" dir="t"/>
+    </dgm:scene3d>
+    <dgm:sp3d/>
+    <dgm:txPr/>
+    <dgm:style>
+      <a:lnRef idx="2">
+        <a:scrgbClr r="0" g="0" b="0"/>
+      </a:lnRef>
+      <a:fillRef idx="1">
+        <a:scrgbClr r="0" g="0" b="0"/>
+      </a:fillRef>
+      <a:effectRef idx="0">
+        <a:scrgbClr r="0" g="0" b="0"/>
+      </a:effectRef>
+      <a:fontRef idx="minor"/>
+    </dgm:style>
+  </dgm:styleLbl>
+  <dgm:styleLbl name="fgAcc4">
+    <dgm:scene3d>
+      <a:camera prst="orthographicFront"/>
+      <a:lightRig rig="threePt" dir="t"/>
+    </dgm:scene3d>
+    <dgm:sp3d/>
+    <dgm:txPr/>
+    <dgm:style>
+      <a:lnRef idx="2">
+        <a:scrgbClr r="0" g="0" b="0"/>
+      </a:lnRef>
+      <a:fillRef idx="1">
+        <a:scrgbClr r="0" g="0" b="0"/>
+      </a:fillRef>
+      <a:effectRef idx="0">
+        <a:scrgbClr r="0" g="0" b="0"/>
+      </a:effectRef>
+      <a:fontRef idx="minor"/>
+    </dgm:style>
+  </dgm:styleLbl>
+  <dgm:styleLbl name="bgShp">
+    <dgm:scene3d>
+      <a:camera prst="orthographicFront"/>
+      <a:lightRig rig="threePt" dir="t"/>
+    </dgm:scene3d>
+    <dgm:sp3d/>
+    <dgm:txPr/>
+    <dgm:style>
+      <a:lnRef idx="0">
+        <a:scrgbClr r="0" g="0" b="0"/>
+      </a:lnRef>
+      <a:fillRef idx="1">
+        <a:scrgbClr r="0" g="0" b="0"/>
+      </a:fillRef>
+      <a:effectRef idx="0">
+        <a:scrgbClr r="0" g="0" b="0"/>
+      </a:effectRef>
+      <a:fontRef idx="minor"/>
+    </dgm:style>
+  </dgm:styleLbl>
+  <dgm:styleLbl name="dkBgShp">
+    <dgm:scene3d>
+      <a:camera prst="orthographicFront"/>
+      <a:lightRig rig="threePt" dir="t"/>
+    </dgm:scene3d>
+    <dgm:sp3d/>
+    <dgm:txPr/>
+    <dgm:style>
+      <a:lnRef idx="0">
+        <a:scrgbClr r="0" g="0" b="0"/>
+      </a:lnRef>
+      <a:fillRef idx="1">
+        <a:scrgbClr r="0" g="0" b="0"/>
+      </a:fillRef>
+      <a:effectRef idx="0">
+        <a:scrgbClr r="0" g="0" b="0"/>
+      </a:effectRef>
+      <a:fontRef idx="minor"/>
+    </dgm:style>
+  </dgm:styleLbl>
+  <dgm:styleLbl name="trBgShp">
+    <dgm:scene3d>
+      <a:camera prst="orthographicFront"/>
+      <a:lightRig rig="threePt" dir="t"/>
+    </dgm:scene3d>
+    <dgm:sp3d/>
+    <dgm:txPr/>
+    <dgm:style>
+      <a:lnRef idx="0">
+        <a:scrgbClr r="0" g="0" b="0"/>
+      </a:lnRef>
+      <a:fillRef idx="1">
+        <a:scrgbClr r="0" g="0" b="0"/>
+      </a:fillRef>
+      <a:effectRef idx="0">
+        <a:scrgbClr r="0" g="0" b="0"/>
+      </a:effectRef>
+      <a:fontRef idx="minor"/>
+    </dgm:style>
+  </dgm:styleLbl>
+  <dgm:styleLbl name="fgShp">
+    <dgm:scene3d>
+      <a:camera prst="orthographicFront"/>
+      <a:lightRig rig="threePt" dir="t"/>
+    </dgm:scene3d>
+    <dgm:sp3d/>
+    <dgm:txPr/>
+    <dgm:style>
+      <a:lnRef idx="2">
+        <a:scrgbClr r="0" g="0" b="0"/>
+      </a:lnRef>
+      <a:fillRef idx="1">
+        <a:scrgbClr r="0" g="0" b="0"/>
+      </a:fillRef>
+      <a:effectRef idx="0">
+        <a:scrgbClr r="0" g="0" b="0"/>
+      </a:effectRef>
+      <a:fontRef idx="minor"/>
+    </dgm:style>
+  </dgm:styleLbl>
+  <dgm:styleLbl name="revTx">
+    <dgm:scene3d>
+      <a:camera prst="orthographicFront"/>
+      <a:lightRig rig="threePt" dir="t"/>
+    </dgm:scene3d>
+    <dgm:sp3d/>
+    <dgm:txPr/>
+    <dgm:style>
+      <a:lnRef idx="0">
+        <a:scrgbClr r="0" g="0" b="0"/>
+      </a:lnRef>
+      <a:fillRef idx="0">
+        <a:scrgbClr r="0" g="0" b="0"/>
+      </a:fillRef>
+      <a:effectRef idx="0">
+        <a:scrgbClr r="0" g="0" b="0"/>
+      </a:effectRef>
+      <a:fontRef idx="minor"/>
+    </dgm:style>
+  </dgm:styleLbl>
+</dgm:styleDef>
+</file>
+
+<file path=ppt/diagrams/quickStyle8.xml><?xml version="1.0" encoding="utf-8"?>
 <dgm:styleDef xmlns:dgm="http://schemas.openxmlformats.org/drawingml/2006/diagram" xmlns:a="http://schemas.openxmlformats.org/drawingml/2006/main" uniqueId="urn:microsoft.com/office/officeart/2005/8/quickstyle/simple1">
   <dgm:title val=""/>
   <dgm:desc val=""/>
@@ -26367,7 +30302,7 @@
           <a:p>
             <a:fld id="{3B93ECCE-5391-441B-9FF0-3A0DC0698398}" type="datetimeFigureOut">
               <a:rPr lang="fr-FR" smtClean="0"/>
-              <a:t>12/05/2023</a:t>
+              <a:t>15/05/2024</a:t>
             </a:fld>
             <a:endParaRPr lang="fr-FR"/>
           </a:p>
@@ -26537,7 +30472,7 @@
           <a:p>
             <a:fld id="{3B93ECCE-5391-441B-9FF0-3A0DC0698398}" type="datetimeFigureOut">
               <a:rPr lang="fr-FR" smtClean="0"/>
-              <a:t>12/05/2023</a:t>
+              <a:t>15/05/2024</a:t>
             </a:fld>
             <a:endParaRPr lang="fr-FR"/>
           </a:p>
@@ -26717,7 +30652,7 @@
           <a:p>
             <a:fld id="{3B93ECCE-5391-441B-9FF0-3A0DC0698398}" type="datetimeFigureOut">
               <a:rPr lang="fr-FR" smtClean="0"/>
-              <a:t>12/05/2023</a:t>
+              <a:t>15/05/2024</a:t>
             </a:fld>
             <a:endParaRPr lang="fr-FR"/>
           </a:p>
@@ -26887,7 +30822,7 @@
           <a:p>
             <a:fld id="{3B93ECCE-5391-441B-9FF0-3A0DC0698398}" type="datetimeFigureOut">
               <a:rPr lang="fr-FR" smtClean="0"/>
-              <a:t>12/05/2023</a:t>
+              <a:t>15/05/2024</a:t>
             </a:fld>
             <a:endParaRPr lang="fr-FR"/>
           </a:p>
@@ -27131,7 +31066,7 @@
           <a:p>
             <a:fld id="{3B93ECCE-5391-441B-9FF0-3A0DC0698398}" type="datetimeFigureOut">
               <a:rPr lang="fr-FR" smtClean="0"/>
-              <a:t>12/05/2023</a:t>
+              <a:t>15/05/2024</a:t>
             </a:fld>
             <a:endParaRPr lang="fr-FR"/>
           </a:p>
@@ -27363,7 +31298,7 @@
           <a:p>
             <a:fld id="{3B93ECCE-5391-441B-9FF0-3A0DC0698398}" type="datetimeFigureOut">
               <a:rPr lang="fr-FR" smtClean="0"/>
-              <a:t>12/05/2023</a:t>
+              <a:t>15/05/2024</a:t>
             </a:fld>
             <a:endParaRPr lang="fr-FR"/>
           </a:p>
@@ -27730,7 +31665,7 @@
           <a:p>
             <a:fld id="{3B93ECCE-5391-441B-9FF0-3A0DC0698398}" type="datetimeFigureOut">
               <a:rPr lang="fr-FR" smtClean="0"/>
-              <a:t>12/05/2023</a:t>
+              <a:t>15/05/2024</a:t>
             </a:fld>
             <a:endParaRPr lang="fr-FR"/>
           </a:p>
@@ -27848,7 +31783,7 @@
           <a:p>
             <a:fld id="{3B93ECCE-5391-441B-9FF0-3A0DC0698398}" type="datetimeFigureOut">
               <a:rPr lang="fr-FR" smtClean="0"/>
-              <a:t>12/05/2023</a:t>
+              <a:t>15/05/2024</a:t>
             </a:fld>
             <a:endParaRPr lang="fr-FR"/>
           </a:p>
@@ -27943,7 +31878,7 @@
           <a:p>
             <a:fld id="{3B93ECCE-5391-441B-9FF0-3A0DC0698398}" type="datetimeFigureOut">
               <a:rPr lang="fr-FR" smtClean="0"/>
-              <a:t>12/05/2023</a:t>
+              <a:t>15/05/2024</a:t>
             </a:fld>
             <a:endParaRPr lang="fr-FR"/>
           </a:p>
@@ -28220,7 +32155,7 @@
           <a:p>
             <a:fld id="{3B93ECCE-5391-441B-9FF0-3A0DC0698398}" type="datetimeFigureOut">
               <a:rPr lang="fr-FR" smtClean="0"/>
-              <a:t>12/05/2023</a:t>
+              <a:t>15/05/2024</a:t>
             </a:fld>
             <a:endParaRPr lang="fr-FR"/>
           </a:p>
@@ -28477,7 +32412,7 @@
           <a:p>
             <a:fld id="{3B93ECCE-5391-441B-9FF0-3A0DC0698398}" type="datetimeFigureOut">
               <a:rPr lang="fr-FR" smtClean="0"/>
-              <a:t>12/05/2023</a:t>
+              <a:t>15/05/2024</a:t>
             </a:fld>
             <a:endParaRPr lang="fr-FR"/>
           </a:p>
@@ -28690,7 +32625,7 @@
           <a:p>
             <a:fld id="{3B93ECCE-5391-441B-9FF0-3A0DC0698398}" type="datetimeFigureOut">
               <a:rPr lang="fr-FR" smtClean="0"/>
-              <a:t>12/05/2023</a:t>
+              <a:t>15/05/2024</a:t>
             </a:fld>
             <a:endParaRPr lang="fr-FR"/>
           </a:p>
@@ -45388,6 +49323,1412 @@
         </p:nvSpPr>
         <p:spPr>
           <a:xfrm>
+            <a:off x="350837" y="307181"/>
+            <a:ext cx="6858000" cy="338554"/>
+          </a:xfrm>
+          <a:prstGeom prst="rect">
+            <a:avLst/>
+          </a:prstGeom>
+          <a:noFill/>
+        </p:spPr>
+        <p:txBody>
+          <a:bodyPr wrap="square" rtlCol="0">
+            <a:spAutoFit/>
+          </a:bodyPr>
+          <a:lstStyle/>
+          <a:p>
+            <a:pPr algn="ctr"/>
+            <a:r>
+              <a:rPr lang="fr-FR" sz="1600" b="1" dirty="0">
+                <a:latin typeface="Arial Nova" panose="020B0504020202020204" pitchFamily="34" charset="0"/>
+              </a:rPr>
+              <a:t>ESM Saint-Cyr – SII </a:t>
+            </a:r>
+          </a:p>
+        </p:txBody>
+      </p:sp>
+      <p:cxnSp>
+        <p:nvCxnSpPr>
+          <p:cNvPr id="6" name="Connecteur droit 5">
+            <a:extLst>
+              <a:ext uri="{FF2B5EF4-FFF2-40B4-BE49-F238E27FC236}">
+                <a16:creationId xmlns:a16="http://schemas.microsoft.com/office/drawing/2014/main" id="{4AFA8A74-591C-0373-4B68-9B2052B574F7}"/>
+              </a:ext>
+            </a:extLst>
+          </p:cNvPr>
+          <p:cNvCxnSpPr>
+            <a:cxnSpLocks/>
+          </p:cNvCxnSpPr>
+          <p:nvPr/>
+        </p:nvCxnSpPr>
+        <p:spPr>
+          <a:xfrm>
+            <a:off x="1251284" y="307181"/>
+            <a:ext cx="5957553" cy="0"/>
+          </a:xfrm>
+          <a:prstGeom prst="line">
+            <a:avLst/>
+          </a:prstGeom>
+          <a:ln w="19050">
+            <a:solidFill>
+              <a:schemeClr val="tx2">
+                <a:lumMod val="50000"/>
+              </a:schemeClr>
+            </a:solidFill>
+          </a:ln>
+        </p:spPr>
+        <p:style>
+          <a:lnRef idx="1">
+            <a:schemeClr val="accent1"/>
+          </a:lnRef>
+          <a:fillRef idx="0">
+            <a:schemeClr val="accent1"/>
+          </a:fillRef>
+          <a:effectRef idx="0">
+            <a:schemeClr val="accent1"/>
+          </a:effectRef>
+          <a:fontRef idx="minor">
+            <a:schemeClr val="tx1"/>
+          </a:fontRef>
+        </p:style>
+      </p:cxnSp>
+      <p:cxnSp>
+        <p:nvCxnSpPr>
+          <p:cNvPr id="7" name="Connecteur droit 6">
+            <a:extLst>
+              <a:ext uri="{FF2B5EF4-FFF2-40B4-BE49-F238E27FC236}">
+                <a16:creationId xmlns:a16="http://schemas.microsoft.com/office/drawing/2014/main" id="{E0244E97-E46A-E01A-32CF-295153AAA031}"/>
+              </a:ext>
+            </a:extLst>
+          </p:cNvPr>
+          <p:cNvCxnSpPr>
+            <a:cxnSpLocks/>
+          </p:cNvCxnSpPr>
+          <p:nvPr/>
+        </p:nvCxnSpPr>
+        <p:spPr>
+          <a:xfrm>
+            <a:off x="1232034" y="664785"/>
+            <a:ext cx="5976803" cy="0"/>
+          </a:xfrm>
+          <a:prstGeom prst="line">
+            <a:avLst/>
+          </a:prstGeom>
+          <a:ln w="19050">
+            <a:solidFill>
+              <a:schemeClr val="tx2">
+                <a:lumMod val="50000"/>
+              </a:schemeClr>
+            </a:solidFill>
+          </a:ln>
+        </p:spPr>
+        <p:style>
+          <a:lnRef idx="1">
+            <a:schemeClr val="accent1"/>
+          </a:lnRef>
+          <a:fillRef idx="0">
+            <a:schemeClr val="accent1"/>
+          </a:fillRef>
+          <a:effectRef idx="0">
+            <a:schemeClr val="accent1"/>
+          </a:effectRef>
+          <a:fontRef idx="minor">
+            <a:schemeClr val="tx1"/>
+          </a:fontRef>
+        </p:style>
+      </p:cxnSp>
+      <p:grpSp>
+        <p:nvGrpSpPr>
+          <p:cNvPr id="11" name="Groupe 10">
+            <a:extLst>
+              <a:ext uri="{FF2B5EF4-FFF2-40B4-BE49-F238E27FC236}">
+                <a16:creationId xmlns:a16="http://schemas.microsoft.com/office/drawing/2014/main" id="{87D71073-5BE5-D0AF-A0EF-D9E225BFDA81}"/>
+              </a:ext>
+            </a:extLst>
+          </p:cNvPr>
+          <p:cNvGrpSpPr/>
+          <p:nvPr/>
+        </p:nvGrpSpPr>
+        <p:grpSpPr>
+          <a:xfrm>
+            <a:off x="350837" y="1111858"/>
+            <a:ext cx="1661584" cy="393700"/>
+            <a:chOff x="5272616" y="643355"/>
+            <a:chExt cx="1661584" cy="393700"/>
+          </a:xfrm>
+        </p:grpSpPr>
+        <p:sp>
+          <p:nvSpPr>
+            <p:cNvPr id="9" name="Ellipse 8">
+              <a:extLst>
+                <a:ext uri="{FF2B5EF4-FFF2-40B4-BE49-F238E27FC236}">
+                  <a16:creationId xmlns:a16="http://schemas.microsoft.com/office/drawing/2014/main" id="{E260EFAE-DE3D-351B-25EC-D7A4EC4DE67E}"/>
+                </a:ext>
+              </a:extLst>
+            </p:cNvPr>
+            <p:cNvSpPr/>
+            <p:nvPr/>
+          </p:nvSpPr>
+          <p:spPr>
+            <a:xfrm>
+              <a:off x="6540500" y="643355"/>
+              <a:ext cx="393700" cy="393700"/>
+            </a:xfrm>
+            <a:prstGeom prst="ellipse">
+              <a:avLst/>
+            </a:prstGeom>
+          </p:spPr>
+          <p:style>
+            <a:lnRef idx="2">
+              <a:schemeClr val="accent6">
+                <a:shade val="50000"/>
+              </a:schemeClr>
+            </a:lnRef>
+            <a:fillRef idx="1">
+              <a:schemeClr val="accent6"/>
+            </a:fillRef>
+            <a:effectRef idx="0">
+              <a:schemeClr val="accent6"/>
+            </a:effectRef>
+            <a:fontRef idx="minor">
+              <a:schemeClr val="lt1"/>
+            </a:fontRef>
+          </p:style>
+          <p:txBody>
+            <a:bodyPr lIns="0" tIns="0" rIns="0" bIns="0" rtlCol="0" anchor="ctr"/>
+            <a:lstStyle/>
+            <a:p>
+              <a:pPr algn="ctr"/>
+              <a:r>
+                <a:rPr lang="fr-FR" sz="1200" b="1" dirty="0"/>
+                <a:t>x%</a:t>
+              </a:r>
+            </a:p>
+          </p:txBody>
+        </p:sp>
+        <p:sp>
+          <p:nvSpPr>
+            <p:cNvPr id="10" name="ZoneTexte 9">
+              <a:extLst>
+                <a:ext uri="{FF2B5EF4-FFF2-40B4-BE49-F238E27FC236}">
+                  <a16:creationId xmlns:a16="http://schemas.microsoft.com/office/drawing/2014/main" id="{AA085217-9F9A-27B9-86EF-F6B61BE03A48}"/>
+                </a:ext>
+              </a:extLst>
+            </p:cNvPr>
+            <p:cNvSpPr txBox="1"/>
+            <p:nvPr/>
+          </p:nvSpPr>
+          <p:spPr>
+            <a:xfrm>
+              <a:off x="5272616" y="701705"/>
+              <a:ext cx="1276350" cy="276999"/>
+            </a:xfrm>
+            <a:prstGeom prst="rect">
+              <a:avLst/>
+            </a:prstGeom>
+            <a:noFill/>
+          </p:spPr>
+          <p:txBody>
+            <a:bodyPr wrap="square" rtlCol="0">
+              <a:spAutoFit/>
+            </a:bodyPr>
+            <a:lstStyle/>
+            <a:p>
+              <a:r>
+                <a:rPr lang="fr-FR" sz="1200" dirty="0">
+                  <a:latin typeface="Arial Nova" panose="020B0504020202020204" pitchFamily="34" charset="0"/>
+                </a:rPr>
+                <a:t>Epreuve SI </a:t>
+              </a:r>
+            </a:p>
+          </p:txBody>
+        </p:sp>
+      </p:grpSp>
+      <p:sp>
+        <p:nvSpPr>
+          <p:cNvPr id="2" name="ZoneTexte 1">
+            <a:extLst>
+              <a:ext uri="{FF2B5EF4-FFF2-40B4-BE49-F238E27FC236}">
+                <a16:creationId xmlns:a16="http://schemas.microsoft.com/office/drawing/2014/main" id="{F069FAB1-109C-A243-A789-916EB395C075}"/>
+              </a:ext>
+            </a:extLst>
+          </p:cNvPr>
+          <p:cNvSpPr txBox="1"/>
+          <p:nvPr/>
+        </p:nvSpPr>
+        <p:spPr>
+          <a:xfrm>
+            <a:off x="350837" y="1489030"/>
+            <a:ext cx="1620520" cy="276999"/>
+          </a:xfrm>
+          <a:prstGeom prst="rect">
+            <a:avLst/>
+          </a:prstGeom>
+          <a:noFill/>
+        </p:spPr>
+        <p:txBody>
+          <a:bodyPr wrap="square" rtlCol="0">
+            <a:spAutoFit/>
+          </a:bodyPr>
+          <a:lstStyle/>
+          <a:p>
+            <a:r>
+              <a:rPr lang="fr-FR" sz="1200" dirty="0">
+                <a:latin typeface="Arial Nova" panose="020B0504020202020204" pitchFamily="34" charset="0"/>
+              </a:rPr>
+              <a:t>Durée de l’épreuve</a:t>
+            </a:r>
+          </a:p>
+        </p:txBody>
+      </p:sp>
+      <p:sp>
+        <p:nvSpPr>
+          <p:cNvPr id="3" name="ZoneTexte 2">
+            <a:extLst>
+              <a:ext uri="{FF2B5EF4-FFF2-40B4-BE49-F238E27FC236}">
+                <a16:creationId xmlns:a16="http://schemas.microsoft.com/office/drawing/2014/main" id="{46D7DDE8-784A-6517-CF71-FFBD7A6AB39E}"/>
+              </a:ext>
+            </a:extLst>
+          </p:cNvPr>
+          <p:cNvSpPr txBox="1"/>
+          <p:nvPr/>
+        </p:nvSpPr>
+        <p:spPr>
+          <a:xfrm>
+            <a:off x="2244407" y="1533948"/>
+            <a:ext cx="657860" cy="187161"/>
+          </a:xfrm>
+          <a:prstGeom prst="rect">
+            <a:avLst/>
+          </a:prstGeom>
+          <a:ln/>
+        </p:spPr>
+        <p:style>
+          <a:lnRef idx="3">
+            <a:schemeClr val="lt1"/>
+          </a:lnRef>
+          <a:fillRef idx="1">
+            <a:schemeClr val="accent1"/>
+          </a:fillRef>
+          <a:effectRef idx="1">
+            <a:schemeClr val="accent1"/>
+          </a:effectRef>
+          <a:fontRef idx="minor">
+            <a:schemeClr val="lt1"/>
+          </a:fontRef>
+        </p:style>
+        <p:txBody>
+          <a:bodyPr lIns="0" tIns="0" rIns="0" bIns="0" rtlCol="0" anchor="ctr"/>
+          <a:lstStyle>
+            <a:defPPr>
+              <a:defRPr lang="en-US"/>
+            </a:defPPr>
+            <a:lvl1pPr algn="ctr">
+              <a:defRPr sz="1200" b="1">
+                <a:solidFill>
+                  <a:schemeClr val="lt1"/>
+                </a:solidFill>
+              </a:defRPr>
+            </a:lvl1pPr>
+            <a:lvl2pPr>
+              <a:defRPr>
+                <a:solidFill>
+                  <a:schemeClr val="lt1"/>
+                </a:solidFill>
+              </a:defRPr>
+            </a:lvl2pPr>
+            <a:lvl3pPr>
+              <a:defRPr>
+                <a:solidFill>
+                  <a:schemeClr val="lt1"/>
+                </a:solidFill>
+              </a:defRPr>
+            </a:lvl3pPr>
+            <a:lvl4pPr>
+              <a:defRPr>
+                <a:solidFill>
+                  <a:schemeClr val="lt1"/>
+                </a:solidFill>
+              </a:defRPr>
+            </a:lvl4pPr>
+            <a:lvl5pPr>
+              <a:defRPr>
+                <a:solidFill>
+                  <a:schemeClr val="lt1"/>
+                </a:solidFill>
+              </a:defRPr>
+            </a:lvl5pPr>
+            <a:lvl6pPr>
+              <a:defRPr>
+                <a:solidFill>
+                  <a:schemeClr val="lt1"/>
+                </a:solidFill>
+              </a:defRPr>
+            </a:lvl6pPr>
+            <a:lvl7pPr>
+              <a:defRPr>
+                <a:solidFill>
+                  <a:schemeClr val="lt1"/>
+                </a:solidFill>
+              </a:defRPr>
+            </a:lvl7pPr>
+            <a:lvl8pPr>
+              <a:defRPr>
+                <a:solidFill>
+                  <a:schemeClr val="lt1"/>
+                </a:solidFill>
+              </a:defRPr>
+            </a:lvl8pPr>
+            <a:lvl9pPr>
+              <a:defRPr>
+                <a:solidFill>
+                  <a:schemeClr val="lt1"/>
+                </a:solidFill>
+              </a:defRPr>
+            </a:lvl9pPr>
+          </a:lstStyle>
+          <a:p>
+            <a:r>
+              <a:rPr lang="fr-FR" sz="1000" dirty="0">
+                <a:latin typeface="Arial Nova" panose="020B0504020202020204" pitchFamily="34" charset="0"/>
+              </a:rPr>
+              <a:t>30 min</a:t>
+            </a:r>
+          </a:p>
+        </p:txBody>
+      </p:sp>
+      <p:sp>
+        <p:nvSpPr>
+          <p:cNvPr id="5" name="ZoneTexte 4">
+            <a:extLst>
+              <a:ext uri="{FF2B5EF4-FFF2-40B4-BE49-F238E27FC236}">
+                <a16:creationId xmlns:a16="http://schemas.microsoft.com/office/drawing/2014/main" id="{9E614980-1997-DC17-BE05-2402ACDC1F72}"/>
+              </a:ext>
+            </a:extLst>
+          </p:cNvPr>
+          <p:cNvSpPr txBox="1"/>
+          <p:nvPr/>
+        </p:nvSpPr>
+        <p:spPr>
+          <a:xfrm>
+            <a:off x="3121977" y="1533948"/>
+            <a:ext cx="657860" cy="187161"/>
+          </a:xfrm>
+          <a:prstGeom prst="rect">
+            <a:avLst/>
+          </a:prstGeom>
+          <a:ln/>
+        </p:spPr>
+        <p:style>
+          <a:lnRef idx="3">
+            <a:schemeClr val="lt1"/>
+          </a:lnRef>
+          <a:fillRef idx="1">
+            <a:schemeClr val="accent6"/>
+          </a:fillRef>
+          <a:effectRef idx="1">
+            <a:schemeClr val="accent6"/>
+          </a:effectRef>
+          <a:fontRef idx="minor">
+            <a:schemeClr val="lt1"/>
+          </a:fontRef>
+        </p:style>
+        <p:txBody>
+          <a:bodyPr lIns="0" tIns="0" rIns="0" bIns="0" rtlCol="0" anchor="ctr"/>
+          <a:lstStyle>
+            <a:defPPr>
+              <a:defRPr lang="en-US"/>
+            </a:defPPr>
+            <a:lvl1pPr algn="ctr">
+              <a:defRPr sz="1200" b="1">
+                <a:solidFill>
+                  <a:schemeClr val="lt1"/>
+                </a:solidFill>
+              </a:defRPr>
+            </a:lvl1pPr>
+            <a:lvl2pPr>
+              <a:defRPr>
+                <a:solidFill>
+                  <a:schemeClr val="lt1"/>
+                </a:solidFill>
+              </a:defRPr>
+            </a:lvl2pPr>
+            <a:lvl3pPr>
+              <a:defRPr>
+                <a:solidFill>
+                  <a:schemeClr val="lt1"/>
+                </a:solidFill>
+              </a:defRPr>
+            </a:lvl3pPr>
+            <a:lvl4pPr>
+              <a:defRPr>
+                <a:solidFill>
+                  <a:schemeClr val="lt1"/>
+                </a:solidFill>
+              </a:defRPr>
+            </a:lvl4pPr>
+            <a:lvl5pPr>
+              <a:defRPr>
+                <a:solidFill>
+                  <a:schemeClr val="lt1"/>
+                </a:solidFill>
+              </a:defRPr>
+            </a:lvl5pPr>
+            <a:lvl6pPr>
+              <a:defRPr>
+                <a:solidFill>
+                  <a:schemeClr val="lt1"/>
+                </a:solidFill>
+              </a:defRPr>
+            </a:lvl6pPr>
+            <a:lvl7pPr>
+              <a:defRPr>
+                <a:solidFill>
+                  <a:schemeClr val="lt1"/>
+                </a:solidFill>
+              </a:defRPr>
+            </a:lvl7pPr>
+            <a:lvl8pPr>
+              <a:defRPr>
+                <a:solidFill>
+                  <a:schemeClr val="lt1"/>
+                </a:solidFill>
+              </a:defRPr>
+            </a:lvl8pPr>
+            <a:lvl9pPr>
+              <a:defRPr>
+                <a:solidFill>
+                  <a:schemeClr val="lt1"/>
+                </a:solidFill>
+              </a:defRPr>
+            </a:lvl9pPr>
+          </a:lstStyle>
+          <a:p>
+            <a:r>
+              <a:rPr lang="fr-FR" sz="1000" dirty="0">
+                <a:latin typeface="Arial Nova" panose="020B0504020202020204" pitchFamily="34" charset="0"/>
+              </a:rPr>
+              <a:t>25 min</a:t>
+            </a:r>
+          </a:p>
+        </p:txBody>
+      </p:sp>
+      <p:sp>
+        <p:nvSpPr>
+          <p:cNvPr id="18" name="Croix 17">
+            <a:extLst>
+              <a:ext uri="{FF2B5EF4-FFF2-40B4-BE49-F238E27FC236}">
+                <a16:creationId xmlns:a16="http://schemas.microsoft.com/office/drawing/2014/main" id="{6499E904-94FD-5904-1D07-BE6881FFE338}"/>
+              </a:ext>
+            </a:extLst>
+          </p:cNvPr>
+          <p:cNvSpPr/>
+          <p:nvPr/>
+        </p:nvSpPr>
+        <p:spPr>
+          <a:xfrm>
+            <a:off x="2953702" y="1569107"/>
+            <a:ext cx="116840" cy="116840"/>
+          </a:xfrm>
+          <a:prstGeom prst="plus">
+            <a:avLst>
+              <a:gd name="adj" fmla="val 33152"/>
+            </a:avLst>
+          </a:prstGeom>
+        </p:spPr>
+        <p:style>
+          <a:lnRef idx="3">
+            <a:schemeClr val="lt1"/>
+          </a:lnRef>
+          <a:fillRef idx="1">
+            <a:schemeClr val="accent4"/>
+          </a:fillRef>
+          <a:effectRef idx="1">
+            <a:schemeClr val="accent4"/>
+          </a:effectRef>
+          <a:fontRef idx="minor">
+            <a:schemeClr val="lt1"/>
+          </a:fontRef>
+        </p:style>
+        <p:txBody>
+          <a:bodyPr rtlCol="0" anchor="ctr"/>
+          <a:lstStyle/>
+          <a:p>
+            <a:pPr algn="ctr"/>
+            <a:endParaRPr lang="fr-FR"/>
+          </a:p>
+        </p:txBody>
+      </p:sp>
+      <p:sp>
+        <p:nvSpPr>
+          <p:cNvPr id="12" name="ZoneTexte 11">
+            <a:extLst>
+              <a:ext uri="{FF2B5EF4-FFF2-40B4-BE49-F238E27FC236}">
+                <a16:creationId xmlns:a16="http://schemas.microsoft.com/office/drawing/2014/main" id="{FA099D31-43BA-BA4C-2F02-7B634846BEC0}"/>
+              </a:ext>
+            </a:extLst>
+          </p:cNvPr>
+          <p:cNvSpPr txBox="1"/>
+          <p:nvPr/>
+        </p:nvSpPr>
+        <p:spPr>
+          <a:xfrm>
+            <a:off x="350837" y="10395467"/>
+            <a:ext cx="6858000" cy="184666"/>
+          </a:xfrm>
+          <a:prstGeom prst="rect">
+            <a:avLst/>
+          </a:prstGeom>
+          <a:noFill/>
+        </p:spPr>
+        <p:txBody>
+          <a:bodyPr wrap="square">
+            <a:spAutoFit/>
+          </a:bodyPr>
+          <a:lstStyle/>
+          <a:p>
+            <a:pPr algn="ctr"/>
+            <a:r>
+              <a:rPr lang="fr-FR" sz="600" dirty="0">
+                <a:solidFill>
+                  <a:schemeClr val="tx2"/>
+                </a:solidFill>
+              </a:rPr>
+              <a:t>https://www.terre.defense.gouv.fr/sites/default/files/amscc/ESM%20CPGE%202023_Rapport%20jury%20fili%C3%A8re%20SCIENTIFIQUE%20voie%20PSI.pdf</a:t>
+            </a:r>
+          </a:p>
+        </p:txBody>
+      </p:sp>
+      <p:cxnSp>
+        <p:nvCxnSpPr>
+          <p:cNvPr id="13" name="Connecteur droit 12">
+            <a:extLst>
+              <a:ext uri="{FF2B5EF4-FFF2-40B4-BE49-F238E27FC236}">
+                <a16:creationId xmlns:a16="http://schemas.microsoft.com/office/drawing/2014/main" id="{76F84534-167F-7D4F-7B84-F3E2F17C4DE1}"/>
+              </a:ext>
+            </a:extLst>
+          </p:cNvPr>
+          <p:cNvCxnSpPr>
+            <a:cxnSpLocks/>
+          </p:cNvCxnSpPr>
+          <p:nvPr/>
+        </p:nvCxnSpPr>
+        <p:spPr>
+          <a:xfrm>
+            <a:off x="350837" y="10380226"/>
+            <a:ext cx="6858000" cy="0"/>
+          </a:xfrm>
+          <a:prstGeom prst="line">
+            <a:avLst/>
+          </a:prstGeom>
+          <a:ln w="9525">
+            <a:solidFill>
+              <a:schemeClr val="tx2">
+                <a:lumMod val="50000"/>
+              </a:schemeClr>
+            </a:solidFill>
+          </a:ln>
+        </p:spPr>
+        <p:style>
+          <a:lnRef idx="1">
+            <a:schemeClr val="accent1"/>
+          </a:lnRef>
+          <a:fillRef idx="0">
+            <a:schemeClr val="accent1"/>
+          </a:fillRef>
+          <a:effectRef idx="0">
+            <a:schemeClr val="accent1"/>
+          </a:effectRef>
+          <a:fontRef idx="minor">
+            <a:schemeClr val="tx1"/>
+          </a:fontRef>
+        </p:style>
+      </p:cxnSp>
+      <p:graphicFrame>
+        <p:nvGraphicFramePr>
+          <p:cNvPr id="15" name="Diagramme 14">
+            <a:extLst>
+              <a:ext uri="{FF2B5EF4-FFF2-40B4-BE49-F238E27FC236}">
+                <a16:creationId xmlns:a16="http://schemas.microsoft.com/office/drawing/2014/main" id="{9FC85E4C-A210-DB2E-52EA-388AA084D461}"/>
+              </a:ext>
+            </a:extLst>
+          </p:cNvPr>
+          <p:cNvGraphicFramePr/>
+          <p:nvPr>
+            <p:extLst>
+              <p:ext uri="{D42A27DB-BD31-4B8C-83A1-F6EECF244321}">
+                <p14:modId xmlns:p14="http://schemas.microsoft.com/office/powerpoint/2010/main" val="1305539665"/>
+              </p:ext>
+            </p:extLst>
+          </p:nvPr>
+        </p:nvGraphicFramePr>
+        <p:xfrm>
+          <a:off x="350837" y="2143200"/>
+          <a:ext cx="6858000" cy="2845599"/>
+        </p:xfrm>
+        <a:graphic>
+          <a:graphicData uri="http://schemas.openxmlformats.org/drawingml/2006/diagram">
+            <dgm:relIds xmlns:dgm="http://schemas.openxmlformats.org/drawingml/2006/diagram" xmlns:r="http://schemas.openxmlformats.org/officeDocument/2006/relationships" r:dm="rId2" r:lo="rId3" r:qs="rId4" r:cs="rId5"/>
+          </a:graphicData>
+        </a:graphic>
+      </p:graphicFrame>
+      <p:sp>
+        <p:nvSpPr>
+          <p:cNvPr id="16" name="Ellipse 15">
+            <a:extLst>
+              <a:ext uri="{FF2B5EF4-FFF2-40B4-BE49-F238E27FC236}">
+                <a16:creationId xmlns:a16="http://schemas.microsoft.com/office/drawing/2014/main" id="{53E30797-C891-C335-F13A-63AAD003DFC7}"/>
+              </a:ext>
+            </a:extLst>
+          </p:cNvPr>
+          <p:cNvSpPr/>
+          <p:nvPr/>
+        </p:nvSpPr>
+        <p:spPr>
+          <a:xfrm>
+            <a:off x="2118407" y="4639663"/>
+            <a:ext cx="252000" cy="252000"/>
+          </a:xfrm>
+          <a:prstGeom prst="ellipse">
+            <a:avLst/>
+          </a:prstGeom>
+        </p:spPr>
+        <p:style>
+          <a:lnRef idx="2">
+            <a:schemeClr val="accent6">
+              <a:shade val="50000"/>
+            </a:schemeClr>
+          </a:lnRef>
+          <a:fillRef idx="1">
+            <a:schemeClr val="accent6"/>
+          </a:fillRef>
+          <a:effectRef idx="0">
+            <a:schemeClr val="accent6"/>
+          </a:effectRef>
+          <a:fontRef idx="minor">
+            <a:schemeClr val="lt1"/>
+          </a:fontRef>
+        </p:style>
+        <p:txBody>
+          <a:bodyPr lIns="0" tIns="0" rIns="0" bIns="0" rtlCol="0" anchor="ctr"/>
+          <a:lstStyle/>
+          <a:p>
+            <a:pPr algn="ctr"/>
+            <a:r>
+              <a:rPr lang="fr-FR" sz="900" b="1" dirty="0"/>
+              <a:t>30’</a:t>
+            </a:r>
+          </a:p>
+        </p:txBody>
+      </p:sp>
+      <p:sp>
+        <p:nvSpPr>
+          <p:cNvPr id="17" name="Ellipse 16">
+            <a:extLst>
+              <a:ext uri="{FF2B5EF4-FFF2-40B4-BE49-F238E27FC236}">
+                <a16:creationId xmlns:a16="http://schemas.microsoft.com/office/drawing/2014/main" id="{FA832A25-7B21-BCAB-E8DE-832D67E7AB11}"/>
+              </a:ext>
+            </a:extLst>
+          </p:cNvPr>
+          <p:cNvSpPr/>
+          <p:nvPr/>
+        </p:nvSpPr>
+        <p:spPr>
+          <a:xfrm>
+            <a:off x="4230060" y="3974923"/>
+            <a:ext cx="252000" cy="252000"/>
+          </a:xfrm>
+          <a:prstGeom prst="ellipse">
+            <a:avLst/>
+          </a:prstGeom>
+        </p:spPr>
+        <p:style>
+          <a:lnRef idx="2">
+            <a:schemeClr val="accent6">
+              <a:shade val="50000"/>
+            </a:schemeClr>
+          </a:lnRef>
+          <a:fillRef idx="1">
+            <a:schemeClr val="accent6"/>
+          </a:fillRef>
+          <a:effectRef idx="0">
+            <a:schemeClr val="accent6"/>
+          </a:effectRef>
+          <a:fontRef idx="minor">
+            <a:schemeClr val="lt1"/>
+          </a:fontRef>
+        </p:style>
+        <p:txBody>
+          <a:bodyPr lIns="0" tIns="0" rIns="0" bIns="0" rtlCol="0" anchor="ctr"/>
+          <a:lstStyle/>
+          <a:p>
+            <a:pPr algn="ctr"/>
+            <a:r>
+              <a:rPr lang="fr-FR" sz="900" b="1" dirty="0"/>
+              <a:t>~3’</a:t>
+            </a:r>
+          </a:p>
+        </p:txBody>
+      </p:sp>
+      <p:sp>
+        <p:nvSpPr>
+          <p:cNvPr id="19" name="Ellipse 18">
+            <a:extLst>
+              <a:ext uri="{FF2B5EF4-FFF2-40B4-BE49-F238E27FC236}">
+                <a16:creationId xmlns:a16="http://schemas.microsoft.com/office/drawing/2014/main" id="{B996B0EC-6BC3-DB33-B22D-BD571FB0AD32}"/>
+              </a:ext>
+            </a:extLst>
+          </p:cNvPr>
+          <p:cNvSpPr/>
+          <p:nvPr/>
+        </p:nvSpPr>
+        <p:spPr>
+          <a:xfrm>
+            <a:off x="6445662" y="4495348"/>
+            <a:ext cx="252000" cy="252000"/>
+          </a:xfrm>
+          <a:prstGeom prst="ellipse">
+            <a:avLst/>
+          </a:prstGeom>
+        </p:spPr>
+        <p:style>
+          <a:lnRef idx="2">
+            <a:schemeClr val="accent6">
+              <a:shade val="50000"/>
+            </a:schemeClr>
+          </a:lnRef>
+          <a:fillRef idx="1">
+            <a:schemeClr val="accent6"/>
+          </a:fillRef>
+          <a:effectRef idx="0">
+            <a:schemeClr val="accent6"/>
+          </a:effectRef>
+          <a:fontRef idx="minor">
+            <a:schemeClr val="lt1"/>
+          </a:fontRef>
+        </p:style>
+        <p:txBody>
+          <a:bodyPr lIns="0" tIns="0" rIns="0" bIns="0" rtlCol="0" anchor="ctr"/>
+          <a:lstStyle/>
+          <a:p>
+            <a:pPr algn="ctr"/>
+            <a:r>
+              <a:rPr lang="fr-FR" sz="900" b="1" dirty="0"/>
+              <a:t>22’</a:t>
+            </a:r>
+          </a:p>
+        </p:txBody>
+      </p:sp>
+      <p:sp>
+        <p:nvSpPr>
+          <p:cNvPr id="20" name="Rectangle : carré corné 19">
+            <a:extLst>
+              <a:ext uri="{FF2B5EF4-FFF2-40B4-BE49-F238E27FC236}">
+                <a16:creationId xmlns:a16="http://schemas.microsoft.com/office/drawing/2014/main" id="{EBA24935-70E0-BFED-B014-3B6C8C412DED}"/>
+              </a:ext>
+            </a:extLst>
+          </p:cNvPr>
+          <p:cNvSpPr/>
+          <p:nvPr/>
+        </p:nvSpPr>
+        <p:spPr>
+          <a:xfrm>
+            <a:off x="211558" y="4699794"/>
+            <a:ext cx="1395674" cy="314732"/>
+          </a:xfrm>
+          <a:prstGeom prst="foldedCorner">
+            <a:avLst/>
+          </a:prstGeom>
+        </p:spPr>
+        <p:style>
+          <a:lnRef idx="2">
+            <a:schemeClr val="accent4"/>
+          </a:lnRef>
+          <a:fillRef idx="1">
+            <a:schemeClr val="lt1"/>
+          </a:fillRef>
+          <a:effectRef idx="0">
+            <a:schemeClr val="accent4"/>
+          </a:effectRef>
+          <a:fontRef idx="minor">
+            <a:schemeClr val="dk1"/>
+          </a:fontRef>
+        </p:style>
+        <p:txBody>
+          <a:bodyPr rtlCol="0" anchor="ctr"/>
+          <a:lstStyle/>
+          <a:p>
+            <a:pPr algn="ctr"/>
+            <a:r>
+              <a:rPr lang="fr-FR" sz="1400" dirty="0"/>
+              <a:t>Documents</a:t>
+            </a:r>
+          </a:p>
+        </p:txBody>
+      </p:sp>
+      <p:sp>
+        <p:nvSpPr>
+          <p:cNvPr id="21" name="Rectangle : carré corné 20">
+            <a:extLst>
+              <a:ext uri="{FF2B5EF4-FFF2-40B4-BE49-F238E27FC236}">
+                <a16:creationId xmlns:a16="http://schemas.microsoft.com/office/drawing/2014/main" id="{5935E866-C150-2D13-D1B6-CECC2305D8D8}"/>
+              </a:ext>
+            </a:extLst>
+          </p:cNvPr>
+          <p:cNvSpPr/>
+          <p:nvPr/>
+        </p:nvSpPr>
+        <p:spPr>
+          <a:xfrm>
+            <a:off x="211558" y="5060645"/>
+            <a:ext cx="1415629" cy="305325"/>
+          </a:xfrm>
+          <a:prstGeom prst="foldedCorner">
+            <a:avLst/>
+          </a:prstGeom>
+        </p:spPr>
+        <p:style>
+          <a:lnRef idx="2">
+            <a:schemeClr val="accent4"/>
+          </a:lnRef>
+          <a:fillRef idx="1">
+            <a:schemeClr val="lt1"/>
+          </a:fillRef>
+          <a:effectRef idx="0">
+            <a:schemeClr val="accent4"/>
+          </a:effectRef>
+          <a:fontRef idx="minor">
+            <a:schemeClr val="dk1"/>
+          </a:fontRef>
+        </p:style>
+        <p:txBody>
+          <a:bodyPr rtlCol="0" anchor="ctr"/>
+          <a:lstStyle/>
+          <a:p>
+            <a:pPr algn="ctr"/>
+            <a:r>
+              <a:rPr lang="fr-FR" sz="1400" dirty="0"/>
+              <a:t>« Brouillons »</a:t>
+            </a:r>
+          </a:p>
+        </p:txBody>
+      </p:sp>
+      <p:pic>
+        <p:nvPicPr>
+          <p:cNvPr id="23" name="Image 22">
+            <a:extLst>
+              <a:ext uri="{FF2B5EF4-FFF2-40B4-BE49-F238E27FC236}">
+                <a16:creationId xmlns:a16="http://schemas.microsoft.com/office/drawing/2014/main" id="{D47B9126-A99A-53CE-085F-7A2423BEBD70}"/>
+              </a:ext>
+            </a:extLst>
+          </p:cNvPr>
+          <p:cNvPicPr>
+            <a:picLocks noChangeAspect="1"/>
+          </p:cNvPicPr>
+          <p:nvPr/>
+        </p:nvPicPr>
+        <p:blipFill>
+          <a:blip r:embed="rId7"/>
+          <a:stretch>
+            <a:fillRect/>
+          </a:stretch>
+        </p:blipFill>
+        <p:spPr>
+          <a:xfrm>
+            <a:off x="4201961" y="4495348"/>
+            <a:ext cx="1375174" cy="1375174"/>
+          </a:xfrm>
+          <a:prstGeom prst="rect">
+            <a:avLst/>
+          </a:prstGeom>
+        </p:spPr>
+      </p:pic>
+      <p:pic>
+        <p:nvPicPr>
+          <p:cNvPr id="24" name="Image 23"/>
+          <p:cNvPicPr>
+            <a:picLocks noChangeAspect="1"/>
+          </p:cNvPicPr>
+          <p:nvPr/>
+        </p:nvPicPr>
+        <p:blipFill>
+          <a:blip r:embed="rId8" cstate="hqprint">
+            <a:extLst>
+              <a:ext uri="{28A0092B-C50C-407E-A947-70E740481C1C}">
+                <a14:useLocalDpi xmlns:a14="http://schemas.microsoft.com/office/drawing/2010/main" val="0"/>
+              </a:ext>
+            </a:extLst>
+          </a:blip>
+          <a:stretch>
+            <a:fillRect/>
+          </a:stretch>
+        </p:blipFill>
+        <p:spPr>
+          <a:xfrm>
+            <a:off x="3622925" y="4928460"/>
+            <a:ext cx="421831" cy="421831"/>
+          </a:xfrm>
+          <a:prstGeom prst="rect">
+            <a:avLst/>
+          </a:prstGeom>
+        </p:spPr>
+      </p:pic>
+      <p:sp>
+        <p:nvSpPr>
+          <p:cNvPr id="25" name="ZoneTexte 24">
+            <a:extLst>
+              <a:ext uri="{FF2B5EF4-FFF2-40B4-BE49-F238E27FC236}">
+                <a16:creationId xmlns:a16="http://schemas.microsoft.com/office/drawing/2014/main" id="{1A7D5326-C3A8-0B03-F8F1-893030F75C4E}"/>
+              </a:ext>
+            </a:extLst>
+          </p:cNvPr>
+          <p:cNvSpPr txBox="1"/>
+          <p:nvPr/>
+        </p:nvSpPr>
+        <p:spPr>
+          <a:xfrm>
+            <a:off x="197541" y="6084034"/>
+            <a:ext cx="7185898" cy="3477875"/>
+          </a:xfrm>
+          <a:prstGeom prst="rect">
+            <a:avLst/>
+          </a:prstGeom>
+          <a:noFill/>
+        </p:spPr>
+        <p:txBody>
+          <a:bodyPr wrap="square" rtlCol="0">
+            <a:spAutoFit/>
+          </a:bodyPr>
+          <a:lstStyle/>
+          <a:p>
+            <a:pPr marL="285750" indent="-285750">
+              <a:buClr>
+                <a:schemeClr val="accent1"/>
+              </a:buClr>
+              <a:buFont typeface="Wingdings" panose="05000000000000000000" pitchFamily="2" charset="2"/>
+              <a:buChar char="§"/>
+            </a:pPr>
+            <a:endParaRPr lang="fr-FR" sz="1000" dirty="0">
+              <a:latin typeface="Arial Nova" panose="020B0504020202020204" pitchFamily="34" charset="0"/>
+              <a:sym typeface="Wingdings" panose="05000000000000000000" pitchFamily="2" charset="2"/>
+            </a:endParaRPr>
+          </a:p>
+          <a:p>
+            <a:pPr marL="285750" indent="-285750">
+              <a:buClr>
+                <a:schemeClr val="accent1"/>
+              </a:buClr>
+              <a:buFont typeface="Wingdings" panose="05000000000000000000" pitchFamily="2" charset="2"/>
+              <a:buChar char="§"/>
+            </a:pPr>
+            <a:endParaRPr lang="fr-FR" sz="1000" dirty="0">
+              <a:latin typeface="Arial Nova" panose="020B0504020202020204" pitchFamily="34" charset="0"/>
+              <a:sym typeface="Wingdings" panose="05000000000000000000" pitchFamily="2" charset="2"/>
+            </a:endParaRPr>
+          </a:p>
+          <a:p>
+            <a:pPr marL="285750" indent="-285750">
+              <a:buClr>
+                <a:schemeClr val="accent1"/>
+              </a:buClr>
+              <a:buFont typeface="Wingdings" panose="05000000000000000000" pitchFamily="2" charset="2"/>
+              <a:buChar char="§"/>
+            </a:pPr>
+            <a:endParaRPr lang="fr-FR" sz="1000" dirty="0">
+              <a:latin typeface="Arial Nova" panose="020B0504020202020204" pitchFamily="34" charset="0"/>
+              <a:sym typeface="Wingdings" panose="05000000000000000000" pitchFamily="2" charset="2"/>
+            </a:endParaRPr>
+          </a:p>
+          <a:p>
+            <a:pPr>
+              <a:buClr>
+                <a:schemeClr val="accent1"/>
+              </a:buClr>
+            </a:pPr>
+            <a:r>
+              <a:rPr lang="fr-FR" sz="1000" b="1" dirty="0">
+                <a:latin typeface="Arial Nova" panose="020B0504020202020204" pitchFamily="34" charset="0"/>
+                <a:sym typeface="Wingdings" panose="05000000000000000000" pitchFamily="2" charset="2"/>
+              </a:rPr>
+              <a:t>Conseils</a:t>
+            </a:r>
+            <a:r>
+              <a:rPr lang="fr-FR" sz="1000" dirty="0">
+                <a:latin typeface="Arial Nova" panose="020B0504020202020204" pitchFamily="34" charset="0"/>
+                <a:sym typeface="Wingdings" panose="05000000000000000000" pitchFamily="2" charset="2"/>
+              </a:rPr>
+              <a:t> : </a:t>
+            </a:r>
+          </a:p>
+          <a:p>
+            <a:pPr marL="285750" indent="-285750">
+              <a:buClr>
+                <a:schemeClr val="accent1"/>
+              </a:buClr>
+              <a:buFont typeface="Wingdings" panose="05000000000000000000" pitchFamily="2" charset="2"/>
+              <a:buChar char="§"/>
+            </a:pPr>
+            <a:r>
+              <a:rPr lang="fr-FR" sz="1000" dirty="0">
+                <a:latin typeface="Arial Nova" panose="020B0504020202020204" pitchFamily="34" charset="0"/>
+                <a:sym typeface="Wingdings" panose="05000000000000000000" pitchFamily="2" charset="2"/>
+              </a:rPr>
+              <a:t>Présenter le support !</a:t>
+            </a:r>
+          </a:p>
+          <a:p>
+            <a:pPr marL="285750" indent="-285750">
+              <a:buClr>
+                <a:schemeClr val="accent1"/>
+              </a:buClr>
+              <a:buFont typeface="Wingdings" panose="05000000000000000000" pitchFamily="2" charset="2"/>
+              <a:buChar char="§"/>
+            </a:pPr>
+            <a:endParaRPr lang="fr-FR" sz="1000" dirty="0">
+              <a:latin typeface="Arial Nova" panose="020B0504020202020204" pitchFamily="34" charset="0"/>
+              <a:sym typeface="Wingdings" panose="05000000000000000000" pitchFamily="2" charset="2"/>
+            </a:endParaRPr>
+          </a:p>
+          <a:p>
+            <a:pPr marL="285750" indent="-285750">
+              <a:buClr>
+                <a:schemeClr val="accent1"/>
+              </a:buClr>
+              <a:buFont typeface="Wingdings" panose="05000000000000000000" pitchFamily="2" charset="2"/>
+              <a:buChar char="§"/>
+            </a:pPr>
+            <a:r>
+              <a:rPr lang="fr-FR" sz="1000" dirty="0">
+                <a:latin typeface="Arial Nova" panose="020B0504020202020204" pitchFamily="34" charset="0"/>
+                <a:sym typeface="Wingdings" panose="05000000000000000000" pitchFamily="2" charset="2"/>
+              </a:rPr>
+              <a:t>Etude mécanique : </a:t>
+            </a:r>
+          </a:p>
+          <a:p>
+            <a:pPr marL="742950" lvl="1" indent="-285750">
+              <a:buClr>
+                <a:schemeClr val="accent1"/>
+              </a:buClr>
+              <a:buFont typeface="Wingdings" panose="05000000000000000000" pitchFamily="2" charset="2"/>
+              <a:buChar char="§"/>
+            </a:pPr>
+            <a:r>
+              <a:rPr lang="fr-FR" sz="1000" dirty="0">
+                <a:latin typeface="Arial Nova" panose="020B0504020202020204" pitchFamily="34" charset="0"/>
+                <a:sym typeface="Wingdings" panose="05000000000000000000" pitchFamily="2" charset="2"/>
+              </a:rPr>
+              <a:t>Présenter la problématique</a:t>
+            </a:r>
+          </a:p>
+          <a:p>
+            <a:pPr marL="742950" lvl="1" indent="-285750">
+              <a:buClr>
+                <a:schemeClr val="accent1"/>
+              </a:buClr>
+              <a:buFont typeface="Wingdings" panose="05000000000000000000" pitchFamily="2" charset="2"/>
+              <a:buChar char="§"/>
+            </a:pPr>
+            <a:r>
+              <a:rPr lang="fr-FR" sz="1000" dirty="0">
+                <a:latin typeface="Arial Nova" panose="020B0504020202020204" pitchFamily="34" charset="0"/>
+                <a:sym typeface="Wingdings" panose="05000000000000000000" pitchFamily="2" charset="2"/>
+              </a:rPr>
+              <a:t>Démarche de résolution (</a:t>
+            </a:r>
+            <a:r>
+              <a:rPr lang="fr-FR" sz="1000" b="1" dirty="0">
+                <a:latin typeface="Arial Nova" panose="020B0504020202020204" pitchFamily="34" charset="0"/>
+                <a:sym typeface="Wingdings" panose="05000000000000000000" pitchFamily="2" charset="2"/>
+              </a:rPr>
+              <a:t>schéma/graphe</a:t>
+            </a:r>
+            <a:r>
+              <a:rPr lang="fr-FR" sz="1000" dirty="0">
+                <a:latin typeface="Arial Nova" panose="020B0504020202020204" pitchFamily="34" charset="0"/>
+                <a:sym typeface="Wingdings" panose="05000000000000000000" pitchFamily="2" charset="2"/>
+              </a:rPr>
+              <a:t>, isolement, choix des théorèmes)</a:t>
+            </a:r>
+          </a:p>
+          <a:p>
+            <a:pPr marL="742950" lvl="1" indent="-285750">
+              <a:buClr>
+                <a:schemeClr val="accent1"/>
+              </a:buClr>
+              <a:buFont typeface="Wingdings" panose="05000000000000000000" pitchFamily="2" charset="2"/>
+              <a:buChar char="§"/>
+            </a:pPr>
+            <a:r>
+              <a:rPr lang="fr-FR" sz="1000" dirty="0">
+                <a:latin typeface="Arial Nova" panose="020B0504020202020204" pitchFamily="34" charset="0"/>
+                <a:sym typeface="Wingdings" panose="05000000000000000000" pitchFamily="2" charset="2"/>
+              </a:rPr>
+              <a:t>Ne pas forcément détailler les calculs préparés</a:t>
+            </a:r>
+          </a:p>
+          <a:p>
+            <a:pPr marL="742950" lvl="1" indent="-285750">
+              <a:buClr>
+                <a:schemeClr val="accent1"/>
+              </a:buClr>
+              <a:buFont typeface="Wingdings" panose="05000000000000000000" pitchFamily="2" charset="2"/>
+              <a:buChar char="§"/>
+            </a:pPr>
+            <a:r>
+              <a:rPr lang="fr-FR" sz="1000" dirty="0">
+                <a:latin typeface="Arial Nova" panose="020B0504020202020204" pitchFamily="34" charset="0"/>
+                <a:sym typeface="Wingdings" panose="05000000000000000000" pitchFamily="2" charset="2"/>
+              </a:rPr>
+              <a:t>Conclure vis-à-vis de la problématique</a:t>
+            </a:r>
+          </a:p>
+          <a:p>
+            <a:pPr lvl="1">
+              <a:buClr>
+                <a:schemeClr val="accent1"/>
+              </a:buClr>
+            </a:pPr>
+            <a:endParaRPr lang="fr-FR" sz="1000" dirty="0">
+              <a:latin typeface="Arial Nova" panose="020B0504020202020204" pitchFamily="34" charset="0"/>
+              <a:sym typeface="Wingdings" panose="05000000000000000000" pitchFamily="2" charset="2"/>
+            </a:endParaRPr>
+          </a:p>
+          <a:p>
+            <a:pPr marL="285750" indent="-285750">
+              <a:buClr>
+                <a:schemeClr val="accent1"/>
+              </a:buClr>
+              <a:buFont typeface="Wingdings" panose="05000000000000000000" pitchFamily="2" charset="2"/>
+              <a:buChar char="§"/>
+            </a:pPr>
+            <a:r>
+              <a:rPr lang="fr-FR" sz="1000" dirty="0">
+                <a:latin typeface="Arial Nova" panose="020B0504020202020204" pitchFamily="34" charset="0"/>
+                <a:sym typeface="Wingdings" panose="05000000000000000000" pitchFamily="2" charset="2"/>
+              </a:rPr>
+              <a:t>Etude de la commande : </a:t>
+            </a:r>
+          </a:p>
+          <a:p>
+            <a:pPr marL="742950" lvl="1" indent="-285750">
+              <a:buClr>
+                <a:schemeClr val="accent1"/>
+              </a:buClr>
+              <a:buFont typeface="Wingdings" panose="05000000000000000000" pitchFamily="2" charset="2"/>
+              <a:buChar char="§"/>
+            </a:pPr>
+            <a:r>
+              <a:rPr lang="fr-FR" sz="1000" dirty="0">
+                <a:latin typeface="Arial Nova" panose="020B0504020202020204" pitchFamily="34" charset="0"/>
+                <a:sym typeface="Wingdings" panose="05000000000000000000" pitchFamily="2" charset="2"/>
+              </a:rPr>
+              <a:t>Présenter la problématique</a:t>
+            </a:r>
+          </a:p>
+          <a:p>
+            <a:pPr marL="742950" lvl="1" indent="-285750">
+              <a:buClr>
+                <a:schemeClr val="accent1"/>
+              </a:buClr>
+              <a:buFont typeface="Wingdings" panose="05000000000000000000" pitchFamily="2" charset="2"/>
+              <a:buChar char="§"/>
+            </a:pPr>
+            <a:r>
+              <a:rPr lang="fr-FR" sz="1000" dirty="0">
+                <a:latin typeface="Arial Nova" panose="020B0504020202020204" pitchFamily="34" charset="0"/>
+                <a:sym typeface="Wingdings" panose="05000000000000000000" pitchFamily="2" charset="2"/>
+              </a:rPr>
+              <a:t>Savoir calculer des FT et manipuler des schémas blocs</a:t>
+            </a:r>
+          </a:p>
+          <a:p>
+            <a:pPr marL="742950" lvl="1" indent="-285750">
+              <a:buClr>
+                <a:schemeClr val="accent1"/>
+              </a:buClr>
+              <a:buFont typeface="Wingdings" panose="05000000000000000000" pitchFamily="2" charset="2"/>
+              <a:buChar char="§"/>
+            </a:pPr>
+            <a:r>
+              <a:rPr lang="fr-FR" sz="1000" dirty="0">
+                <a:latin typeface="Arial Nova" panose="020B0504020202020204" pitchFamily="34" charset="0"/>
+                <a:sym typeface="Wingdings" panose="05000000000000000000" pitchFamily="2" charset="2"/>
+              </a:rPr>
+              <a:t>Utiliser la classe de la BO pour évaluer l’erreur</a:t>
+            </a:r>
+          </a:p>
+          <a:p>
+            <a:pPr marL="742950" lvl="1" indent="-285750">
+              <a:buClr>
+                <a:schemeClr val="accent1"/>
+              </a:buClr>
+              <a:buFont typeface="Wingdings" panose="05000000000000000000" pitchFamily="2" charset="2"/>
+              <a:buChar char="§"/>
+            </a:pPr>
+            <a:r>
+              <a:rPr lang="fr-FR" sz="1000" dirty="0">
+                <a:latin typeface="Arial Nova" panose="020B0504020202020204" pitchFamily="34" charset="0"/>
+                <a:sym typeface="Wingdings" panose="05000000000000000000" pitchFamily="2" charset="2"/>
+              </a:rPr>
+              <a:t>Maîtriser les correcteurs</a:t>
+            </a:r>
+          </a:p>
+          <a:p>
+            <a:pPr marL="742950" lvl="1" indent="-285750">
+              <a:buClr>
+                <a:schemeClr val="accent1"/>
+              </a:buClr>
+              <a:buFont typeface="Wingdings" panose="05000000000000000000" pitchFamily="2" charset="2"/>
+              <a:buChar char="§"/>
+            </a:pPr>
+            <a:r>
+              <a:rPr lang="fr-FR" sz="1000" dirty="0">
+                <a:latin typeface="Arial Nova" panose="020B0504020202020204" pitchFamily="34" charset="0"/>
+                <a:sym typeface="Wingdings" panose="05000000000000000000" pitchFamily="2" charset="2"/>
+              </a:rPr>
+              <a:t>Conclure vis-à-vis de la problématique</a:t>
+            </a:r>
+          </a:p>
+          <a:p>
+            <a:pPr marL="742950" lvl="1" indent="-285750">
+              <a:buClr>
+                <a:schemeClr val="accent1"/>
+              </a:buClr>
+              <a:buFont typeface="Wingdings" panose="05000000000000000000" pitchFamily="2" charset="2"/>
+              <a:buChar char="§"/>
+            </a:pPr>
+            <a:endParaRPr lang="fr-FR" sz="1000" dirty="0">
+              <a:latin typeface="Arial Nova" panose="020B0504020202020204" pitchFamily="34" charset="0"/>
+              <a:sym typeface="Wingdings" panose="05000000000000000000" pitchFamily="2" charset="2"/>
+            </a:endParaRPr>
+          </a:p>
+          <a:p>
+            <a:pPr marL="285750" indent="-285750">
+              <a:buClr>
+                <a:schemeClr val="accent1"/>
+              </a:buClr>
+              <a:buFont typeface="Wingdings" panose="05000000000000000000" pitchFamily="2" charset="2"/>
+              <a:buChar char="§"/>
+            </a:pPr>
+            <a:r>
+              <a:rPr lang="fr-FR" sz="1000" dirty="0">
+                <a:latin typeface="Arial Nova" panose="020B0504020202020204" pitchFamily="34" charset="0"/>
+                <a:sym typeface="Wingdings" panose="05000000000000000000" pitchFamily="2" charset="2"/>
+              </a:rPr>
+              <a:t>Traitement numérique des infos</a:t>
+            </a:r>
+          </a:p>
+          <a:p>
+            <a:pPr marL="742950" lvl="1" indent="-285750">
+              <a:buClr>
+                <a:schemeClr val="accent1"/>
+              </a:buClr>
+              <a:buFont typeface="Wingdings" panose="05000000000000000000" pitchFamily="2" charset="2"/>
+              <a:buChar char="§"/>
+            </a:pPr>
+            <a:r>
+              <a:rPr lang="fr-FR" sz="1000" dirty="0">
+                <a:latin typeface="Arial Nova" panose="020B0504020202020204" pitchFamily="34" charset="0"/>
+                <a:sym typeface="Wingdings" panose="05000000000000000000" pitchFamily="2" charset="2"/>
+              </a:rPr>
+              <a:t>Diagramme d’états à réviser</a:t>
+            </a:r>
+          </a:p>
+          <a:p>
+            <a:pPr marL="285750" indent="-285750">
+              <a:buClr>
+                <a:schemeClr val="accent1"/>
+              </a:buClr>
+              <a:buFont typeface="Wingdings" panose="05000000000000000000" pitchFamily="2" charset="2"/>
+              <a:buChar char="§"/>
+            </a:pPr>
+            <a:endParaRPr lang="fr-FR" sz="1000" dirty="0">
+              <a:latin typeface="Arial Nova" panose="020B0504020202020204" pitchFamily="34" charset="0"/>
+            </a:endParaRPr>
+          </a:p>
+        </p:txBody>
+      </p:sp>
+      <p:pic>
+        <p:nvPicPr>
+          <p:cNvPr id="26" name="Image 25" descr="Une image contenant texte, Emblème, symbole, logo&#10;&#10;Description générée automatiquement">
+            <a:extLst>
+              <a:ext uri="{FF2B5EF4-FFF2-40B4-BE49-F238E27FC236}">
+                <a16:creationId xmlns:a16="http://schemas.microsoft.com/office/drawing/2014/main" id="{60A60B00-BBAF-41B0-A1CA-5A0B774C81B2}"/>
+              </a:ext>
+            </a:extLst>
+          </p:cNvPr>
+          <p:cNvPicPr>
+            <a:picLocks noChangeAspect="1"/>
+          </p:cNvPicPr>
+          <p:nvPr/>
+        </p:nvPicPr>
+        <p:blipFill>
+          <a:blip r:embed="rId9">
+            <a:extLst>
+              <a:ext uri="{28A0092B-C50C-407E-A947-70E740481C1C}">
+                <a14:useLocalDpi xmlns:a14="http://schemas.microsoft.com/office/drawing/2010/main" val="0"/>
+              </a:ext>
+            </a:extLst>
+          </a:blip>
+          <a:stretch>
+            <a:fillRect/>
+          </a:stretch>
+        </p:blipFill>
+        <p:spPr>
+          <a:xfrm>
+            <a:off x="0" y="13787"/>
+            <a:ext cx="1627187" cy="915293"/>
+          </a:xfrm>
+          <a:prstGeom prst="rect">
+            <a:avLst/>
+          </a:prstGeom>
+        </p:spPr>
+      </p:pic>
+    </p:spTree>
+    <p:extLst>
+      <p:ext uri="{BB962C8B-B14F-4D97-AF65-F5344CB8AC3E}">
+        <p14:creationId xmlns:p14="http://schemas.microsoft.com/office/powerpoint/2010/main" val="892441344"/>
+      </p:ext>
+    </p:extLst>
+  </p:cSld>
+  <p:clrMapOvr>
+    <a:masterClrMapping/>
+  </p:clrMapOvr>
+</p:sld>
+</file>
+
+<file path=ppt/slides/slide8.xml><?xml version="1.0" encoding="utf-8"?>
+<p:sld xmlns:a="http://schemas.openxmlformats.org/drawingml/2006/main" xmlns:r="http://schemas.openxmlformats.org/officeDocument/2006/relationships" xmlns:p="http://schemas.openxmlformats.org/presentationml/2006/main">
+  <p:cSld>
+    <p:spTree>
+      <p:nvGrpSpPr>
+        <p:cNvPr id="1" name=""/>
+        <p:cNvGrpSpPr/>
+        <p:nvPr/>
+      </p:nvGrpSpPr>
+      <p:grpSpPr>
+        <a:xfrm>
+          <a:off x="0" y="0"/>
+          <a:ext cx="0" cy="0"/>
+          <a:chOff x="0" y="0"/>
+          <a:chExt cx="0" cy="0"/>
+        </a:xfrm>
+      </p:grpSpPr>
+      <p:sp>
+        <p:nvSpPr>
+          <p:cNvPr id="4" name="ZoneTexte 3">
+            <a:extLst>
+              <a:ext uri="{FF2B5EF4-FFF2-40B4-BE49-F238E27FC236}">
+                <a16:creationId xmlns:a16="http://schemas.microsoft.com/office/drawing/2014/main" id="{FFBA4433-80DD-2F99-7BCD-60FCA346D293}"/>
+              </a:ext>
+            </a:extLst>
+          </p:cNvPr>
+          <p:cNvSpPr txBox="1"/>
+          <p:nvPr/>
+        </p:nvSpPr>
+        <p:spPr>
+          <a:xfrm>
             <a:off x="350837" y="306940"/>
             <a:ext cx="6858000" cy="338554"/>
           </a:xfrm>
@@ -45836,7 +51177,7 @@
 </p:sld>
 </file>
 
-<file path=ppt/slides/slide8.xml><?xml version="1.0" encoding="utf-8"?>
+<file path=ppt/slides/slide9.xml><?xml version="1.0" encoding="utf-8"?>
 <p:sld xmlns:a="http://schemas.openxmlformats.org/drawingml/2006/main" xmlns:r="http://schemas.openxmlformats.org/officeDocument/2006/relationships" xmlns:p="http://schemas.openxmlformats.org/presentationml/2006/main" show="0">
   <p:cSld>
     <p:spTree>
